--- a/slides/NLP term project report.pptx
+++ b/slides/NLP term project report.pptx
@@ -8,6 +8,7 @@
     <p:sldId id="256" r:id="rId2"/>
     <p:sldId id="257" r:id="rId3"/>
     <p:sldId id="258" r:id="rId4"/>
+    <p:sldId id="259" r:id="rId5"/>
   </p:sldIdLst>
   <p:sldSz cx="9144000" cy="6858000" type="screen4x3"/>
   <p:notesSz cx="6858000" cy="9144000"/>
@@ -106,7 +107,3207 @@
       </a:defRPr>
     </a:lvl9pPr>
   </p:defaultTextStyle>
+  <p:extLst>
+    <p:ext uri="{EFAFB233-063F-42B5-8137-9DF3F51BA10A}">
+      <p15:sldGuideLst xmlns:p15="http://schemas.microsoft.com/office/powerpoint/2012/main"/>
+    </p:ext>
+  </p:extLst>
 </p:presentation>
+</file>
+
+<file path=ppt/charts/chart1.xml><?xml version="1.0" encoding="utf-8"?>
+<c:chartSpace xmlns:c="http://schemas.openxmlformats.org/drawingml/2006/chart" xmlns:a="http://schemas.openxmlformats.org/drawingml/2006/main" xmlns:r="http://schemas.openxmlformats.org/officeDocument/2006/relationships">
+  <c:date1904 val="0"/>
+  <c:lang val="zh-TW"/>
+  <c:roundedCorners val="0"/>
+  <mc:AlternateContent xmlns:mc="http://schemas.openxmlformats.org/markup-compatibility/2006">
+    <mc:Choice xmlns:c14="http://schemas.microsoft.com/office/drawing/2007/8/2/chart" Requires="c14">
+      <c14:style val="102"/>
+    </mc:Choice>
+    <mc:Fallback>
+      <c:style val="2"/>
+    </mc:Fallback>
+  </mc:AlternateContent>
+  <c:chart>
+    <c:title>
+      <c:tx>
+        <c:rich>
+          <a:bodyPr rot="0" spcFirstLastPara="1" vertOverflow="ellipsis" vert="horz" wrap="square" anchor="ctr" anchorCtr="1"/>
+          <a:lstStyle/>
+          <a:p>
+            <a:pPr>
+              <a:defRPr sz="1400" b="0" i="0" u="none" strike="noStrike" kern="1200" spc="0" baseline="0">
+                <a:solidFill>
+                  <a:schemeClr val="tx1">
+                    <a:lumMod val="65000"/>
+                    <a:lumOff val="35000"/>
+                  </a:schemeClr>
+                </a:solidFill>
+                <a:latin typeface="+mn-lt"/>
+                <a:ea typeface="+mn-ea"/>
+                <a:cs typeface="+mn-cs"/>
+              </a:defRPr>
+            </a:pPr>
+            <a:r>
+              <a:rPr lang="en-US" altLang="zh-CN"/>
+              <a:t>NB</a:t>
+            </a:r>
+            <a:endParaRPr lang="zh-TW" altLang="en-US"/>
+          </a:p>
+        </c:rich>
+      </c:tx>
+      <c:layout/>
+      <c:overlay val="0"/>
+      <c:spPr>
+        <a:noFill/>
+        <a:ln>
+          <a:noFill/>
+        </a:ln>
+        <a:effectLst/>
+      </c:spPr>
+      <c:txPr>
+        <a:bodyPr rot="0" spcFirstLastPara="1" vertOverflow="ellipsis" vert="horz" wrap="square" anchor="ctr" anchorCtr="1"/>
+        <a:lstStyle/>
+        <a:p>
+          <a:pPr>
+            <a:defRPr sz="1400" b="0" i="0" u="none" strike="noStrike" kern="1200" spc="0" baseline="0">
+              <a:solidFill>
+                <a:schemeClr val="tx1">
+                  <a:lumMod val="65000"/>
+                  <a:lumOff val="35000"/>
+                </a:schemeClr>
+              </a:solidFill>
+              <a:latin typeface="+mn-lt"/>
+              <a:ea typeface="+mn-ea"/>
+              <a:cs typeface="+mn-cs"/>
+            </a:defRPr>
+          </a:pPr>
+          <a:endParaRPr lang="zh-TW"/>
+        </a:p>
+      </c:txPr>
+    </c:title>
+    <c:autoTitleDeleted val="0"/>
+    <c:plotArea>
+      <c:layout>
+        <c:manualLayout>
+          <c:layoutTarget val="inner"/>
+          <c:xMode val="edge"/>
+          <c:yMode val="edge"/>
+          <c:x val="0.0620637574171862"/>
+          <c:y val="0.159779633725115"/>
+          <c:w val="0.907762159506673"/>
+          <c:h val="0.625930605995009"/>
+        </c:manualLayout>
+      </c:layout>
+      <c:barChart>
+        <c:barDir val="col"/>
+        <c:grouping val="clustered"/>
+        <c:varyColors val="0"/>
+        <c:ser>
+          <c:idx val="0"/>
+          <c:order val="0"/>
+          <c:tx>
+            <c:strRef>
+              <c:f>Sheet1!$B$3</c:f>
+              <c:strCache>
+                <c:ptCount val="1"/>
+                <c:pt idx="0">
+                  <c:v>precision</c:v>
+                </c:pt>
+              </c:strCache>
+            </c:strRef>
+          </c:tx>
+          <c:spPr>
+            <a:solidFill>
+              <a:schemeClr val="accent6"/>
+            </a:solidFill>
+            <a:ln>
+              <a:noFill/>
+            </a:ln>
+            <a:effectLst/>
+          </c:spPr>
+          <c:invertIfNegative val="0"/>
+          <c:cat>
+            <c:strRef>
+              <c:f>Sheet1!$A$4:$A$16</c:f>
+              <c:strCache>
+                <c:ptCount val="13"/>
+                <c:pt idx="0">
+                  <c:v>其它</c:v>
+                </c:pt>
+                <c:pt idx="1">
+                  <c:v>完成式</c:v>
+                </c:pt>
+                <c:pt idx="2">
+                  <c:v>進行式</c:v>
+                </c:pt>
+                <c:pt idx="3">
+                  <c:v>過去式</c:v>
+                </c:pt>
+                <c:pt idx="4">
+                  <c:v>未來式</c:v>
+                </c:pt>
+                <c:pt idx="5">
+                  <c:v>關係代名詞</c:v>
+                </c:pt>
+                <c:pt idx="6">
+                  <c:v>不定詞</c:v>
+                </c:pt>
+                <c:pt idx="7">
+                  <c:v>名詞子句</c:v>
+                </c:pt>
+                <c:pt idx="8">
+                  <c:v>被動</c:v>
+                </c:pt>
+                <c:pt idx="9">
+                  <c:v>介係詞</c:v>
+                </c:pt>
+                <c:pt idx="10">
+                  <c:v>連接詞</c:v>
+                </c:pt>
+                <c:pt idx="11">
+                  <c:v>假設語氣</c:v>
+                </c:pt>
+                <c:pt idx="12">
+                  <c:v>分詞</c:v>
+                </c:pt>
+              </c:strCache>
+            </c:strRef>
+          </c:cat>
+          <c:val>
+            <c:numRef>
+              <c:f>Sheet1!$B$4:$B$16</c:f>
+              <c:numCache>
+                <c:formatCode>General</c:formatCode>
+                <c:ptCount val="13"/>
+                <c:pt idx="0">
+                  <c:v>0.0</c:v>
+                </c:pt>
+                <c:pt idx="1">
+                  <c:v>1.0</c:v>
+                </c:pt>
+                <c:pt idx="2">
+                  <c:v>0.92</c:v>
+                </c:pt>
+                <c:pt idx="3">
+                  <c:v>0.86</c:v>
+                </c:pt>
+                <c:pt idx="4">
+                  <c:v>0.0</c:v>
+                </c:pt>
+                <c:pt idx="5">
+                  <c:v>0.86</c:v>
+                </c:pt>
+                <c:pt idx="6">
+                  <c:v>1.0</c:v>
+                </c:pt>
+                <c:pt idx="7">
+                  <c:v>1.0</c:v>
+                </c:pt>
+                <c:pt idx="8">
+                  <c:v>0.92</c:v>
+                </c:pt>
+                <c:pt idx="9">
+                  <c:v>0.56</c:v>
+                </c:pt>
+                <c:pt idx="10">
+                  <c:v>0.82</c:v>
+                </c:pt>
+                <c:pt idx="11">
+                  <c:v>1.0</c:v>
+                </c:pt>
+                <c:pt idx="12">
+                  <c:v>0.81</c:v>
+                </c:pt>
+              </c:numCache>
+            </c:numRef>
+          </c:val>
+        </c:ser>
+        <c:ser>
+          <c:idx val="1"/>
+          <c:order val="1"/>
+          <c:tx>
+            <c:strRef>
+              <c:f>Sheet1!$C$3</c:f>
+              <c:strCache>
+                <c:ptCount val="1"/>
+                <c:pt idx="0">
+                  <c:v>recall</c:v>
+                </c:pt>
+              </c:strCache>
+            </c:strRef>
+          </c:tx>
+          <c:spPr>
+            <a:solidFill>
+              <a:schemeClr val="accent5"/>
+            </a:solidFill>
+            <a:ln>
+              <a:noFill/>
+            </a:ln>
+            <a:effectLst/>
+          </c:spPr>
+          <c:invertIfNegative val="0"/>
+          <c:cat>
+            <c:strRef>
+              <c:f>Sheet1!$A$4:$A$16</c:f>
+              <c:strCache>
+                <c:ptCount val="13"/>
+                <c:pt idx="0">
+                  <c:v>其它</c:v>
+                </c:pt>
+                <c:pt idx="1">
+                  <c:v>完成式</c:v>
+                </c:pt>
+                <c:pt idx="2">
+                  <c:v>進行式</c:v>
+                </c:pt>
+                <c:pt idx="3">
+                  <c:v>過去式</c:v>
+                </c:pt>
+                <c:pt idx="4">
+                  <c:v>未來式</c:v>
+                </c:pt>
+                <c:pt idx="5">
+                  <c:v>關係代名詞</c:v>
+                </c:pt>
+                <c:pt idx="6">
+                  <c:v>不定詞</c:v>
+                </c:pt>
+                <c:pt idx="7">
+                  <c:v>名詞子句</c:v>
+                </c:pt>
+                <c:pt idx="8">
+                  <c:v>被動</c:v>
+                </c:pt>
+                <c:pt idx="9">
+                  <c:v>介係詞</c:v>
+                </c:pt>
+                <c:pt idx="10">
+                  <c:v>連接詞</c:v>
+                </c:pt>
+                <c:pt idx="11">
+                  <c:v>假設語氣</c:v>
+                </c:pt>
+                <c:pt idx="12">
+                  <c:v>分詞</c:v>
+                </c:pt>
+              </c:strCache>
+            </c:strRef>
+          </c:cat>
+          <c:val>
+            <c:numRef>
+              <c:f>Sheet1!$C$4:$C$16</c:f>
+              <c:numCache>
+                <c:formatCode>General</c:formatCode>
+                <c:ptCount val="13"/>
+                <c:pt idx="0">
+                  <c:v>0.0</c:v>
+                </c:pt>
+                <c:pt idx="1">
+                  <c:v>0.55</c:v>
+                </c:pt>
+                <c:pt idx="2">
+                  <c:v>0.56</c:v>
+                </c:pt>
+                <c:pt idx="3">
+                  <c:v>0.71</c:v>
+                </c:pt>
+                <c:pt idx="4">
+                  <c:v>0.0</c:v>
+                </c:pt>
+                <c:pt idx="5">
+                  <c:v>0.76</c:v>
+                </c:pt>
+                <c:pt idx="6">
+                  <c:v>0.05</c:v>
+                </c:pt>
+                <c:pt idx="7">
+                  <c:v>0.11</c:v>
+                </c:pt>
+                <c:pt idx="8">
+                  <c:v>0.24</c:v>
+                </c:pt>
+                <c:pt idx="9">
+                  <c:v>0.98</c:v>
+                </c:pt>
+                <c:pt idx="10">
+                  <c:v>0.77</c:v>
+                </c:pt>
+                <c:pt idx="11">
+                  <c:v>0.08</c:v>
+                </c:pt>
+                <c:pt idx="12">
+                  <c:v>0.84</c:v>
+                </c:pt>
+              </c:numCache>
+            </c:numRef>
+          </c:val>
+        </c:ser>
+        <c:dLbls>
+          <c:showLegendKey val="0"/>
+          <c:showVal val="0"/>
+          <c:showCatName val="0"/>
+          <c:showSerName val="0"/>
+          <c:showPercent val="0"/>
+          <c:showBubbleSize val="0"/>
+        </c:dLbls>
+        <c:gapWidth val="219"/>
+        <c:overlap val="-27"/>
+        <c:axId val="1801590176"/>
+        <c:axId val="1798671664"/>
+      </c:barChart>
+      <c:catAx>
+        <c:axId val="1801590176"/>
+        <c:scaling>
+          <c:orientation val="minMax"/>
+        </c:scaling>
+        <c:delete val="0"/>
+        <c:axPos val="b"/>
+        <c:numFmt formatCode="General" sourceLinked="1"/>
+        <c:majorTickMark val="none"/>
+        <c:minorTickMark val="none"/>
+        <c:tickLblPos val="nextTo"/>
+        <c:spPr>
+          <a:noFill/>
+          <a:ln w="9525" cap="flat" cmpd="sng" algn="ctr">
+            <a:solidFill>
+              <a:schemeClr val="tx1">
+                <a:lumMod val="15000"/>
+                <a:lumOff val="85000"/>
+              </a:schemeClr>
+            </a:solidFill>
+            <a:round/>
+          </a:ln>
+          <a:effectLst/>
+        </c:spPr>
+        <c:txPr>
+          <a:bodyPr rot="-60000000" spcFirstLastPara="1" vertOverflow="ellipsis" vert="horz" wrap="square" anchor="ctr" anchorCtr="1"/>
+          <a:lstStyle/>
+          <a:p>
+            <a:pPr>
+              <a:defRPr sz="900" b="0" i="0" u="none" strike="noStrike" kern="1200" baseline="0">
+                <a:solidFill>
+                  <a:schemeClr val="tx1">
+                    <a:lumMod val="65000"/>
+                    <a:lumOff val="35000"/>
+                  </a:schemeClr>
+                </a:solidFill>
+                <a:latin typeface="+mn-lt"/>
+                <a:ea typeface="+mn-ea"/>
+                <a:cs typeface="+mn-cs"/>
+              </a:defRPr>
+            </a:pPr>
+            <a:endParaRPr lang="zh-TW"/>
+          </a:p>
+        </c:txPr>
+        <c:crossAx val="1798671664"/>
+        <c:crosses val="autoZero"/>
+        <c:auto val="1"/>
+        <c:lblAlgn val="ctr"/>
+        <c:lblOffset val="100"/>
+        <c:noMultiLvlLbl val="0"/>
+      </c:catAx>
+      <c:valAx>
+        <c:axId val="1798671664"/>
+        <c:scaling>
+          <c:orientation val="minMax"/>
+          <c:max val="1.0"/>
+        </c:scaling>
+        <c:delete val="0"/>
+        <c:axPos val="l"/>
+        <c:majorGridlines>
+          <c:spPr>
+            <a:ln w="9525" cap="flat" cmpd="sng" algn="ctr">
+              <a:solidFill>
+                <a:schemeClr val="tx1">
+                  <a:lumMod val="15000"/>
+                  <a:lumOff val="85000"/>
+                </a:schemeClr>
+              </a:solidFill>
+              <a:round/>
+            </a:ln>
+            <a:effectLst/>
+          </c:spPr>
+        </c:majorGridlines>
+        <c:numFmt formatCode="General" sourceLinked="1"/>
+        <c:majorTickMark val="none"/>
+        <c:minorTickMark val="none"/>
+        <c:tickLblPos val="nextTo"/>
+        <c:spPr>
+          <a:noFill/>
+          <a:ln>
+            <a:noFill/>
+          </a:ln>
+          <a:effectLst/>
+        </c:spPr>
+        <c:txPr>
+          <a:bodyPr rot="-60000000" spcFirstLastPara="1" vertOverflow="ellipsis" vert="horz" wrap="square" anchor="ctr" anchorCtr="1"/>
+          <a:lstStyle/>
+          <a:p>
+            <a:pPr>
+              <a:defRPr sz="900" b="0" i="0" u="none" strike="noStrike" kern="1200" baseline="0">
+                <a:solidFill>
+                  <a:schemeClr val="tx1">
+                    <a:lumMod val="65000"/>
+                    <a:lumOff val="35000"/>
+                  </a:schemeClr>
+                </a:solidFill>
+                <a:latin typeface="+mn-lt"/>
+                <a:ea typeface="+mn-ea"/>
+                <a:cs typeface="+mn-cs"/>
+              </a:defRPr>
+            </a:pPr>
+            <a:endParaRPr lang="zh-TW"/>
+          </a:p>
+        </c:txPr>
+        <c:crossAx val="1801590176"/>
+        <c:crosses val="autoZero"/>
+        <c:crossBetween val="between"/>
+      </c:valAx>
+      <c:spPr>
+        <a:noFill/>
+        <a:ln>
+          <a:noFill/>
+        </a:ln>
+        <a:effectLst/>
+      </c:spPr>
+    </c:plotArea>
+    <c:legend>
+      <c:legendPos val="b"/>
+      <c:layout>
+        <c:manualLayout>
+          <c:xMode val="edge"/>
+          <c:yMode val="edge"/>
+          <c:x val="0.587973535263926"/>
+          <c:y val="0.0297983752074775"/>
+          <c:w val="0.406397701507347"/>
+          <c:h val="0.0875056682191183"/>
+        </c:manualLayout>
+      </c:layout>
+      <c:overlay val="0"/>
+      <c:spPr>
+        <a:noFill/>
+        <a:ln>
+          <a:noFill/>
+        </a:ln>
+        <a:effectLst/>
+      </c:spPr>
+      <c:txPr>
+        <a:bodyPr rot="0" spcFirstLastPara="1" vertOverflow="ellipsis" vert="horz" wrap="square" anchor="ctr" anchorCtr="1"/>
+        <a:lstStyle/>
+        <a:p>
+          <a:pPr>
+            <a:defRPr sz="1200" b="0" i="0" u="none" strike="noStrike" kern="1200" baseline="0">
+              <a:solidFill>
+                <a:schemeClr val="tx1">
+                  <a:lumMod val="65000"/>
+                  <a:lumOff val="35000"/>
+                </a:schemeClr>
+              </a:solidFill>
+              <a:latin typeface="+mn-lt"/>
+              <a:ea typeface="+mn-ea"/>
+              <a:cs typeface="+mn-cs"/>
+            </a:defRPr>
+          </a:pPr>
+          <a:endParaRPr lang="zh-TW"/>
+        </a:p>
+      </c:txPr>
+    </c:legend>
+    <c:plotVisOnly val="1"/>
+    <c:dispBlanksAs val="gap"/>
+    <c:showDLblsOverMax val="0"/>
+  </c:chart>
+  <c:spPr>
+    <a:noFill/>
+    <a:ln>
+      <a:noFill/>
+    </a:ln>
+    <a:effectLst/>
+  </c:spPr>
+  <c:txPr>
+    <a:bodyPr/>
+    <a:lstStyle/>
+    <a:p>
+      <a:pPr>
+        <a:defRPr/>
+      </a:pPr>
+      <a:endParaRPr lang="zh-TW"/>
+    </a:p>
+  </c:txPr>
+  <c:externalData r:id="rId3">
+    <c:autoUpdate val="0"/>
+  </c:externalData>
+</c:chartSpace>
+</file>
+
+<file path=ppt/charts/chart2.xml><?xml version="1.0" encoding="utf-8"?>
+<c:chartSpace xmlns:c="http://schemas.openxmlformats.org/drawingml/2006/chart" xmlns:a="http://schemas.openxmlformats.org/drawingml/2006/main" xmlns:r="http://schemas.openxmlformats.org/officeDocument/2006/relationships">
+  <c:date1904 val="0"/>
+  <c:lang val="zh-TW"/>
+  <c:roundedCorners val="0"/>
+  <mc:AlternateContent xmlns:mc="http://schemas.openxmlformats.org/markup-compatibility/2006">
+    <mc:Choice xmlns:c14="http://schemas.microsoft.com/office/drawing/2007/8/2/chart" Requires="c14">
+      <c14:style val="102"/>
+    </mc:Choice>
+    <mc:Fallback>
+      <c:style val="2"/>
+    </mc:Fallback>
+  </mc:AlternateContent>
+  <c:chart>
+    <c:title>
+      <c:tx>
+        <c:rich>
+          <a:bodyPr rot="0" spcFirstLastPara="1" vertOverflow="ellipsis" vert="horz" wrap="square" anchor="ctr" anchorCtr="1"/>
+          <a:lstStyle/>
+          <a:p>
+            <a:pPr>
+              <a:defRPr sz="1400" b="0" i="0" u="none" strike="noStrike" kern="1200" spc="0" baseline="0">
+                <a:solidFill>
+                  <a:schemeClr val="tx1">
+                    <a:lumMod val="65000"/>
+                    <a:lumOff val="35000"/>
+                  </a:schemeClr>
+                </a:solidFill>
+                <a:latin typeface="+mn-lt"/>
+                <a:ea typeface="+mn-ea"/>
+                <a:cs typeface="+mn-cs"/>
+              </a:defRPr>
+            </a:pPr>
+            <a:r>
+              <a:rPr lang="en-US" altLang="zh-CN"/>
+              <a:t>SVM</a:t>
+            </a:r>
+            <a:endParaRPr lang="zh-TW" altLang="en-US"/>
+          </a:p>
+        </c:rich>
+      </c:tx>
+      <c:layout/>
+      <c:overlay val="0"/>
+      <c:spPr>
+        <a:noFill/>
+        <a:ln>
+          <a:noFill/>
+        </a:ln>
+        <a:effectLst/>
+      </c:spPr>
+      <c:txPr>
+        <a:bodyPr rot="0" spcFirstLastPara="1" vertOverflow="ellipsis" vert="horz" wrap="square" anchor="ctr" anchorCtr="1"/>
+        <a:lstStyle/>
+        <a:p>
+          <a:pPr>
+            <a:defRPr sz="1400" b="0" i="0" u="none" strike="noStrike" kern="1200" spc="0" baseline="0">
+              <a:solidFill>
+                <a:schemeClr val="tx1">
+                  <a:lumMod val="65000"/>
+                  <a:lumOff val="35000"/>
+                </a:schemeClr>
+              </a:solidFill>
+              <a:latin typeface="+mn-lt"/>
+              <a:ea typeface="+mn-ea"/>
+              <a:cs typeface="+mn-cs"/>
+            </a:defRPr>
+          </a:pPr>
+          <a:endParaRPr lang="zh-TW"/>
+        </a:p>
+      </c:txPr>
+    </c:title>
+    <c:autoTitleDeleted val="0"/>
+    <c:plotArea>
+      <c:layout>
+        <c:manualLayout>
+          <c:layoutTarget val="inner"/>
+          <c:xMode val="edge"/>
+          <c:yMode val="edge"/>
+          <c:x val="0.0812221580424615"/>
+          <c:y val="0.163293628318252"/>
+          <c:w val="0.87928935066426"/>
+          <c:h val="0.629625932571359"/>
+        </c:manualLayout>
+      </c:layout>
+      <c:barChart>
+        <c:barDir val="col"/>
+        <c:grouping val="clustered"/>
+        <c:varyColors val="0"/>
+        <c:ser>
+          <c:idx val="0"/>
+          <c:order val="0"/>
+          <c:tx>
+            <c:strRef>
+              <c:f>Sheet1!$N$3</c:f>
+              <c:strCache>
+                <c:ptCount val="1"/>
+                <c:pt idx="0">
+                  <c:v>precision</c:v>
+                </c:pt>
+              </c:strCache>
+            </c:strRef>
+          </c:tx>
+          <c:spPr>
+            <a:solidFill>
+              <a:schemeClr val="accent6"/>
+            </a:solidFill>
+            <a:ln>
+              <a:noFill/>
+            </a:ln>
+            <a:effectLst/>
+          </c:spPr>
+          <c:invertIfNegative val="0"/>
+          <c:cat>
+            <c:strRef>
+              <c:f>Sheet1!$M$4:$M$16</c:f>
+              <c:strCache>
+                <c:ptCount val="13"/>
+                <c:pt idx="0">
+                  <c:v>其它</c:v>
+                </c:pt>
+                <c:pt idx="1">
+                  <c:v>完成式</c:v>
+                </c:pt>
+                <c:pt idx="2">
+                  <c:v>進行式</c:v>
+                </c:pt>
+                <c:pt idx="3">
+                  <c:v>過去式</c:v>
+                </c:pt>
+                <c:pt idx="4">
+                  <c:v>未來式</c:v>
+                </c:pt>
+                <c:pt idx="5">
+                  <c:v>關係代名詞</c:v>
+                </c:pt>
+                <c:pt idx="6">
+                  <c:v>不定詞</c:v>
+                </c:pt>
+                <c:pt idx="7">
+                  <c:v>名詞子句</c:v>
+                </c:pt>
+                <c:pt idx="8">
+                  <c:v>被動</c:v>
+                </c:pt>
+                <c:pt idx="9">
+                  <c:v>介係詞</c:v>
+                </c:pt>
+                <c:pt idx="10">
+                  <c:v>連接詞</c:v>
+                </c:pt>
+                <c:pt idx="11">
+                  <c:v>假設語氣</c:v>
+                </c:pt>
+                <c:pt idx="12">
+                  <c:v>分詞</c:v>
+                </c:pt>
+              </c:strCache>
+            </c:strRef>
+          </c:cat>
+          <c:val>
+            <c:numRef>
+              <c:f>Sheet1!$N$4:$N$16</c:f>
+              <c:numCache>
+                <c:formatCode>General</c:formatCode>
+                <c:ptCount val="13"/>
+                <c:pt idx="0">
+                  <c:v>0.0</c:v>
+                </c:pt>
+                <c:pt idx="1">
+                  <c:v>1.0</c:v>
+                </c:pt>
+                <c:pt idx="2">
+                  <c:v>1.0</c:v>
+                </c:pt>
+                <c:pt idx="3">
+                  <c:v>0.93</c:v>
+                </c:pt>
+                <c:pt idx="4">
+                  <c:v>1.0</c:v>
+                </c:pt>
+                <c:pt idx="5">
+                  <c:v>0.98</c:v>
+                </c:pt>
+                <c:pt idx="6">
+                  <c:v>1.0</c:v>
+                </c:pt>
+                <c:pt idx="7">
+                  <c:v>0.83</c:v>
+                </c:pt>
+                <c:pt idx="8">
+                  <c:v>0.96</c:v>
+                </c:pt>
+                <c:pt idx="9">
+                  <c:v>0.91</c:v>
+                </c:pt>
+                <c:pt idx="10">
+                  <c:v>0.95</c:v>
+                </c:pt>
+                <c:pt idx="11">
+                  <c:v>0.91</c:v>
+                </c:pt>
+                <c:pt idx="12">
+                  <c:v>0.92</c:v>
+                </c:pt>
+              </c:numCache>
+            </c:numRef>
+          </c:val>
+        </c:ser>
+        <c:ser>
+          <c:idx val="1"/>
+          <c:order val="1"/>
+          <c:tx>
+            <c:strRef>
+              <c:f>Sheet1!$O$3</c:f>
+              <c:strCache>
+                <c:ptCount val="1"/>
+                <c:pt idx="0">
+                  <c:v>recall</c:v>
+                </c:pt>
+              </c:strCache>
+            </c:strRef>
+          </c:tx>
+          <c:spPr>
+            <a:solidFill>
+              <a:schemeClr val="accent5"/>
+            </a:solidFill>
+            <a:ln>
+              <a:noFill/>
+            </a:ln>
+            <a:effectLst/>
+          </c:spPr>
+          <c:invertIfNegative val="0"/>
+          <c:cat>
+            <c:strRef>
+              <c:f>Sheet1!$M$4:$M$16</c:f>
+              <c:strCache>
+                <c:ptCount val="13"/>
+                <c:pt idx="0">
+                  <c:v>其它</c:v>
+                </c:pt>
+                <c:pt idx="1">
+                  <c:v>完成式</c:v>
+                </c:pt>
+                <c:pt idx="2">
+                  <c:v>進行式</c:v>
+                </c:pt>
+                <c:pt idx="3">
+                  <c:v>過去式</c:v>
+                </c:pt>
+                <c:pt idx="4">
+                  <c:v>未來式</c:v>
+                </c:pt>
+                <c:pt idx="5">
+                  <c:v>關係代名詞</c:v>
+                </c:pt>
+                <c:pt idx="6">
+                  <c:v>不定詞</c:v>
+                </c:pt>
+                <c:pt idx="7">
+                  <c:v>名詞子句</c:v>
+                </c:pt>
+                <c:pt idx="8">
+                  <c:v>被動</c:v>
+                </c:pt>
+                <c:pt idx="9">
+                  <c:v>介係詞</c:v>
+                </c:pt>
+                <c:pt idx="10">
+                  <c:v>連接詞</c:v>
+                </c:pt>
+                <c:pt idx="11">
+                  <c:v>假設語氣</c:v>
+                </c:pt>
+                <c:pt idx="12">
+                  <c:v>分詞</c:v>
+                </c:pt>
+              </c:strCache>
+            </c:strRef>
+          </c:cat>
+          <c:val>
+            <c:numRef>
+              <c:f>Sheet1!$O$4:$O$16</c:f>
+              <c:numCache>
+                <c:formatCode>General</c:formatCode>
+                <c:ptCount val="13"/>
+                <c:pt idx="0">
+                  <c:v>0.0</c:v>
+                </c:pt>
+                <c:pt idx="1">
+                  <c:v>1.0</c:v>
+                </c:pt>
+                <c:pt idx="2">
+                  <c:v>0.92</c:v>
+                </c:pt>
+                <c:pt idx="3">
+                  <c:v>0.84</c:v>
+                </c:pt>
+                <c:pt idx="4">
+                  <c:v>1.0</c:v>
+                </c:pt>
+                <c:pt idx="5">
+                  <c:v>0.97</c:v>
+                </c:pt>
+                <c:pt idx="6">
+                  <c:v>0.8</c:v>
+                </c:pt>
+                <c:pt idx="7">
+                  <c:v>0.83</c:v>
+                </c:pt>
+                <c:pt idx="8">
+                  <c:v>0.92</c:v>
+                </c:pt>
+                <c:pt idx="9">
+                  <c:v>0.98</c:v>
+                </c:pt>
+                <c:pt idx="10">
+                  <c:v>0.93</c:v>
+                </c:pt>
+                <c:pt idx="11">
+                  <c:v>0.83</c:v>
+                </c:pt>
+                <c:pt idx="12">
+                  <c:v>0.97</c:v>
+                </c:pt>
+              </c:numCache>
+            </c:numRef>
+          </c:val>
+        </c:ser>
+        <c:dLbls>
+          <c:showLegendKey val="0"/>
+          <c:showVal val="0"/>
+          <c:showCatName val="0"/>
+          <c:showSerName val="0"/>
+          <c:showPercent val="0"/>
+          <c:showBubbleSize val="0"/>
+        </c:dLbls>
+        <c:gapWidth val="219"/>
+        <c:overlap val="-27"/>
+        <c:axId val="1792141904"/>
+        <c:axId val="-2146292272"/>
+      </c:barChart>
+      <c:catAx>
+        <c:axId val="1792141904"/>
+        <c:scaling>
+          <c:orientation val="minMax"/>
+        </c:scaling>
+        <c:delete val="0"/>
+        <c:axPos val="b"/>
+        <c:numFmt formatCode="General" sourceLinked="1"/>
+        <c:majorTickMark val="none"/>
+        <c:minorTickMark val="none"/>
+        <c:tickLblPos val="nextTo"/>
+        <c:spPr>
+          <a:noFill/>
+          <a:ln w="9525" cap="flat" cmpd="sng" algn="ctr">
+            <a:solidFill>
+              <a:schemeClr val="tx1">
+                <a:lumMod val="15000"/>
+                <a:lumOff val="85000"/>
+              </a:schemeClr>
+            </a:solidFill>
+            <a:round/>
+          </a:ln>
+          <a:effectLst/>
+        </c:spPr>
+        <c:txPr>
+          <a:bodyPr rot="-60000000" spcFirstLastPara="1" vertOverflow="ellipsis" vert="horz" wrap="square" anchor="ctr" anchorCtr="1"/>
+          <a:lstStyle/>
+          <a:p>
+            <a:pPr>
+              <a:defRPr sz="900" b="0" i="0" u="none" strike="noStrike" kern="1200" baseline="0">
+                <a:solidFill>
+                  <a:schemeClr val="tx1">
+                    <a:lumMod val="65000"/>
+                    <a:lumOff val="35000"/>
+                  </a:schemeClr>
+                </a:solidFill>
+                <a:latin typeface="+mn-lt"/>
+                <a:ea typeface="+mn-ea"/>
+                <a:cs typeface="+mn-cs"/>
+              </a:defRPr>
+            </a:pPr>
+            <a:endParaRPr lang="zh-TW"/>
+          </a:p>
+        </c:txPr>
+        <c:crossAx val="-2146292272"/>
+        <c:crosses val="autoZero"/>
+        <c:auto val="1"/>
+        <c:lblAlgn val="ctr"/>
+        <c:lblOffset val="100"/>
+        <c:noMultiLvlLbl val="0"/>
+      </c:catAx>
+      <c:valAx>
+        <c:axId val="-2146292272"/>
+        <c:scaling>
+          <c:orientation val="minMax"/>
+          <c:max val="1.0"/>
+        </c:scaling>
+        <c:delete val="0"/>
+        <c:axPos val="l"/>
+        <c:majorGridlines>
+          <c:spPr>
+            <a:ln w="9525" cap="flat" cmpd="sng" algn="ctr">
+              <a:solidFill>
+                <a:schemeClr val="tx1">
+                  <a:lumMod val="15000"/>
+                  <a:lumOff val="85000"/>
+                </a:schemeClr>
+              </a:solidFill>
+              <a:round/>
+            </a:ln>
+            <a:effectLst/>
+          </c:spPr>
+        </c:majorGridlines>
+        <c:numFmt formatCode="General" sourceLinked="1"/>
+        <c:majorTickMark val="none"/>
+        <c:minorTickMark val="none"/>
+        <c:tickLblPos val="nextTo"/>
+        <c:spPr>
+          <a:noFill/>
+          <a:ln>
+            <a:noFill/>
+          </a:ln>
+          <a:effectLst/>
+        </c:spPr>
+        <c:txPr>
+          <a:bodyPr rot="-60000000" spcFirstLastPara="1" vertOverflow="ellipsis" vert="horz" wrap="square" anchor="ctr" anchorCtr="1"/>
+          <a:lstStyle/>
+          <a:p>
+            <a:pPr>
+              <a:defRPr sz="900" b="0" i="0" u="none" strike="noStrike" kern="1200" baseline="0">
+                <a:solidFill>
+                  <a:schemeClr val="tx1">
+                    <a:lumMod val="65000"/>
+                    <a:lumOff val="35000"/>
+                  </a:schemeClr>
+                </a:solidFill>
+                <a:latin typeface="+mn-lt"/>
+                <a:ea typeface="+mn-ea"/>
+                <a:cs typeface="+mn-cs"/>
+              </a:defRPr>
+            </a:pPr>
+            <a:endParaRPr lang="zh-TW"/>
+          </a:p>
+        </c:txPr>
+        <c:crossAx val="1792141904"/>
+        <c:crosses val="autoZero"/>
+        <c:crossBetween val="between"/>
+      </c:valAx>
+      <c:spPr>
+        <a:noFill/>
+        <a:ln>
+          <a:noFill/>
+        </a:ln>
+        <a:effectLst/>
+      </c:spPr>
+    </c:plotArea>
+    <c:legend>
+      <c:legendPos val="b"/>
+      <c:layout>
+        <c:manualLayout>
+          <c:xMode val="edge"/>
+          <c:yMode val="edge"/>
+          <c:x val="0.61245700173764"/>
+          <c:y val="0.0400190813458718"/>
+          <c:w val="0.302134900451639"/>
+          <c:h val="0.0875056682191183"/>
+        </c:manualLayout>
+      </c:layout>
+      <c:overlay val="0"/>
+      <c:spPr>
+        <a:noFill/>
+        <a:ln>
+          <a:noFill/>
+        </a:ln>
+        <a:effectLst/>
+      </c:spPr>
+      <c:txPr>
+        <a:bodyPr rot="0" spcFirstLastPara="1" vertOverflow="ellipsis" vert="horz" wrap="square" anchor="ctr" anchorCtr="1"/>
+        <a:lstStyle/>
+        <a:p>
+          <a:pPr>
+            <a:defRPr sz="1200" b="0" i="0" u="none" strike="noStrike" kern="1200" baseline="0">
+              <a:solidFill>
+                <a:schemeClr val="tx1">
+                  <a:lumMod val="65000"/>
+                  <a:lumOff val="35000"/>
+                </a:schemeClr>
+              </a:solidFill>
+              <a:latin typeface="+mn-lt"/>
+              <a:ea typeface="+mn-ea"/>
+              <a:cs typeface="+mn-cs"/>
+            </a:defRPr>
+          </a:pPr>
+          <a:endParaRPr lang="zh-TW"/>
+        </a:p>
+      </c:txPr>
+    </c:legend>
+    <c:plotVisOnly val="1"/>
+    <c:dispBlanksAs val="gap"/>
+    <c:showDLblsOverMax val="0"/>
+  </c:chart>
+  <c:spPr>
+    <a:noFill/>
+    <a:ln>
+      <a:noFill/>
+    </a:ln>
+    <a:effectLst/>
+  </c:spPr>
+  <c:txPr>
+    <a:bodyPr/>
+    <a:lstStyle/>
+    <a:p>
+      <a:pPr>
+        <a:defRPr/>
+      </a:pPr>
+      <a:endParaRPr lang="zh-TW"/>
+    </a:p>
+  </c:txPr>
+  <c:externalData r:id="rId3">
+    <c:autoUpdate val="0"/>
+  </c:externalData>
+</c:chartSpace>
+</file>
+
+<file path=ppt/charts/chart3.xml><?xml version="1.0" encoding="utf-8"?>
+<c:chartSpace xmlns:c="http://schemas.openxmlformats.org/drawingml/2006/chart" xmlns:a="http://schemas.openxmlformats.org/drawingml/2006/main" xmlns:r="http://schemas.openxmlformats.org/officeDocument/2006/relationships">
+  <c:date1904 val="0"/>
+  <c:lang val="zh-TW"/>
+  <c:roundedCorners val="0"/>
+  <mc:AlternateContent xmlns:mc="http://schemas.openxmlformats.org/markup-compatibility/2006">
+    <mc:Choice xmlns:c14="http://schemas.microsoft.com/office/drawing/2007/8/2/chart" Requires="c14">
+      <c14:style val="102"/>
+    </mc:Choice>
+    <mc:Fallback>
+      <c:style val="2"/>
+    </mc:Fallback>
+  </mc:AlternateContent>
+  <c:chart>
+    <c:title>
+      <c:tx>
+        <c:rich>
+          <a:bodyPr rot="0" spcFirstLastPara="1" vertOverflow="ellipsis" vert="horz" wrap="square" anchor="ctr" anchorCtr="1"/>
+          <a:lstStyle/>
+          <a:p>
+            <a:pPr>
+              <a:defRPr sz="1400" b="0" i="0" u="none" strike="noStrike" kern="1200" spc="0" baseline="0">
+                <a:solidFill>
+                  <a:schemeClr val="tx1">
+                    <a:lumMod val="65000"/>
+                    <a:lumOff val="35000"/>
+                  </a:schemeClr>
+                </a:solidFill>
+                <a:latin typeface="+mn-lt"/>
+                <a:ea typeface="+mn-ea"/>
+                <a:cs typeface="+mn-cs"/>
+              </a:defRPr>
+            </a:pPr>
+            <a:r>
+              <a:rPr lang="en-US" altLang="zh-CN"/>
+              <a:t>RF</a:t>
+            </a:r>
+            <a:endParaRPr lang="zh-TW" altLang="en-US"/>
+          </a:p>
+        </c:rich>
+      </c:tx>
+      <c:layout/>
+      <c:overlay val="0"/>
+      <c:spPr>
+        <a:noFill/>
+        <a:ln>
+          <a:noFill/>
+        </a:ln>
+        <a:effectLst/>
+      </c:spPr>
+      <c:txPr>
+        <a:bodyPr rot="0" spcFirstLastPara="1" vertOverflow="ellipsis" vert="horz" wrap="square" anchor="ctr" anchorCtr="1"/>
+        <a:lstStyle/>
+        <a:p>
+          <a:pPr>
+            <a:defRPr sz="1400" b="0" i="0" u="none" strike="noStrike" kern="1200" spc="0" baseline="0">
+              <a:solidFill>
+                <a:schemeClr val="tx1">
+                  <a:lumMod val="65000"/>
+                  <a:lumOff val="35000"/>
+                </a:schemeClr>
+              </a:solidFill>
+              <a:latin typeface="+mn-lt"/>
+              <a:ea typeface="+mn-ea"/>
+              <a:cs typeface="+mn-cs"/>
+            </a:defRPr>
+          </a:pPr>
+          <a:endParaRPr lang="zh-TW"/>
+        </a:p>
+      </c:txPr>
+    </c:title>
+    <c:autoTitleDeleted val="0"/>
+    <c:plotArea>
+      <c:layout>
+        <c:manualLayout>
+          <c:layoutTarget val="inner"/>
+          <c:xMode val="edge"/>
+          <c:yMode val="edge"/>
+          <c:x val="0.0672682612786609"/>
+          <c:y val="0.159779633725115"/>
+          <c:w val="0.900027336205616"/>
+          <c:h val="0.637596191324172"/>
+        </c:manualLayout>
+      </c:layout>
+      <c:barChart>
+        <c:barDir val="col"/>
+        <c:grouping val="clustered"/>
+        <c:varyColors val="0"/>
+        <c:ser>
+          <c:idx val="0"/>
+          <c:order val="0"/>
+          <c:tx>
+            <c:strRef>
+              <c:f>Sheet1!$H$3</c:f>
+              <c:strCache>
+                <c:ptCount val="1"/>
+                <c:pt idx="0">
+                  <c:v>precision</c:v>
+                </c:pt>
+              </c:strCache>
+            </c:strRef>
+          </c:tx>
+          <c:spPr>
+            <a:solidFill>
+              <a:schemeClr val="accent6"/>
+            </a:solidFill>
+            <a:ln>
+              <a:noFill/>
+            </a:ln>
+            <a:effectLst/>
+          </c:spPr>
+          <c:invertIfNegative val="0"/>
+          <c:cat>
+            <c:strRef>
+              <c:f>Sheet1!$G$4:$G$16</c:f>
+              <c:strCache>
+                <c:ptCount val="13"/>
+                <c:pt idx="0">
+                  <c:v>其它</c:v>
+                </c:pt>
+                <c:pt idx="1">
+                  <c:v>完成式</c:v>
+                </c:pt>
+                <c:pt idx="2">
+                  <c:v>進行式</c:v>
+                </c:pt>
+                <c:pt idx="3">
+                  <c:v>過去式</c:v>
+                </c:pt>
+                <c:pt idx="4">
+                  <c:v>未來式</c:v>
+                </c:pt>
+                <c:pt idx="5">
+                  <c:v>關係代名詞</c:v>
+                </c:pt>
+                <c:pt idx="6">
+                  <c:v>不定詞</c:v>
+                </c:pt>
+                <c:pt idx="7">
+                  <c:v>名詞子句</c:v>
+                </c:pt>
+                <c:pt idx="8">
+                  <c:v>被動</c:v>
+                </c:pt>
+                <c:pt idx="9">
+                  <c:v>介係詞</c:v>
+                </c:pt>
+                <c:pt idx="10">
+                  <c:v>連接詞</c:v>
+                </c:pt>
+                <c:pt idx="11">
+                  <c:v>假設語氣</c:v>
+                </c:pt>
+                <c:pt idx="12">
+                  <c:v>分詞</c:v>
+                </c:pt>
+              </c:strCache>
+            </c:strRef>
+          </c:cat>
+          <c:val>
+            <c:numRef>
+              <c:f>Sheet1!$H$4:$H$16</c:f>
+              <c:numCache>
+                <c:formatCode>General</c:formatCode>
+                <c:ptCount val="13"/>
+                <c:pt idx="0">
+                  <c:v>0.0</c:v>
+                </c:pt>
+                <c:pt idx="1">
+                  <c:v>1.0</c:v>
+                </c:pt>
+                <c:pt idx="2">
+                  <c:v>1.0</c:v>
+                </c:pt>
+                <c:pt idx="3">
+                  <c:v>0.93</c:v>
+                </c:pt>
+                <c:pt idx="4">
+                  <c:v>1.0</c:v>
+                </c:pt>
+                <c:pt idx="5">
+                  <c:v>0.94</c:v>
+                </c:pt>
+                <c:pt idx="6">
+                  <c:v>1.0</c:v>
+                </c:pt>
+                <c:pt idx="7">
+                  <c:v>1.0</c:v>
+                </c:pt>
+                <c:pt idx="8">
+                  <c:v>1.0</c:v>
+                </c:pt>
+                <c:pt idx="9">
+                  <c:v>0.88</c:v>
+                </c:pt>
+                <c:pt idx="10">
+                  <c:v>0.96</c:v>
+                </c:pt>
+                <c:pt idx="11">
+                  <c:v>0.92</c:v>
+                </c:pt>
+                <c:pt idx="12">
+                  <c:v>0.92</c:v>
+                </c:pt>
+              </c:numCache>
+            </c:numRef>
+          </c:val>
+        </c:ser>
+        <c:ser>
+          <c:idx val="1"/>
+          <c:order val="1"/>
+          <c:tx>
+            <c:strRef>
+              <c:f>Sheet1!$I$3</c:f>
+              <c:strCache>
+                <c:ptCount val="1"/>
+                <c:pt idx="0">
+                  <c:v>recall</c:v>
+                </c:pt>
+              </c:strCache>
+            </c:strRef>
+          </c:tx>
+          <c:spPr>
+            <a:solidFill>
+              <a:schemeClr val="accent5"/>
+            </a:solidFill>
+            <a:ln>
+              <a:noFill/>
+            </a:ln>
+            <a:effectLst/>
+          </c:spPr>
+          <c:invertIfNegative val="0"/>
+          <c:cat>
+            <c:strRef>
+              <c:f>Sheet1!$G$4:$G$16</c:f>
+              <c:strCache>
+                <c:ptCount val="13"/>
+                <c:pt idx="0">
+                  <c:v>其它</c:v>
+                </c:pt>
+                <c:pt idx="1">
+                  <c:v>完成式</c:v>
+                </c:pt>
+                <c:pt idx="2">
+                  <c:v>進行式</c:v>
+                </c:pt>
+                <c:pt idx="3">
+                  <c:v>過去式</c:v>
+                </c:pt>
+                <c:pt idx="4">
+                  <c:v>未來式</c:v>
+                </c:pt>
+                <c:pt idx="5">
+                  <c:v>關係代名詞</c:v>
+                </c:pt>
+                <c:pt idx="6">
+                  <c:v>不定詞</c:v>
+                </c:pt>
+                <c:pt idx="7">
+                  <c:v>名詞子句</c:v>
+                </c:pt>
+                <c:pt idx="8">
+                  <c:v>被動</c:v>
+                </c:pt>
+                <c:pt idx="9">
+                  <c:v>介係詞</c:v>
+                </c:pt>
+                <c:pt idx="10">
+                  <c:v>連接詞</c:v>
+                </c:pt>
+                <c:pt idx="11">
+                  <c:v>假設語氣</c:v>
+                </c:pt>
+                <c:pt idx="12">
+                  <c:v>分詞</c:v>
+                </c:pt>
+              </c:strCache>
+            </c:strRef>
+          </c:cat>
+          <c:val>
+            <c:numRef>
+              <c:f>Sheet1!$I$4:$I$16</c:f>
+              <c:numCache>
+                <c:formatCode>General</c:formatCode>
+                <c:ptCount val="13"/>
+                <c:pt idx="0">
+                  <c:v>0.0</c:v>
+                </c:pt>
+                <c:pt idx="1">
+                  <c:v>0.93</c:v>
+                </c:pt>
+                <c:pt idx="2">
+                  <c:v>0.87</c:v>
+                </c:pt>
+                <c:pt idx="3">
+                  <c:v>0.93</c:v>
+                </c:pt>
+                <c:pt idx="4">
+                  <c:v>0.57</c:v>
+                </c:pt>
+                <c:pt idx="5">
+                  <c:v>0.98</c:v>
+                </c:pt>
+                <c:pt idx="6">
+                  <c:v>0.75</c:v>
+                </c:pt>
+                <c:pt idx="7">
+                  <c:v>0.67</c:v>
+                </c:pt>
+                <c:pt idx="8">
+                  <c:v>0.84</c:v>
+                </c:pt>
+                <c:pt idx="9">
+                  <c:v>0.97</c:v>
+                </c:pt>
+                <c:pt idx="10">
+                  <c:v>0.94</c:v>
+                </c:pt>
+                <c:pt idx="11">
+                  <c:v>0.92</c:v>
+                </c:pt>
+                <c:pt idx="12">
+                  <c:v>0.99</c:v>
+                </c:pt>
+              </c:numCache>
+            </c:numRef>
+          </c:val>
+        </c:ser>
+        <c:dLbls>
+          <c:showLegendKey val="0"/>
+          <c:showVal val="0"/>
+          <c:showCatName val="0"/>
+          <c:showSerName val="0"/>
+          <c:showPercent val="0"/>
+          <c:showBubbleSize val="0"/>
+        </c:dLbls>
+        <c:gapWidth val="219"/>
+        <c:overlap val="-27"/>
+        <c:axId val="1794891424"/>
+        <c:axId val="-2069271984"/>
+      </c:barChart>
+      <c:catAx>
+        <c:axId val="1794891424"/>
+        <c:scaling>
+          <c:orientation val="minMax"/>
+        </c:scaling>
+        <c:delete val="0"/>
+        <c:axPos val="b"/>
+        <c:numFmt formatCode="General" sourceLinked="1"/>
+        <c:majorTickMark val="none"/>
+        <c:minorTickMark val="none"/>
+        <c:tickLblPos val="nextTo"/>
+        <c:spPr>
+          <a:noFill/>
+          <a:ln w="9525" cap="flat" cmpd="sng" algn="ctr">
+            <a:solidFill>
+              <a:schemeClr val="tx1">
+                <a:lumMod val="15000"/>
+                <a:lumOff val="85000"/>
+              </a:schemeClr>
+            </a:solidFill>
+            <a:round/>
+          </a:ln>
+          <a:effectLst/>
+        </c:spPr>
+        <c:txPr>
+          <a:bodyPr rot="-60000000" spcFirstLastPara="1" vertOverflow="ellipsis" vert="horz" wrap="square" anchor="ctr" anchorCtr="1"/>
+          <a:lstStyle/>
+          <a:p>
+            <a:pPr>
+              <a:defRPr sz="900" b="0" i="0" u="none" strike="noStrike" kern="1200" baseline="0">
+                <a:solidFill>
+                  <a:schemeClr val="tx1">
+                    <a:lumMod val="65000"/>
+                    <a:lumOff val="35000"/>
+                  </a:schemeClr>
+                </a:solidFill>
+                <a:latin typeface="+mn-lt"/>
+                <a:ea typeface="+mn-ea"/>
+                <a:cs typeface="+mn-cs"/>
+              </a:defRPr>
+            </a:pPr>
+            <a:endParaRPr lang="zh-TW"/>
+          </a:p>
+        </c:txPr>
+        <c:crossAx val="-2069271984"/>
+        <c:crosses val="autoZero"/>
+        <c:auto val="1"/>
+        <c:lblAlgn val="ctr"/>
+        <c:lblOffset val="100"/>
+        <c:noMultiLvlLbl val="0"/>
+      </c:catAx>
+      <c:valAx>
+        <c:axId val="-2069271984"/>
+        <c:scaling>
+          <c:orientation val="minMax"/>
+          <c:max val="1.0"/>
+        </c:scaling>
+        <c:delete val="0"/>
+        <c:axPos val="l"/>
+        <c:majorGridlines>
+          <c:spPr>
+            <a:ln w="9525" cap="flat" cmpd="sng" algn="ctr">
+              <a:solidFill>
+                <a:schemeClr val="tx1">
+                  <a:lumMod val="15000"/>
+                  <a:lumOff val="85000"/>
+                </a:schemeClr>
+              </a:solidFill>
+              <a:round/>
+            </a:ln>
+            <a:effectLst/>
+          </c:spPr>
+        </c:majorGridlines>
+        <c:numFmt formatCode="General" sourceLinked="1"/>
+        <c:majorTickMark val="none"/>
+        <c:minorTickMark val="none"/>
+        <c:tickLblPos val="nextTo"/>
+        <c:spPr>
+          <a:noFill/>
+          <a:ln>
+            <a:noFill/>
+          </a:ln>
+          <a:effectLst/>
+        </c:spPr>
+        <c:txPr>
+          <a:bodyPr rot="-60000000" spcFirstLastPara="1" vertOverflow="ellipsis" vert="horz" wrap="square" anchor="ctr" anchorCtr="1"/>
+          <a:lstStyle/>
+          <a:p>
+            <a:pPr>
+              <a:defRPr sz="900" b="0" i="0" u="none" strike="noStrike" kern="1200" baseline="0">
+                <a:solidFill>
+                  <a:schemeClr val="tx1">
+                    <a:lumMod val="65000"/>
+                    <a:lumOff val="35000"/>
+                  </a:schemeClr>
+                </a:solidFill>
+                <a:latin typeface="+mn-lt"/>
+                <a:ea typeface="+mn-ea"/>
+                <a:cs typeface="+mn-cs"/>
+              </a:defRPr>
+            </a:pPr>
+            <a:endParaRPr lang="zh-TW"/>
+          </a:p>
+        </c:txPr>
+        <c:crossAx val="1794891424"/>
+        <c:crosses val="autoZero"/>
+        <c:crossBetween val="between"/>
+      </c:valAx>
+      <c:spPr>
+        <a:noFill/>
+        <a:ln>
+          <a:noFill/>
+        </a:ln>
+        <a:effectLst/>
+      </c:spPr>
+    </c:plotArea>
+    <c:legend>
+      <c:legendPos val="b"/>
+      <c:layout>
+        <c:manualLayout>
+          <c:xMode val="edge"/>
+          <c:yMode val="edge"/>
+          <c:x val="0.562646461645125"/>
+          <c:y val="0.0297983752074775"/>
+          <c:w val="0.427872580686244"/>
+          <c:h val="0.0875056682191183"/>
+        </c:manualLayout>
+      </c:layout>
+      <c:overlay val="0"/>
+      <c:spPr>
+        <a:noFill/>
+        <a:ln>
+          <a:noFill/>
+        </a:ln>
+        <a:effectLst/>
+      </c:spPr>
+      <c:txPr>
+        <a:bodyPr rot="0" spcFirstLastPara="1" vertOverflow="ellipsis" vert="horz" wrap="square" anchor="ctr" anchorCtr="1"/>
+        <a:lstStyle/>
+        <a:p>
+          <a:pPr>
+            <a:defRPr sz="1200" b="0" i="0" u="none" strike="noStrike" kern="1200" baseline="0">
+              <a:solidFill>
+                <a:schemeClr val="tx1">
+                  <a:lumMod val="65000"/>
+                  <a:lumOff val="35000"/>
+                </a:schemeClr>
+              </a:solidFill>
+              <a:latin typeface="+mn-lt"/>
+              <a:ea typeface="+mn-ea"/>
+              <a:cs typeface="+mn-cs"/>
+            </a:defRPr>
+          </a:pPr>
+          <a:endParaRPr lang="zh-TW"/>
+        </a:p>
+      </c:txPr>
+    </c:legend>
+    <c:plotVisOnly val="1"/>
+    <c:dispBlanksAs val="gap"/>
+    <c:showDLblsOverMax val="0"/>
+  </c:chart>
+  <c:spPr>
+    <a:noFill/>
+    <a:ln>
+      <a:noFill/>
+    </a:ln>
+    <a:effectLst/>
+  </c:spPr>
+  <c:txPr>
+    <a:bodyPr/>
+    <a:lstStyle/>
+    <a:p>
+      <a:pPr>
+        <a:defRPr/>
+      </a:pPr>
+      <a:endParaRPr lang="zh-TW"/>
+    </a:p>
+  </c:txPr>
+  <c:externalData r:id="rId3">
+    <c:autoUpdate val="0"/>
+  </c:externalData>
+</c:chartSpace>
+</file>
+
+<file path=ppt/charts/colors1.xml><?xml version="1.0" encoding="utf-8"?>
+<cs:colorStyle xmlns:cs="http://schemas.microsoft.com/office/drawing/2012/chartStyle" xmlns:a="http://schemas.openxmlformats.org/drawingml/2006/main" meth="cycle" id="13">
+  <a:schemeClr val="accent6"/>
+  <a:schemeClr val="accent5"/>
+  <a:schemeClr val="accent4"/>
+  <cs:variation/>
+  <cs:variation>
+    <a:lumMod val="60000"/>
+  </cs:variation>
+  <cs:variation>
+    <a:lumMod val="80000"/>
+    <a:lumOff val="20000"/>
+  </cs:variation>
+  <cs:variation>
+    <a:lumMod val="80000"/>
+  </cs:variation>
+  <cs:variation>
+    <a:lumMod val="60000"/>
+    <a:lumOff val="40000"/>
+  </cs:variation>
+  <cs:variation>
+    <a:lumMod val="50000"/>
+  </cs:variation>
+  <cs:variation>
+    <a:lumMod val="70000"/>
+    <a:lumOff val="30000"/>
+  </cs:variation>
+  <cs:variation>
+    <a:lumMod val="70000"/>
+  </cs:variation>
+  <cs:variation>
+    <a:lumMod val="50000"/>
+    <a:lumOff val="50000"/>
+  </cs:variation>
+</cs:colorStyle>
+</file>
+
+<file path=ppt/charts/colors2.xml><?xml version="1.0" encoding="utf-8"?>
+<cs:colorStyle xmlns:cs="http://schemas.microsoft.com/office/drawing/2012/chartStyle" xmlns:a="http://schemas.openxmlformats.org/drawingml/2006/main" meth="cycle" id="13">
+  <a:schemeClr val="accent6"/>
+  <a:schemeClr val="accent5"/>
+  <a:schemeClr val="accent4"/>
+  <cs:variation/>
+  <cs:variation>
+    <a:lumMod val="60000"/>
+  </cs:variation>
+  <cs:variation>
+    <a:lumMod val="80000"/>
+    <a:lumOff val="20000"/>
+  </cs:variation>
+  <cs:variation>
+    <a:lumMod val="80000"/>
+  </cs:variation>
+  <cs:variation>
+    <a:lumMod val="60000"/>
+    <a:lumOff val="40000"/>
+  </cs:variation>
+  <cs:variation>
+    <a:lumMod val="50000"/>
+  </cs:variation>
+  <cs:variation>
+    <a:lumMod val="70000"/>
+    <a:lumOff val="30000"/>
+  </cs:variation>
+  <cs:variation>
+    <a:lumMod val="70000"/>
+  </cs:variation>
+  <cs:variation>
+    <a:lumMod val="50000"/>
+    <a:lumOff val="50000"/>
+  </cs:variation>
+</cs:colorStyle>
+</file>
+
+<file path=ppt/charts/colors3.xml><?xml version="1.0" encoding="utf-8"?>
+<cs:colorStyle xmlns:cs="http://schemas.microsoft.com/office/drawing/2012/chartStyle" xmlns:a="http://schemas.openxmlformats.org/drawingml/2006/main" meth="cycle" id="13">
+  <a:schemeClr val="accent6"/>
+  <a:schemeClr val="accent5"/>
+  <a:schemeClr val="accent4"/>
+  <cs:variation/>
+  <cs:variation>
+    <a:lumMod val="60000"/>
+  </cs:variation>
+  <cs:variation>
+    <a:lumMod val="80000"/>
+    <a:lumOff val="20000"/>
+  </cs:variation>
+  <cs:variation>
+    <a:lumMod val="80000"/>
+  </cs:variation>
+  <cs:variation>
+    <a:lumMod val="60000"/>
+    <a:lumOff val="40000"/>
+  </cs:variation>
+  <cs:variation>
+    <a:lumMod val="50000"/>
+  </cs:variation>
+  <cs:variation>
+    <a:lumMod val="70000"/>
+    <a:lumOff val="30000"/>
+  </cs:variation>
+  <cs:variation>
+    <a:lumMod val="70000"/>
+  </cs:variation>
+  <cs:variation>
+    <a:lumMod val="50000"/>
+    <a:lumOff val="50000"/>
+  </cs:variation>
+</cs:colorStyle>
+</file>
+
+<file path=ppt/charts/style1.xml><?xml version="1.0" encoding="utf-8"?>
+<cs:chartStyle xmlns:cs="http://schemas.microsoft.com/office/drawing/2012/chartStyle" xmlns:a="http://schemas.openxmlformats.org/drawingml/2006/main" id="201">
+  <cs:axisTitle>
+    <cs:lnRef idx="0"/>
+    <cs:fillRef idx="0"/>
+    <cs:effectRef idx="0"/>
+    <cs:fontRef idx="minor">
+      <a:schemeClr val="tx1">
+        <a:lumMod val="65000"/>
+        <a:lumOff val="35000"/>
+      </a:schemeClr>
+    </cs:fontRef>
+    <cs:defRPr sz="1000" kern="1200"/>
+  </cs:axisTitle>
+  <cs:categoryAxis>
+    <cs:lnRef idx="0"/>
+    <cs:fillRef idx="0"/>
+    <cs:effectRef idx="0"/>
+    <cs:fontRef idx="minor">
+      <a:schemeClr val="tx1">
+        <a:lumMod val="65000"/>
+        <a:lumOff val="35000"/>
+      </a:schemeClr>
+    </cs:fontRef>
+    <cs:spPr>
+      <a:ln w="9525" cap="flat" cmpd="sng" algn="ctr">
+        <a:solidFill>
+          <a:schemeClr val="tx1">
+            <a:lumMod val="15000"/>
+            <a:lumOff val="85000"/>
+          </a:schemeClr>
+        </a:solidFill>
+        <a:round/>
+      </a:ln>
+    </cs:spPr>
+    <cs:defRPr sz="900" kern="1200"/>
+  </cs:categoryAxis>
+  <cs:chartArea mods="allowNoFillOverride allowNoLineOverride">
+    <cs:lnRef idx="0"/>
+    <cs:fillRef idx="0"/>
+    <cs:effectRef idx="0"/>
+    <cs:fontRef idx="minor">
+      <a:schemeClr val="tx1"/>
+    </cs:fontRef>
+    <cs:spPr>
+      <a:solidFill>
+        <a:schemeClr val="bg1"/>
+      </a:solidFill>
+      <a:ln w="9525" cap="flat" cmpd="sng" algn="ctr">
+        <a:solidFill>
+          <a:schemeClr val="tx1">
+            <a:lumMod val="15000"/>
+            <a:lumOff val="85000"/>
+          </a:schemeClr>
+        </a:solidFill>
+        <a:round/>
+      </a:ln>
+    </cs:spPr>
+    <cs:defRPr sz="1000" kern="1200"/>
+  </cs:chartArea>
+  <cs:dataLabel>
+    <cs:lnRef idx="0"/>
+    <cs:fillRef idx="0"/>
+    <cs:effectRef idx="0"/>
+    <cs:fontRef idx="minor">
+      <a:schemeClr val="tx1">
+        <a:lumMod val="75000"/>
+        <a:lumOff val="25000"/>
+      </a:schemeClr>
+    </cs:fontRef>
+    <cs:defRPr sz="900" kern="1200"/>
+  </cs:dataLabel>
+  <cs:dataLabelCallout>
+    <cs:lnRef idx="0"/>
+    <cs:fillRef idx="0"/>
+    <cs:effectRef idx="0"/>
+    <cs:fontRef idx="minor">
+      <a:schemeClr val="dk1">
+        <a:lumMod val="65000"/>
+        <a:lumOff val="35000"/>
+      </a:schemeClr>
+    </cs:fontRef>
+    <cs:spPr>
+      <a:solidFill>
+        <a:schemeClr val="lt1"/>
+      </a:solidFill>
+      <a:ln>
+        <a:solidFill>
+          <a:schemeClr val="dk1">
+            <a:lumMod val="25000"/>
+            <a:lumOff val="75000"/>
+          </a:schemeClr>
+        </a:solidFill>
+      </a:ln>
+    </cs:spPr>
+    <cs:defRPr sz="900" kern="1200"/>
+    <cs:bodyPr rot="0" spcFirstLastPara="1" vertOverflow="clip" horzOverflow="clip" vert="horz" wrap="square" lIns="36576" tIns="18288" rIns="36576" bIns="18288" anchor="ctr" anchorCtr="1">
+      <a:spAutoFit/>
+    </cs:bodyPr>
+  </cs:dataLabelCallout>
+  <cs:dataPoint>
+    <cs:lnRef idx="0"/>
+    <cs:fillRef idx="1">
+      <cs:styleClr val="auto"/>
+    </cs:fillRef>
+    <cs:effectRef idx="0"/>
+    <cs:fontRef idx="minor">
+      <a:schemeClr val="tx1"/>
+    </cs:fontRef>
+  </cs:dataPoint>
+  <cs:dataPoint3D>
+    <cs:lnRef idx="0"/>
+    <cs:fillRef idx="1">
+      <cs:styleClr val="auto"/>
+    </cs:fillRef>
+    <cs:effectRef idx="0"/>
+    <cs:fontRef idx="minor">
+      <a:schemeClr val="tx1"/>
+    </cs:fontRef>
+  </cs:dataPoint3D>
+  <cs:dataPointLine>
+    <cs:lnRef idx="0">
+      <cs:styleClr val="auto"/>
+    </cs:lnRef>
+    <cs:fillRef idx="1"/>
+    <cs:effectRef idx="0"/>
+    <cs:fontRef idx="minor">
+      <a:schemeClr val="tx1"/>
+    </cs:fontRef>
+    <cs:spPr>
+      <a:ln w="28575" cap="rnd">
+        <a:solidFill>
+          <a:schemeClr val="phClr"/>
+        </a:solidFill>
+        <a:round/>
+      </a:ln>
+    </cs:spPr>
+  </cs:dataPointLine>
+  <cs:dataPointMarker>
+    <cs:lnRef idx="0">
+      <cs:styleClr val="auto"/>
+    </cs:lnRef>
+    <cs:fillRef idx="1">
+      <cs:styleClr val="auto"/>
+    </cs:fillRef>
+    <cs:effectRef idx="0"/>
+    <cs:fontRef idx="minor">
+      <a:schemeClr val="tx1"/>
+    </cs:fontRef>
+    <cs:spPr>
+      <a:ln w="9525">
+        <a:solidFill>
+          <a:schemeClr val="phClr"/>
+        </a:solidFill>
+      </a:ln>
+    </cs:spPr>
+  </cs:dataPointMarker>
+  <cs:dataPointMarkerLayout symbol="circle" size="5"/>
+  <cs:dataPointWireframe>
+    <cs:lnRef idx="0">
+      <cs:styleClr val="auto"/>
+    </cs:lnRef>
+    <cs:fillRef idx="1"/>
+    <cs:effectRef idx="0"/>
+    <cs:fontRef idx="minor">
+      <a:schemeClr val="tx1"/>
+    </cs:fontRef>
+    <cs:spPr>
+      <a:ln w="9525" cap="rnd">
+        <a:solidFill>
+          <a:schemeClr val="phClr"/>
+        </a:solidFill>
+        <a:round/>
+      </a:ln>
+    </cs:spPr>
+  </cs:dataPointWireframe>
+  <cs:dataTable>
+    <cs:lnRef idx="0"/>
+    <cs:fillRef idx="0"/>
+    <cs:effectRef idx="0"/>
+    <cs:fontRef idx="minor">
+      <a:schemeClr val="tx1">
+        <a:lumMod val="65000"/>
+        <a:lumOff val="35000"/>
+      </a:schemeClr>
+    </cs:fontRef>
+    <cs:spPr>
+      <a:noFill/>
+      <a:ln w="9525" cap="flat" cmpd="sng" algn="ctr">
+        <a:solidFill>
+          <a:schemeClr val="tx1">
+            <a:lumMod val="15000"/>
+            <a:lumOff val="85000"/>
+          </a:schemeClr>
+        </a:solidFill>
+        <a:round/>
+      </a:ln>
+    </cs:spPr>
+    <cs:defRPr sz="900" kern="1200"/>
+  </cs:dataTable>
+  <cs:downBar>
+    <cs:lnRef idx="0"/>
+    <cs:fillRef idx="0"/>
+    <cs:effectRef idx="0"/>
+    <cs:fontRef idx="minor">
+      <a:schemeClr val="dk1"/>
+    </cs:fontRef>
+    <cs:spPr>
+      <a:solidFill>
+        <a:schemeClr val="dk1">
+          <a:lumMod val="65000"/>
+          <a:lumOff val="35000"/>
+        </a:schemeClr>
+      </a:solidFill>
+      <a:ln w="9525">
+        <a:solidFill>
+          <a:schemeClr val="tx1">
+            <a:lumMod val="65000"/>
+            <a:lumOff val="35000"/>
+          </a:schemeClr>
+        </a:solidFill>
+      </a:ln>
+    </cs:spPr>
+  </cs:downBar>
+  <cs:dropLine>
+    <cs:lnRef idx="0"/>
+    <cs:fillRef idx="0"/>
+    <cs:effectRef idx="0"/>
+    <cs:fontRef idx="minor">
+      <a:schemeClr val="tx1"/>
+    </cs:fontRef>
+    <cs:spPr>
+      <a:ln w="9525" cap="flat" cmpd="sng" algn="ctr">
+        <a:solidFill>
+          <a:schemeClr val="tx1">
+            <a:lumMod val="35000"/>
+            <a:lumOff val="65000"/>
+          </a:schemeClr>
+        </a:solidFill>
+        <a:round/>
+      </a:ln>
+    </cs:spPr>
+  </cs:dropLine>
+  <cs:errorBar>
+    <cs:lnRef idx="0"/>
+    <cs:fillRef idx="0"/>
+    <cs:effectRef idx="0"/>
+    <cs:fontRef idx="minor">
+      <a:schemeClr val="tx1"/>
+    </cs:fontRef>
+    <cs:spPr>
+      <a:ln w="9525" cap="flat" cmpd="sng" algn="ctr">
+        <a:solidFill>
+          <a:schemeClr val="tx1">
+            <a:lumMod val="65000"/>
+            <a:lumOff val="35000"/>
+          </a:schemeClr>
+        </a:solidFill>
+        <a:round/>
+      </a:ln>
+    </cs:spPr>
+  </cs:errorBar>
+  <cs:floor>
+    <cs:lnRef idx="0"/>
+    <cs:fillRef idx="0"/>
+    <cs:effectRef idx="0"/>
+    <cs:fontRef idx="minor">
+      <a:schemeClr val="tx1"/>
+    </cs:fontRef>
+    <cs:spPr>
+      <a:noFill/>
+      <a:ln>
+        <a:noFill/>
+      </a:ln>
+    </cs:spPr>
+  </cs:floor>
+  <cs:gridlineMajor>
+    <cs:lnRef idx="0"/>
+    <cs:fillRef idx="0"/>
+    <cs:effectRef idx="0"/>
+    <cs:fontRef idx="minor">
+      <a:schemeClr val="tx1"/>
+    </cs:fontRef>
+    <cs:spPr>
+      <a:ln w="9525" cap="flat" cmpd="sng" algn="ctr">
+        <a:solidFill>
+          <a:schemeClr val="tx1">
+            <a:lumMod val="15000"/>
+            <a:lumOff val="85000"/>
+          </a:schemeClr>
+        </a:solidFill>
+        <a:round/>
+      </a:ln>
+    </cs:spPr>
+  </cs:gridlineMajor>
+  <cs:gridlineMinor>
+    <cs:lnRef idx="0"/>
+    <cs:fillRef idx="0"/>
+    <cs:effectRef idx="0"/>
+    <cs:fontRef idx="minor">
+      <a:schemeClr val="tx1"/>
+    </cs:fontRef>
+    <cs:spPr>
+      <a:ln w="9525" cap="flat" cmpd="sng" algn="ctr">
+        <a:solidFill>
+          <a:schemeClr val="tx1">
+            <a:lumMod val="5000"/>
+            <a:lumOff val="95000"/>
+          </a:schemeClr>
+        </a:solidFill>
+        <a:round/>
+      </a:ln>
+    </cs:spPr>
+  </cs:gridlineMinor>
+  <cs:hiLoLine>
+    <cs:lnRef idx="0"/>
+    <cs:fillRef idx="0"/>
+    <cs:effectRef idx="0"/>
+    <cs:fontRef idx="minor">
+      <a:schemeClr val="tx1"/>
+    </cs:fontRef>
+    <cs:spPr>
+      <a:ln w="9525" cap="flat" cmpd="sng" algn="ctr">
+        <a:solidFill>
+          <a:schemeClr val="tx1">
+            <a:lumMod val="75000"/>
+            <a:lumOff val="25000"/>
+          </a:schemeClr>
+        </a:solidFill>
+        <a:round/>
+      </a:ln>
+    </cs:spPr>
+  </cs:hiLoLine>
+  <cs:leaderLine>
+    <cs:lnRef idx="0"/>
+    <cs:fillRef idx="0"/>
+    <cs:effectRef idx="0"/>
+    <cs:fontRef idx="minor">
+      <a:schemeClr val="tx1"/>
+    </cs:fontRef>
+    <cs:spPr>
+      <a:ln w="9525" cap="flat" cmpd="sng" algn="ctr">
+        <a:solidFill>
+          <a:schemeClr val="tx1">
+            <a:lumMod val="35000"/>
+            <a:lumOff val="65000"/>
+          </a:schemeClr>
+        </a:solidFill>
+        <a:round/>
+      </a:ln>
+    </cs:spPr>
+  </cs:leaderLine>
+  <cs:legend>
+    <cs:lnRef idx="0"/>
+    <cs:fillRef idx="0"/>
+    <cs:effectRef idx="0"/>
+    <cs:fontRef idx="minor">
+      <a:schemeClr val="tx1">
+        <a:lumMod val="65000"/>
+        <a:lumOff val="35000"/>
+      </a:schemeClr>
+    </cs:fontRef>
+    <cs:defRPr sz="900" kern="1200"/>
+  </cs:legend>
+  <cs:plotArea mods="allowNoFillOverride allowNoLineOverride">
+    <cs:lnRef idx="0"/>
+    <cs:fillRef idx="0"/>
+    <cs:effectRef idx="0"/>
+    <cs:fontRef idx="minor">
+      <a:schemeClr val="tx1"/>
+    </cs:fontRef>
+  </cs:plotArea>
+  <cs:plotArea3D mods="allowNoFillOverride allowNoLineOverride">
+    <cs:lnRef idx="0"/>
+    <cs:fillRef idx="0"/>
+    <cs:effectRef idx="0"/>
+    <cs:fontRef idx="minor">
+      <a:schemeClr val="tx1"/>
+    </cs:fontRef>
+  </cs:plotArea3D>
+  <cs:seriesAxis>
+    <cs:lnRef idx="0"/>
+    <cs:fillRef idx="0"/>
+    <cs:effectRef idx="0"/>
+    <cs:fontRef idx="minor">
+      <a:schemeClr val="tx1">
+        <a:lumMod val="65000"/>
+        <a:lumOff val="35000"/>
+      </a:schemeClr>
+    </cs:fontRef>
+    <cs:defRPr sz="900" kern="1200"/>
+  </cs:seriesAxis>
+  <cs:seriesLine>
+    <cs:lnRef idx="0"/>
+    <cs:fillRef idx="0"/>
+    <cs:effectRef idx="0"/>
+    <cs:fontRef idx="minor">
+      <a:schemeClr val="tx1"/>
+    </cs:fontRef>
+    <cs:spPr>
+      <a:ln w="9525" cap="flat" cmpd="sng" algn="ctr">
+        <a:solidFill>
+          <a:schemeClr val="tx1">
+            <a:lumMod val="35000"/>
+            <a:lumOff val="65000"/>
+          </a:schemeClr>
+        </a:solidFill>
+        <a:round/>
+      </a:ln>
+    </cs:spPr>
+  </cs:seriesLine>
+  <cs:title>
+    <cs:lnRef idx="0"/>
+    <cs:fillRef idx="0"/>
+    <cs:effectRef idx="0"/>
+    <cs:fontRef idx="minor">
+      <a:schemeClr val="tx1">
+        <a:lumMod val="65000"/>
+        <a:lumOff val="35000"/>
+      </a:schemeClr>
+    </cs:fontRef>
+    <cs:defRPr sz="1400" b="0" kern="1200" spc="0" baseline="0"/>
+  </cs:title>
+  <cs:trendline>
+    <cs:lnRef idx="0">
+      <cs:styleClr val="auto"/>
+    </cs:lnRef>
+    <cs:fillRef idx="0"/>
+    <cs:effectRef idx="0"/>
+    <cs:fontRef idx="minor">
+      <a:schemeClr val="tx1"/>
+    </cs:fontRef>
+    <cs:spPr>
+      <a:ln w="19050" cap="rnd">
+        <a:solidFill>
+          <a:schemeClr val="phClr"/>
+        </a:solidFill>
+        <a:prstDash val="sysDot"/>
+      </a:ln>
+    </cs:spPr>
+  </cs:trendline>
+  <cs:trendlineLabel>
+    <cs:lnRef idx="0"/>
+    <cs:fillRef idx="0"/>
+    <cs:effectRef idx="0"/>
+    <cs:fontRef idx="minor">
+      <a:schemeClr val="tx1">
+        <a:lumMod val="65000"/>
+        <a:lumOff val="35000"/>
+      </a:schemeClr>
+    </cs:fontRef>
+    <cs:defRPr sz="900" kern="1200"/>
+  </cs:trendlineLabel>
+  <cs:upBar>
+    <cs:lnRef idx="0"/>
+    <cs:fillRef idx="0"/>
+    <cs:effectRef idx="0"/>
+    <cs:fontRef idx="minor">
+      <a:schemeClr val="dk1"/>
+    </cs:fontRef>
+    <cs:spPr>
+      <a:solidFill>
+        <a:schemeClr val="lt1"/>
+      </a:solidFill>
+      <a:ln w="9525">
+        <a:solidFill>
+          <a:schemeClr val="tx1">
+            <a:lumMod val="15000"/>
+            <a:lumOff val="85000"/>
+          </a:schemeClr>
+        </a:solidFill>
+      </a:ln>
+    </cs:spPr>
+  </cs:upBar>
+  <cs:valueAxis>
+    <cs:lnRef idx="0"/>
+    <cs:fillRef idx="0"/>
+    <cs:effectRef idx="0"/>
+    <cs:fontRef idx="minor">
+      <a:schemeClr val="tx1">
+        <a:lumMod val="65000"/>
+        <a:lumOff val="35000"/>
+      </a:schemeClr>
+    </cs:fontRef>
+    <cs:defRPr sz="900" kern="1200"/>
+  </cs:valueAxis>
+  <cs:wall>
+    <cs:lnRef idx="0"/>
+    <cs:fillRef idx="0"/>
+    <cs:effectRef idx="0"/>
+    <cs:fontRef idx="minor">
+      <a:schemeClr val="tx1"/>
+    </cs:fontRef>
+    <cs:spPr>
+      <a:noFill/>
+      <a:ln>
+        <a:noFill/>
+      </a:ln>
+    </cs:spPr>
+  </cs:wall>
+</cs:chartStyle>
+</file>
+
+<file path=ppt/charts/style2.xml><?xml version="1.0" encoding="utf-8"?>
+<cs:chartStyle xmlns:cs="http://schemas.microsoft.com/office/drawing/2012/chartStyle" xmlns:a="http://schemas.openxmlformats.org/drawingml/2006/main" id="201">
+  <cs:axisTitle>
+    <cs:lnRef idx="0"/>
+    <cs:fillRef idx="0"/>
+    <cs:effectRef idx="0"/>
+    <cs:fontRef idx="minor">
+      <a:schemeClr val="tx1">
+        <a:lumMod val="65000"/>
+        <a:lumOff val="35000"/>
+      </a:schemeClr>
+    </cs:fontRef>
+    <cs:defRPr sz="1000" kern="1200"/>
+  </cs:axisTitle>
+  <cs:categoryAxis>
+    <cs:lnRef idx="0"/>
+    <cs:fillRef idx="0"/>
+    <cs:effectRef idx="0"/>
+    <cs:fontRef idx="minor">
+      <a:schemeClr val="tx1">
+        <a:lumMod val="65000"/>
+        <a:lumOff val="35000"/>
+      </a:schemeClr>
+    </cs:fontRef>
+    <cs:spPr>
+      <a:ln w="9525" cap="flat" cmpd="sng" algn="ctr">
+        <a:solidFill>
+          <a:schemeClr val="tx1">
+            <a:lumMod val="15000"/>
+            <a:lumOff val="85000"/>
+          </a:schemeClr>
+        </a:solidFill>
+        <a:round/>
+      </a:ln>
+    </cs:spPr>
+    <cs:defRPr sz="900" kern="1200"/>
+  </cs:categoryAxis>
+  <cs:chartArea mods="allowNoFillOverride allowNoLineOverride">
+    <cs:lnRef idx="0"/>
+    <cs:fillRef idx="0"/>
+    <cs:effectRef idx="0"/>
+    <cs:fontRef idx="minor">
+      <a:schemeClr val="tx1"/>
+    </cs:fontRef>
+    <cs:spPr>
+      <a:solidFill>
+        <a:schemeClr val="bg1"/>
+      </a:solidFill>
+      <a:ln w="9525" cap="flat" cmpd="sng" algn="ctr">
+        <a:solidFill>
+          <a:schemeClr val="tx1">
+            <a:lumMod val="15000"/>
+            <a:lumOff val="85000"/>
+          </a:schemeClr>
+        </a:solidFill>
+        <a:round/>
+      </a:ln>
+    </cs:spPr>
+    <cs:defRPr sz="1000" kern="1200"/>
+  </cs:chartArea>
+  <cs:dataLabel>
+    <cs:lnRef idx="0"/>
+    <cs:fillRef idx="0"/>
+    <cs:effectRef idx="0"/>
+    <cs:fontRef idx="minor">
+      <a:schemeClr val="tx1">
+        <a:lumMod val="75000"/>
+        <a:lumOff val="25000"/>
+      </a:schemeClr>
+    </cs:fontRef>
+    <cs:defRPr sz="900" kern="1200"/>
+  </cs:dataLabel>
+  <cs:dataLabelCallout>
+    <cs:lnRef idx="0"/>
+    <cs:fillRef idx="0"/>
+    <cs:effectRef idx="0"/>
+    <cs:fontRef idx="minor">
+      <a:schemeClr val="dk1">
+        <a:lumMod val="65000"/>
+        <a:lumOff val="35000"/>
+      </a:schemeClr>
+    </cs:fontRef>
+    <cs:spPr>
+      <a:solidFill>
+        <a:schemeClr val="lt1"/>
+      </a:solidFill>
+      <a:ln>
+        <a:solidFill>
+          <a:schemeClr val="dk1">
+            <a:lumMod val="25000"/>
+            <a:lumOff val="75000"/>
+          </a:schemeClr>
+        </a:solidFill>
+      </a:ln>
+    </cs:spPr>
+    <cs:defRPr sz="900" kern="1200"/>
+    <cs:bodyPr rot="0" spcFirstLastPara="1" vertOverflow="clip" horzOverflow="clip" vert="horz" wrap="square" lIns="36576" tIns="18288" rIns="36576" bIns="18288" anchor="ctr" anchorCtr="1">
+      <a:spAutoFit/>
+    </cs:bodyPr>
+  </cs:dataLabelCallout>
+  <cs:dataPoint>
+    <cs:lnRef idx="0"/>
+    <cs:fillRef idx="1">
+      <cs:styleClr val="auto"/>
+    </cs:fillRef>
+    <cs:effectRef idx="0"/>
+    <cs:fontRef idx="minor">
+      <a:schemeClr val="tx1"/>
+    </cs:fontRef>
+  </cs:dataPoint>
+  <cs:dataPoint3D>
+    <cs:lnRef idx="0"/>
+    <cs:fillRef idx="1">
+      <cs:styleClr val="auto"/>
+    </cs:fillRef>
+    <cs:effectRef idx="0"/>
+    <cs:fontRef idx="minor">
+      <a:schemeClr val="tx1"/>
+    </cs:fontRef>
+  </cs:dataPoint3D>
+  <cs:dataPointLine>
+    <cs:lnRef idx="0">
+      <cs:styleClr val="auto"/>
+    </cs:lnRef>
+    <cs:fillRef idx="1"/>
+    <cs:effectRef idx="0"/>
+    <cs:fontRef idx="minor">
+      <a:schemeClr val="tx1"/>
+    </cs:fontRef>
+    <cs:spPr>
+      <a:ln w="28575" cap="rnd">
+        <a:solidFill>
+          <a:schemeClr val="phClr"/>
+        </a:solidFill>
+        <a:round/>
+      </a:ln>
+    </cs:spPr>
+  </cs:dataPointLine>
+  <cs:dataPointMarker>
+    <cs:lnRef idx="0">
+      <cs:styleClr val="auto"/>
+    </cs:lnRef>
+    <cs:fillRef idx="1">
+      <cs:styleClr val="auto"/>
+    </cs:fillRef>
+    <cs:effectRef idx="0"/>
+    <cs:fontRef idx="minor">
+      <a:schemeClr val="tx1"/>
+    </cs:fontRef>
+    <cs:spPr>
+      <a:ln w="9525">
+        <a:solidFill>
+          <a:schemeClr val="phClr"/>
+        </a:solidFill>
+      </a:ln>
+    </cs:spPr>
+  </cs:dataPointMarker>
+  <cs:dataPointMarkerLayout symbol="circle" size="5"/>
+  <cs:dataPointWireframe>
+    <cs:lnRef idx="0">
+      <cs:styleClr val="auto"/>
+    </cs:lnRef>
+    <cs:fillRef idx="1"/>
+    <cs:effectRef idx="0"/>
+    <cs:fontRef idx="minor">
+      <a:schemeClr val="tx1"/>
+    </cs:fontRef>
+    <cs:spPr>
+      <a:ln w="9525" cap="rnd">
+        <a:solidFill>
+          <a:schemeClr val="phClr"/>
+        </a:solidFill>
+        <a:round/>
+      </a:ln>
+    </cs:spPr>
+  </cs:dataPointWireframe>
+  <cs:dataTable>
+    <cs:lnRef idx="0"/>
+    <cs:fillRef idx="0"/>
+    <cs:effectRef idx="0"/>
+    <cs:fontRef idx="minor">
+      <a:schemeClr val="tx1">
+        <a:lumMod val="65000"/>
+        <a:lumOff val="35000"/>
+      </a:schemeClr>
+    </cs:fontRef>
+    <cs:spPr>
+      <a:noFill/>
+      <a:ln w="9525" cap="flat" cmpd="sng" algn="ctr">
+        <a:solidFill>
+          <a:schemeClr val="tx1">
+            <a:lumMod val="15000"/>
+            <a:lumOff val="85000"/>
+          </a:schemeClr>
+        </a:solidFill>
+        <a:round/>
+      </a:ln>
+    </cs:spPr>
+    <cs:defRPr sz="900" kern="1200"/>
+  </cs:dataTable>
+  <cs:downBar>
+    <cs:lnRef idx="0"/>
+    <cs:fillRef idx="0"/>
+    <cs:effectRef idx="0"/>
+    <cs:fontRef idx="minor">
+      <a:schemeClr val="dk1"/>
+    </cs:fontRef>
+    <cs:spPr>
+      <a:solidFill>
+        <a:schemeClr val="dk1">
+          <a:lumMod val="65000"/>
+          <a:lumOff val="35000"/>
+        </a:schemeClr>
+      </a:solidFill>
+      <a:ln w="9525">
+        <a:solidFill>
+          <a:schemeClr val="tx1">
+            <a:lumMod val="65000"/>
+            <a:lumOff val="35000"/>
+          </a:schemeClr>
+        </a:solidFill>
+      </a:ln>
+    </cs:spPr>
+  </cs:downBar>
+  <cs:dropLine>
+    <cs:lnRef idx="0"/>
+    <cs:fillRef idx="0"/>
+    <cs:effectRef idx="0"/>
+    <cs:fontRef idx="minor">
+      <a:schemeClr val="tx1"/>
+    </cs:fontRef>
+    <cs:spPr>
+      <a:ln w="9525" cap="flat" cmpd="sng" algn="ctr">
+        <a:solidFill>
+          <a:schemeClr val="tx1">
+            <a:lumMod val="35000"/>
+            <a:lumOff val="65000"/>
+          </a:schemeClr>
+        </a:solidFill>
+        <a:round/>
+      </a:ln>
+    </cs:spPr>
+  </cs:dropLine>
+  <cs:errorBar>
+    <cs:lnRef idx="0"/>
+    <cs:fillRef idx="0"/>
+    <cs:effectRef idx="0"/>
+    <cs:fontRef idx="minor">
+      <a:schemeClr val="tx1"/>
+    </cs:fontRef>
+    <cs:spPr>
+      <a:ln w="9525" cap="flat" cmpd="sng" algn="ctr">
+        <a:solidFill>
+          <a:schemeClr val="tx1">
+            <a:lumMod val="65000"/>
+            <a:lumOff val="35000"/>
+          </a:schemeClr>
+        </a:solidFill>
+        <a:round/>
+      </a:ln>
+    </cs:spPr>
+  </cs:errorBar>
+  <cs:floor>
+    <cs:lnRef idx="0"/>
+    <cs:fillRef idx="0"/>
+    <cs:effectRef idx="0"/>
+    <cs:fontRef idx="minor">
+      <a:schemeClr val="tx1"/>
+    </cs:fontRef>
+    <cs:spPr>
+      <a:noFill/>
+      <a:ln>
+        <a:noFill/>
+      </a:ln>
+    </cs:spPr>
+  </cs:floor>
+  <cs:gridlineMajor>
+    <cs:lnRef idx="0"/>
+    <cs:fillRef idx="0"/>
+    <cs:effectRef idx="0"/>
+    <cs:fontRef idx="minor">
+      <a:schemeClr val="tx1"/>
+    </cs:fontRef>
+    <cs:spPr>
+      <a:ln w="9525" cap="flat" cmpd="sng" algn="ctr">
+        <a:solidFill>
+          <a:schemeClr val="tx1">
+            <a:lumMod val="15000"/>
+            <a:lumOff val="85000"/>
+          </a:schemeClr>
+        </a:solidFill>
+        <a:round/>
+      </a:ln>
+    </cs:spPr>
+  </cs:gridlineMajor>
+  <cs:gridlineMinor>
+    <cs:lnRef idx="0"/>
+    <cs:fillRef idx="0"/>
+    <cs:effectRef idx="0"/>
+    <cs:fontRef idx="minor">
+      <a:schemeClr val="tx1"/>
+    </cs:fontRef>
+    <cs:spPr>
+      <a:ln w="9525" cap="flat" cmpd="sng" algn="ctr">
+        <a:solidFill>
+          <a:schemeClr val="tx1">
+            <a:lumMod val="5000"/>
+            <a:lumOff val="95000"/>
+          </a:schemeClr>
+        </a:solidFill>
+        <a:round/>
+      </a:ln>
+    </cs:spPr>
+  </cs:gridlineMinor>
+  <cs:hiLoLine>
+    <cs:lnRef idx="0"/>
+    <cs:fillRef idx="0"/>
+    <cs:effectRef idx="0"/>
+    <cs:fontRef idx="minor">
+      <a:schemeClr val="tx1"/>
+    </cs:fontRef>
+    <cs:spPr>
+      <a:ln w="9525" cap="flat" cmpd="sng" algn="ctr">
+        <a:solidFill>
+          <a:schemeClr val="tx1">
+            <a:lumMod val="75000"/>
+            <a:lumOff val="25000"/>
+          </a:schemeClr>
+        </a:solidFill>
+        <a:round/>
+      </a:ln>
+    </cs:spPr>
+  </cs:hiLoLine>
+  <cs:leaderLine>
+    <cs:lnRef idx="0"/>
+    <cs:fillRef idx="0"/>
+    <cs:effectRef idx="0"/>
+    <cs:fontRef idx="minor">
+      <a:schemeClr val="tx1"/>
+    </cs:fontRef>
+    <cs:spPr>
+      <a:ln w="9525" cap="flat" cmpd="sng" algn="ctr">
+        <a:solidFill>
+          <a:schemeClr val="tx1">
+            <a:lumMod val="35000"/>
+            <a:lumOff val="65000"/>
+          </a:schemeClr>
+        </a:solidFill>
+        <a:round/>
+      </a:ln>
+    </cs:spPr>
+  </cs:leaderLine>
+  <cs:legend>
+    <cs:lnRef idx="0"/>
+    <cs:fillRef idx="0"/>
+    <cs:effectRef idx="0"/>
+    <cs:fontRef idx="minor">
+      <a:schemeClr val="tx1">
+        <a:lumMod val="65000"/>
+        <a:lumOff val="35000"/>
+      </a:schemeClr>
+    </cs:fontRef>
+    <cs:defRPr sz="900" kern="1200"/>
+  </cs:legend>
+  <cs:plotArea mods="allowNoFillOverride allowNoLineOverride">
+    <cs:lnRef idx="0"/>
+    <cs:fillRef idx="0"/>
+    <cs:effectRef idx="0"/>
+    <cs:fontRef idx="minor">
+      <a:schemeClr val="tx1"/>
+    </cs:fontRef>
+  </cs:plotArea>
+  <cs:plotArea3D mods="allowNoFillOverride allowNoLineOverride">
+    <cs:lnRef idx="0"/>
+    <cs:fillRef idx="0"/>
+    <cs:effectRef idx="0"/>
+    <cs:fontRef idx="minor">
+      <a:schemeClr val="tx1"/>
+    </cs:fontRef>
+  </cs:plotArea3D>
+  <cs:seriesAxis>
+    <cs:lnRef idx="0"/>
+    <cs:fillRef idx="0"/>
+    <cs:effectRef idx="0"/>
+    <cs:fontRef idx="minor">
+      <a:schemeClr val="tx1">
+        <a:lumMod val="65000"/>
+        <a:lumOff val="35000"/>
+      </a:schemeClr>
+    </cs:fontRef>
+    <cs:defRPr sz="900" kern="1200"/>
+  </cs:seriesAxis>
+  <cs:seriesLine>
+    <cs:lnRef idx="0"/>
+    <cs:fillRef idx="0"/>
+    <cs:effectRef idx="0"/>
+    <cs:fontRef idx="minor">
+      <a:schemeClr val="tx1"/>
+    </cs:fontRef>
+    <cs:spPr>
+      <a:ln w="9525" cap="flat" cmpd="sng" algn="ctr">
+        <a:solidFill>
+          <a:schemeClr val="tx1">
+            <a:lumMod val="35000"/>
+            <a:lumOff val="65000"/>
+          </a:schemeClr>
+        </a:solidFill>
+        <a:round/>
+      </a:ln>
+    </cs:spPr>
+  </cs:seriesLine>
+  <cs:title>
+    <cs:lnRef idx="0"/>
+    <cs:fillRef idx="0"/>
+    <cs:effectRef idx="0"/>
+    <cs:fontRef idx="minor">
+      <a:schemeClr val="tx1">
+        <a:lumMod val="65000"/>
+        <a:lumOff val="35000"/>
+      </a:schemeClr>
+    </cs:fontRef>
+    <cs:defRPr sz="1400" b="0" kern="1200" spc="0" baseline="0"/>
+  </cs:title>
+  <cs:trendline>
+    <cs:lnRef idx="0">
+      <cs:styleClr val="auto"/>
+    </cs:lnRef>
+    <cs:fillRef idx="0"/>
+    <cs:effectRef idx="0"/>
+    <cs:fontRef idx="minor">
+      <a:schemeClr val="tx1"/>
+    </cs:fontRef>
+    <cs:spPr>
+      <a:ln w="19050" cap="rnd">
+        <a:solidFill>
+          <a:schemeClr val="phClr"/>
+        </a:solidFill>
+        <a:prstDash val="sysDot"/>
+      </a:ln>
+    </cs:spPr>
+  </cs:trendline>
+  <cs:trendlineLabel>
+    <cs:lnRef idx="0"/>
+    <cs:fillRef idx="0"/>
+    <cs:effectRef idx="0"/>
+    <cs:fontRef idx="minor">
+      <a:schemeClr val="tx1">
+        <a:lumMod val="65000"/>
+        <a:lumOff val="35000"/>
+      </a:schemeClr>
+    </cs:fontRef>
+    <cs:defRPr sz="900" kern="1200"/>
+  </cs:trendlineLabel>
+  <cs:upBar>
+    <cs:lnRef idx="0"/>
+    <cs:fillRef idx="0"/>
+    <cs:effectRef idx="0"/>
+    <cs:fontRef idx="minor">
+      <a:schemeClr val="dk1"/>
+    </cs:fontRef>
+    <cs:spPr>
+      <a:solidFill>
+        <a:schemeClr val="lt1"/>
+      </a:solidFill>
+      <a:ln w="9525">
+        <a:solidFill>
+          <a:schemeClr val="tx1">
+            <a:lumMod val="15000"/>
+            <a:lumOff val="85000"/>
+          </a:schemeClr>
+        </a:solidFill>
+      </a:ln>
+    </cs:spPr>
+  </cs:upBar>
+  <cs:valueAxis>
+    <cs:lnRef idx="0"/>
+    <cs:fillRef idx="0"/>
+    <cs:effectRef idx="0"/>
+    <cs:fontRef idx="minor">
+      <a:schemeClr val="tx1">
+        <a:lumMod val="65000"/>
+        <a:lumOff val="35000"/>
+      </a:schemeClr>
+    </cs:fontRef>
+    <cs:defRPr sz="900" kern="1200"/>
+  </cs:valueAxis>
+  <cs:wall>
+    <cs:lnRef idx="0"/>
+    <cs:fillRef idx="0"/>
+    <cs:effectRef idx="0"/>
+    <cs:fontRef idx="minor">
+      <a:schemeClr val="tx1"/>
+    </cs:fontRef>
+    <cs:spPr>
+      <a:noFill/>
+      <a:ln>
+        <a:noFill/>
+      </a:ln>
+    </cs:spPr>
+  </cs:wall>
+</cs:chartStyle>
+</file>
+
+<file path=ppt/charts/style3.xml><?xml version="1.0" encoding="utf-8"?>
+<cs:chartStyle xmlns:cs="http://schemas.microsoft.com/office/drawing/2012/chartStyle" xmlns:a="http://schemas.openxmlformats.org/drawingml/2006/main" id="201">
+  <cs:axisTitle>
+    <cs:lnRef idx="0"/>
+    <cs:fillRef idx="0"/>
+    <cs:effectRef idx="0"/>
+    <cs:fontRef idx="minor">
+      <a:schemeClr val="tx1">
+        <a:lumMod val="65000"/>
+        <a:lumOff val="35000"/>
+      </a:schemeClr>
+    </cs:fontRef>
+    <cs:defRPr sz="1000" kern="1200"/>
+  </cs:axisTitle>
+  <cs:categoryAxis>
+    <cs:lnRef idx="0"/>
+    <cs:fillRef idx="0"/>
+    <cs:effectRef idx="0"/>
+    <cs:fontRef idx="minor">
+      <a:schemeClr val="tx1">
+        <a:lumMod val="65000"/>
+        <a:lumOff val="35000"/>
+      </a:schemeClr>
+    </cs:fontRef>
+    <cs:spPr>
+      <a:ln w="9525" cap="flat" cmpd="sng" algn="ctr">
+        <a:solidFill>
+          <a:schemeClr val="tx1">
+            <a:lumMod val="15000"/>
+            <a:lumOff val="85000"/>
+          </a:schemeClr>
+        </a:solidFill>
+        <a:round/>
+      </a:ln>
+    </cs:spPr>
+    <cs:defRPr sz="900" kern="1200"/>
+  </cs:categoryAxis>
+  <cs:chartArea mods="allowNoFillOverride allowNoLineOverride">
+    <cs:lnRef idx="0"/>
+    <cs:fillRef idx="0"/>
+    <cs:effectRef idx="0"/>
+    <cs:fontRef idx="minor">
+      <a:schemeClr val="tx1"/>
+    </cs:fontRef>
+    <cs:spPr>
+      <a:solidFill>
+        <a:schemeClr val="bg1"/>
+      </a:solidFill>
+      <a:ln w="9525" cap="flat" cmpd="sng" algn="ctr">
+        <a:solidFill>
+          <a:schemeClr val="tx1">
+            <a:lumMod val="15000"/>
+            <a:lumOff val="85000"/>
+          </a:schemeClr>
+        </a:solidFill>
+        <a:round/>
+      </a:ln>
+    </cs:spPr>
+    <cs:defRPr sz="1000" kern="1200"/>
+  </cs:chartArea>
+  <cs:dataLabel>
+    <cs:lnRef idx="0"/>
+    <cs:fillRef idx="0"/>
+    <cs:effectRef idx="0"/>
+    <cs:fontRef idx="minor">
+      <a:schemeClr val="tx1">
+        <a:lumMod val="75000"/>
+        <a:lumOff val="25000"/>
+      </a:schemeClr>
+    </cs:fontRef>
+    <cs:defRPr sz="900" kern="1200"/>
+  </cs:dataLabel>
+  <cs:dataLabelCallout>
+    <cs:lnRef idx="0"/>
+    <cs:fillRef idx="0"/>
+    <cs:effectRef idx="0"/>
+    <cs:fontRef idx="minor">
+      <a:schemeClr val="dk1">
+        <a:lumMod val="65000"/>
+        <a:lumOff val="35000"/>
+      </a:schemeClr>
+    </cs:fontRef>
+    <cs:spPr>
+      <a:solidFill>
+        <a:schemeClr val="lt1"/>
+      </a:solidFill>
+      <a:ln>
+        <a:solidFill>
+          <a:schemeClr val="dk1">
+            <a:lumMod val="25000"/>
+            <a:lumOff val="75000"/>
+          </a:schemeClr>
+        </a:solidFill>
+      </a:ln>
+    </cs:spPr>
+    <cs:defRPr sz="900" kern="1200"/>
+    <cs:bodyPr rot="0" spcFirstLastPara="1" vertOverflow="clip" horzOverflow="clip" vert="horz" wrap="square" lIns="36576" tIns="18288" rIns="36576" bIns="18288" anchor="ctr" anchorCtr="1">
+      <a:spAutoFit/>
+    </cs:bodyPr>
+  </cs:dataLabelCallout>
+  <cs:dataPoint>
+    <cs:lnRef idx="0"/>
+    <cs:fillRef idx="1">
+      <cs:styleClr val="auto"/>
+    </cs:fillRef>
+    <cs:effectRef idx="0"/>
+    <cs:fontRef idx="minor">
+      <a:schemeClr val="tx1"/>
+    </cs:fontRef>
+  </cs:dataPoint>
+  <cs:dataPoint3D>
+    <cs:lnRef idx="0"/>
+    <cs:fillRef idx="1">
+      <cs:styleClr val="auto"/>
+    </cs:fillRef>
+    <cs:effectRef idx="0"/>
+    <cs:fontRef idx="minor">
+      <a:schemeClr val="tx1"/>
+    </cs:fontRef>
+  </cs:dataPoint3D>
+  <cs:dataPointLine>
+    <cs:lnRef idx="0">
+      <cs:styleClr val="auto"/>
+    </cs:lnRef>
+    <cs:fillRef idx="1"/>
+    <cs:effectRef idx="0"/>
+    <cs:fontRef idx="minor">
+      <a:schemeClr val="tx1"/>
+    </cs:fontRef>
+    <cs:spPr>
+      <a:ln w="28575" cap="rnd">
+        <a:solidFill>
+          <a:schemeClr val="phClr"/>
+        </a:solidFill>
+        <a:round/>
+      </a:ln>
+    </cs:spPr>
+  </cs:dataPointLine>
+  <cs:dataPointMarker>
+    <cs:lnRef idx="0">
+      <cs:styleClr val="auto"/>
+    </cs:lnRef>
+    <cs:fillRef idx="1">
+      <cs:styleClr val="auto"/>
+    </cs:fillRef>
+    <cs:effectRef idx="0"/>
+    <cs:fontRef idx="minor">
+      <a:schemeClr val="tx1"/>
+    </cs:fontRef>
+    <cs:spPr>
+      <a:ln w="9525">
+        <a:solidFill>
+          <a:schemeClr val="phClr"/>
+        </a:solidFill>
+      </a:ln>
+    </cs:spPr>
+  </cs:dataPointMarker>
+  <cs:dataPointMarkerLayout symbol="circle" size="5"/>
+  <cs:dataPointWireframe>
+    <cs:lnRef idx="0">
+      <cs:styleClr val="auto"/>
+    </cs:lnRef>
+    <cs:fillRef idx="1"/>
+    <cs:effectRef idx="0"/>
+    <cs:fontRef idx="minor">
+      <a:schemeClr val="tx1"/>
+    </cs:fontRef>
+    <cs:spPr>
+      <a:ln w="9525" cap="rnd">
+        <a:solidFill>
+          <a:schemeClr val="phClr"/>
+        </a:solidFill>
+        <a:round/>
+      </a:ln>
+    </cs:spPr>
+  </cs:dataPointWireframe>
+  <cs:dataTable>
+    <cs:lnRef idx="0"/>
+    <cs:fillRef idx="0"/>
+    <cs:effectRef idx="0"/>
+    <cs:fontRef idx="minor">
+      <a:schemeClr val="tx1">
+        <a:lumMod val="65000"/>
+        <a:lumOff val="35000"/>
+      </a:schemeClr>
+    </cs:fontRef>
+    <cs:spPr>
+      <a:noFill/>
+      <a:ln w="9525" cap="flat" cmpd="sng" algn="ctr">
+        <a:solidFill>
+          <a:schemeClr val="tx1">
+            <a:lumMod val="15000"/>
+            <a:lumOff val="85000"/>
+          </a:schemeClr>
+        </a:solidFill>
+        <a:round/>
+      </a:ln>
+    </cs:spPr>
+    <cs:defRPr sz="900" kern="1200"/>
+  </cs:dataTable>
+  <cs:downBar>
+    <cs:lnRef idx="0"/>
+    <cs:fillRef idx="0"/>
+    <cs:effectRef idx="0"/>
+    <cs:fontRef idx="minor">
+      <a:schemeClr val="dk1"/>
+    </cs:fontRef>
+    <cs:spPr>
+      <a:solidFill>
+        <a:schemeClr val="dk1">
+          <a:lumMod val="65000"/>
+          <a:lumOff val="35000"/>
+        </a:schemeClr>
+      </a:solidFill>
+      <a:ln w="9525">
+        <a:solidFill>
+          <a:schemeClr val="tx1">
+            <a:lumMod val="65000"/>
+            <a:lumOff val="35000"/>
+          </a:schemeClr>
+        </a:solidFill>
+      </a:ln>
+    </cs:spPr>
+  </cs:downBar>
+  <cs:dropLine>
+    <cs:lnRef idx="0"/>
+    <cs:fillRef idx="0"/>
+    <cs:effectRef idx="0"/>
+    <cs:fontRef idx="minor">
+      <a:schemeClr val="tx1"/>
+    </cs:fontRef>
+    <cs:spPr>
+      <a:ln w="9525" cap="flat" cmpd="sng" algn="ctr">
+        <a:solidFill>
+          <a:schemeClr val="tx1">
+            <a:lumMod val="35000"/>
+            <a:lumOff val="65000"/>
+          </a:schemeClr>
+        </a:solidFill>
+        <a:round/>
+      </a:ln>
+    </cs:spPr>
+  </cs:dropLine>
+  <cs:errorBar>
+    <cs:lnRef idx="0"/>
+    <cs:fillRef idx="0"/>
+    <cs:effectRef idx="0"/>
+    <cs:fontRef idx="minor">
+      <a:schemeClr val="tx1"/>
+    </cs:fontRef>
+    <cs:spPr>
+      <a:ln w="9525" cap="flat" cmpd="sng" algn="ctr">
+        <a:solidFill>
+          <a:schemeClr val="tx1">
+            <a:lumMod val="65000"/>
+            <a:lumOff val="35000"/>
+          </a:schemeClr>
+        </a:solidFill>
+        <a:round/>
+      </a:ln>
+    </cs:spPr>
+  </cs:errorBar>
+  <cs:floor>
+    <cs:lnRef idx="0"/>
+    <cs:fillRef idx="0"/>
+    <cs:effectRef idx="0"/>
+    <cs:fontRef idx="minor">
+      <a:schemeClr val="tx1"/>
+    </cs:fontRef>
+    <cs:spPr>
+      <a:noFill/>
+      <a:ln>
+        <a:noFill/>
+      </a:ln>
+    </cs:spPr>
+  </cs:floor>
+  <cs:gridlineMajor>
+    <cs:lnRef idx="0"/>
+    <cs:fillRef idx="0"/>
+    <cs:effectRef idx="0"/>
+    <cs:fontRef idx="minor">
+      <a:schemeClr val="tx1"/>
+    </cs:fontRef>
+    <cs:spPr>
+      <a:ln w="9525" cap="flat" cmpd="sng" algn="ctr">
+        <a:solidFill>
+          <a:schemeClr val="tx1">
+            <a:lumMod val="15000"/>
+            <a:lumOff val="85000"/>
+          </a:schemeClr>
+        </a:solidFill>
+        <a:round/>
+      </a:ln>
+    </cs:spPr>
+  </cs:gridlineMajor>
+  <cs:gridlineMinor>
+    <cs:lnRef idx="0"/>
+    <cs:fillRef idx="0"/>
+    <cs:effectRef idx="0"/>
+    <cs:fontRef idx="minor">
+      <a:schemeClr val="tx1"/>
+    </cs:fontRef>
+    <cs:spPr>
+      <a:ln w="9525" cap="flat" cmpd="sng" algn="ctr">
+        <a:solidFill>
+          <a:schemeClr val="tx1">
+            <a:lumMod val="5000"/>
+            <a:lumOff val="95000"/>
+          </a:schemeClr>
+        </a:solidFill>
+        <a:round/>
+      </a:ln>
+    </cs:spPr>
+  </cs:gridlineMinor>
+  <cs:hiLoLine>
+    <cs:lnRef idx="0"/>
+    <cs:fillRef idx="0"/>
+    <cs:effectRef idx="0"/>
+    <cs:fontRef idx="minor">
+      <a:schemeClr val="tx1"/>
+    </cs:fontRef>
+    <cs:spPr>
+      <a:ln w="9525" cap="flat" cmpd="sng" algn="ctr">
+        <a:solidFill>
+          <a:schemeClr val="tx1">
+            <a:lumMod val="75000"/>
+            <a:lumOff val="25000"/>
+          </a:schemeClr>
+        </a:solidFill>
+        <a:round/>
+      </a:ln>
+    </cs:spPr>
+  </cs:hiLoLine>
+  <cs:leaderLine>
+    <cs:lnRef idx="0"/>
+    <cs:fillRef idx="0"/>
+    <cs:effectRef idx="0"/>
+    <cs:fontRef idx="minor">
+      <a:schemeClr val="tx1"/>
+    </cs:fontRef>
+    <cs:spPr>
+      <a:ln w="9525" cap="flat" cmpd="sng" algn="ctr">
+        <a:solidFill>
+          <a:schemeClr val="tx1">
+            <a:lumMod val="35000"/>
+            <a:lumOff val="65000"/>
+          </a:schemeClr>
+        </a:solidFill>
+        <a:round/>
+      </a:ln>
+    </cs:spPr>
+  </cs:leaderLine>
+  <cs:legend>
+    <cs:lnRef idx="0"/>
+    <cs:fillRef idx="0"/>
+    <cs:effectRef idx="0"/>
+    <cs:fontRef idx="minor">
+      <a:schemeClr val="tx1">
+        <a:lumMod val="65000"/>
+        <a:lumOff val="35000"/>
+      </a:schemeClr>
+    </cs:fontRef>
+    <cs:defRPr sz="900" kern="1200"/>
+  </cs:legend>
+  <cs:plotArea mods="allowNoFillOverride allowNoLineOverride">
+    <cs:lnRef idx="0"/>
+    <cs:fillRef idx="0"/>
+    <cs:effectRef idx="0"/>
+    <cs:fontRef idx="minor">
+      <a:schemeClr val="tx1"/>
+    </cs:fontRef>
+  </cs:plotArea>
+  <cs:plotArea3D mods="allowNoFillOverride allowNoLineOverride">
+    <cs:lnRef idx="0"/>
+    <cs:fillRef idx="0"/>
+    <cs:effectRef idx="0"/>
+    <cs:fontRef idx="minor">
+      <a:schemeClr val="tx1"/>
+    </cs:fontRef>
+  </cs:plotArea3D>
+  <cs:seriesAxis>
+    <cs:lnRef idx="0"/>
+    <cs:fillRef idx="0"/>
+    <cs:effectRef idx="0"/>
+    <cs:fontRef idx="minor">
+      <a:schemeClr val="tx1">
+        <a:lumMod val="65000"/>
+        <a:lumOff val="35000"/>
+      </a:schemeClr>
+    </cs:fontRef>
+    <cs:defRPr sz="900" kern="1200"/>
+  </cs:seriesAxis>
+  <cs:seriesLine>
+    <cs:lnRef idx="0"/>
+    <cs:fillRef idx="0"/>
+    <cs:effectRef idx="0"/>
+    <cs:fontRef idx="minor">
+      <a:schemeClr val="tx1"/>
+    </cs:fontRef>
+    <cs:spPr>
+      <a:ln w="9525" cap="flat" cmpd="sng" algn="ctr">
+        <a:solidFill>
+          <a:schemeClr val="tx1">
+            <a:lumMod val="35000"/>
+            <a:lumOff val="65000"/>
+          </a:schemeClr>
+        </a:solidFill>
+        <a:round/>
+      </a:ln>
+    </cs:spPr>
+  </cs:seriesLine>
+  <cs:title>
+    <cs:lnRef idx="0"/>
+    <cs:fillRef idx="0"/>
+    <cs:effectRef idx="0"/>
+    <cs:fontRef idx="minor">
+      <a:schemeClr val="tx1">
+        <a:lumMod val="65000"/>
+        <a:lumOff val="35000"/>
+      </a:schemeClr>
+    </cs:fontRef>
+    <cs:defRPr sz="1400" b="0" kern="1200" spc="0" baseline="0"/>
+  </cs:title>
+  <cs:trendline>
+    <cs:lnRef idx="0">
+      <cs:styleClr val="auto"/>
+    </cs:lnRef>
+    <cs:fillRef idx="0"/>
+    <cs:effectRef idx="0"/>
+    <cs:fontRef idx="minor">
+      <a:schemeClr val="tx1"/>
+    </cs:fontRef>
+    <cs:spPr>
+      <a:ln w="19050" cap="rnd">
+        <a:solidFill>
+          <a:schemeClr val="phClr"/>
+        </a:solidFill>
+        <a:prstDash val="sysDot"/>
+      </a:ln>
+    </cs:spPr>
+  </cs:trendline>
+  <cs:trendlineLabel>
+    <cs:lnRef idx="0"/>
+    <cs:fillRef idx="0"/>
+    <cs:effectRef idx="0"/>
+    <cs:fontRef idx="minor">
+      <a:schemeClr val="tx1">
+        <a:lumMod val="65000"/>
+        <a:lumOff val="35000"/>
+      </a:schemeClr>
+    </cs:fontRef>
+    <cs:defRPr sz="900" kern="1200"/>
+  </cs:trendlineLabel>
+  <cs:upBar>
+    <cs:lnRef idx="0"/>
+    <cs:fillRef idx="0"/>
+    <cs:effectRef idx="0"/>
+    <cs:fontRef idx="minor">
+      <a:schemeClr val="dk1"/>
+    </cs:fontRef>
+    <cs:spPr>
+      <a:solidFill>
+        <a:schemeClr val="lt1"/>
+      </a:solidFill>
+      <a:ln w="9525">
+        <a:solidFill>
+          <a:schemeClr val="tx1">
+            <a:lumMod val="15000"/>
+            <a:lumOff val="85000"/>
+          </a:schemeClr>
+        </a:solidFill>
+      </a:ln>
+    </cs:spPr>
+  </cs:upBar>
+  <cs:valueAxis>
+    <cs:lnRef idx="0"/>
+    <cs:fillRef idx="0"/>
+    <cs:effectRef idx="0"/>
+    <cs:fontRef idx="minor">
+      <a:schemeClr val="tx1">
+        <a:lumMod val="65000"/>
+        <a:lumOff val="35000"/>
+      </a:schemeClr>
+    </cs:fontRef>
+    <cs:defRPr sz="900" kern="1200"/>
+  </cs:valueAxis>
+  <cs:wall>
+    <cs:lnRef idx="0"/>
+    <cs:fillRef idx="0"/>
+    <cs:effectRef idx="0"/>
+    <cs:fontRef idx="minor">
+      <a:schemeClr val="tx1"/>
+    </cs:fontRef>
+    <cs:spPr>
+      <a:noFill/>
+      <a:ln>
+        <a:noFill/>
+      </a:ln>
+    </cs:spPr>
+  </cs:wall>
+</cs:chartStyle>
 </file>
 
 <file path=ppt/slideLayouts/slideLayout1.xml><?xml version="1.0" encoding="utf-8"?>
@@ -240,7 +3441,7 @@
           <a:p>
             <a:fld id="{16F89BC7-03B7-194C-B491-8117B19CC20D}" type="datetimeFigureOut">
               <a:rPr kumimoji="1" lang="zh-TW" altLang="en-US" smtClean="0"/>
-              <a:t>2017/6/11</a:t>
+              <a:t>2017/6/12</a:t>
             </a:fld>
             <a:endParaRPr kumimoji="1" lang="zh-TW" altLang="en-US"/>
           </a:p>
@@ -410,7 +3611,7 @@
           <a:p>
             <a:fld id="{16F89BC7-03B7-194C-B491-8117B19CC20D}" type="datetimeFigureOut">
               <a:rPr kumimoji="1" lang="zh-TW" altLang="en-US" smtClean="0"/>
-              <a:t>2017/6/11</a:t>
+              <a:t>2017/6/12</a:t>
             </a:fld>
             <a:endParaRPr kumimoji="1" lang="zh-TW" altLang="en-US"/>
           </a:p>
@@ -590,7 +3791,7 @@
           <a:p>
             <a:fld id="{16F89BC7-03B7-194C-B491-8117B19CC20D}" type="datetimeFigureOut">
               <a:rPr kumimoji="1" lang="zh-TW" altLang="en-US" smtClean="0"/>
-              <a:t>2017/6/11</a:t>
+              <a:t>2017/6/12</a:t>
             </a:fld>
             <a:endParaRPr kumimoji="1" lang="zh-TW" altLang="en-US"/>
           </a:p>
@@ -760,7 +3961,7 @@
           <a:p>
             <a:fld id="{16F89BC7-03B7-194C-B491-8117B19CC20D}" type="datetimeFigureOut">
               <a:rPr kumimoji="1" lang="zh-TW" altLang="en-US" smtClean="0"/>
-              <a:t>2017/6/11</a:t>
+              <a:t>2017/6/12</a:t>
             </a:fld>
             <a:endParaRPr kumimoji="1" lang="zh-TW" altLang="en-US"/>
           </a:p>
@@ -1006,7 +4207,7 @@
           <a:p>
             <a:fld id="{16F89BC7-03B7-194C-B491-8117B19CC20D}" type="datetimeFigureOut">
               <a:rPr kumimoji="1" lang="zh-TW" altLang="en-US" smtClean="0"/>
-              <a:t>2017/6/11</a:t>
+              <a:t>2017/6/12</a:t>
             </a:fld>
             <a:endParaRPr kumimoji="1" lang="zh-TW" altLang="en-US"/>
           </a:p>
@@ -1238,7 +4439,7 @@
           <a:p>
             <a:fld id="{16F89BC7-03B7-194C-B491-8117B19CC20D}" type="datetimeFigureOut">
               <a:rPr kumimoji="1" lang="zh-TW" altLang="en-US" smtClean="0"/>
-              <a:t>2017/6/11</a:t>
+              <a:t>2017/6/12</a:t>
             </a:fld>
             <a:endParaRPr kumimoji="1" lang="zh-TW" altLang="en-US"/>
           </a:p>
@@ -1605,7 +4806,7 @@
           <a:p>
             <a:fld id="{16F89BC7-03B7-194C-B491-8117B19CC20D}" type="datetimeFigureOut">
               <a:rPr kumimoji="1" lang="zh-TW" altLang="en-US" smtClean="0"/>
-              <a:t>2017/6/11</a:t>
+              <a:t>2017/6/12</a:t>
             </a:fld>
             <a:endParaRPr kumimoji="1" lang="zh-TW" altLang="en-US"/>
           </a:p>
@@ -1723,7 +4924,7 @@
           <a:p>
             <a:fld id="{16F89BC7-03B7-194C-B491-8117B19CC20D}" type="datetimeFigureOut">
               <a:rPr kumimoji="1" lang="zh-TW" altLang="en-US" smtClean="0"/>
-              <a:t>2017/6/11</a:t>
+              <a:t>2017/6/12</a:t>
             </a:fld>
             <a:endParaRPr kumimoji="1" lang="zh-TW" altLang="en-US"/>
           </a:p>
@@ -1818,7 +5019,7 @@
           <a:p>
             <a:fld id="{16F89BC7-03B7-194C-B491-8117B19CC20D}" type="datetimeFigureOut">
               <a:rPr kumimoji="1" lang="zh-TW" altLang="en-US" smtClean="0"/>
-              <a:t>2017/6/11</a:t>
+              <a:t>2017/6/12</a:t>
             </a:fld>
             <a:endParaRPr kumimoji="1" lang="zh-TW" altLang="en-US"/>
           </a:p>
@@ -2095,7 +5296,7 @@
           <a:p>
             <a:fld id="{16F89BC7-03B7-194C-B491-8117B19CC20D}" type="datetimeFigureOut">
               <a:rPr kumimoji="1" lang="zh-TW" altLang="en-US" smtClean="0"/>
-              <a:t>2017/6/11</a:t>
+              <a:t>2017/6/12</a:t>
             </a:fld>
             <a:endParaRPr kumimoji="1" lang="zh-TW" altLang="en-US"/>
           </a:p>
@@ -2348,7 +5549,7 @@
           <a:p>
             <a:fld id="{16F89BC7-03B7-194C-B491-8117B19CC20D}" type="datetimeFigureOut">
               <a:rPr kumimoji="1" lang="zh-TW" altLang="en-US" smtClean="0"/>
-              <a:t>2017/6/11</a:t>
+              <a:t>2017/6/12</a:t>
             </a:fld>
             <a:endParaRPr kumimoji="1" lang="zh-TW" altLang="en-US"/>
           </a:p>
@@ -2561,7 +5762,7 @@
           <a:p>
             <a:fld id="{16F89BC7-03B7-194C-B491-8117B19CC20D}" type="datetimeFigureOut">
               <a:rPr kumimoji="1" lang="zh-TW" altLang="en-US" smtClean="0"/>
-              <a:t>2017/6/11</a:t>
+              <a:t>2017/6/12</a:t>
             </a:fld>
             <a:endParaRPr kumimoji="1" lang="zh-TW" altLang="en-US"/>
           </a:p>
@@ -4227,7 +7428,7 @@
         </p:nvSpPr>
         <p:spPr>
           <a:xfrm>
-            <a:off x="363981" y="271463"/>
+            <a:off x="465060" y="4024689"/>
             <a:ext cx="2497800" cy="307777"/>
           </a:xfrm>
           <a:prstGeom prst="rect">
@@ -4281,8 +7482,8 @@
         </p:nvSpPr>
         <p:spPr>
           <a:xfrm>
-            <a:off x="375119" y="569355"/>
-            <a:ext cx="4580165" cy="307777"/>
+            <a:off x="476198" y="4322581"/>
+            <a:ext cx="3265955" cy="523220"/>
           </a:xfrm>
           <a:prstGeom prst="rect">
             <a:avLst/>
@@ -4290,7 +7491,7 @@
           <a:noFill/>
         </p:spPr>
         <p:txBody>
-          <a:bodyPr wrap="none" rtlCol="0">
+          <a:bodyPr wrap="square" rtlCol="0">
             <a:spAutoFit/>
           </a:bodyPr>
           <a:lstStyle/>
@@ -4438,7 +7639,7 @@
         </p:nvSpPr>
         <p:spPr>
           <a:xfrm>
-            <a:off x="363981" y="910112"/>
+            <a:off x="465060" y="4845801"/>
             <a:ext cx="3145989" cy="307777"/>
           </a:xfrm>
           <a:prstGeom prst="rect">
@@ -4516,10 +7717,251 @@
           </a:p>
         </p:txBody>
       </p:sp>
+      <p:pic>
+        <p:nvPicPr>
+          <p:cNvPr id="2" name="圖片 1"/>
+          <p:cNvPicPr>
+            <a:picLocks noChangeAspect="1"/>
+          </p:cNvPicPr>
+          <p:nvPr/>
+        </p:nvPicPr>
+        <p:blipFill>
+          <a:blip r:embed="rId2">
+            <a:extLst>
+              <a:ext uri="{28A0092B-C50C-407E-A947-70E740481C1C}">
+                <a14:useLocalDpi xmlns:a14="http://schemas.microsoft.com/office/drawing/2010/main" val="0"/>
+              </a:ext>
+            </a:extLst>
+          </a:blip>
+          <a:stretch>
+            <a:fillRect/>
+          </a:stretch>
+        </p:blipFill>
+        <p:spPr>
+          <a:xfrm>
+            <a:off x="465060" y="454479"/>
+            <a:ext cx="8109679" cy="1959771"/>
+          </a:xfrm>
+          <a:prstGeom prst="rect">
+            <a:avLst/>
+          </a:prstGeom>
+        </p:spPr>
+      </p:pic>
+      <p:pic>
+        <p:nvPicPr>
+          <p:cNvPr id="3" name="圖片 2"/>
+          <p:cNvPicPr>
+            <a:picLocks noChangeAspect="1"/>
+          </p:cNvPicPr>
+          <p:nvPr/>
+        </p:nvPicPr>
+        <p:blipFill>
+          <a:blip r:embed="rId3">
+            <a:extLst>
+              <a:ext uri="{28A0092B-C50C-407E-A947-70E740481C1C}">
+                <a14:useLocalDpi xmlns:a14="http://schemas.microsoft.com/office/drawing/2010/main" val="0"/>
+              </a:ext>
+            </a:extLst>
+          </a:blip>
+          <a:stretch>
+            <a:fillRect/>
+          </a:stretch>
+        </p:blipFill>
+        <p:spPr>
+          <a:xfrm>
+            <a:off x="3860904" y="3392890"/>
+            <a:ext cx="4521316" cy="2382602"/>
+          </a:xfrm>
+          <a:prstGeom prst="rect">
+            <a:avLst/>
+          </a:prstGeom>
+        </p:spPr>
+      </p:pic>
+      <p:sp>
+        <p:nvSpPr>
+          <p:cNvPr id="7" name="文字方塊 6"/>
+          <p:cNvSpPr txBox="1"/>
+          <p:nvPr/>
+        </p:nvSpPr>
+        <p:spPr>
+          <a:xfrm>
+            <a:off x="260586" y="604492"/>
+            <a:ext cx="991938" cy="338554"/>
+          </a:xfrm>
+          <a:prstGeom prst="rect">
+            <a:avLst/>
+          </a:prstGeom>
+          <a:noFill/>
+        </p:spPr>
+        <p:txBody>
+          <a:bodyPr wrap="none" rtlCol="0">
+            <a:spAutoFit/>
+          </a:bodyPr>
+          <a:lstStyle/>
+          <a:p>
+            <a:r>
+              <a:rPr kumimoji="1" lang="en-US" altLang="zh-CN" sz="1600" smtClean="0">
+                <a:ea typeface="Microsoft JhengHei" charset="0"/>
+                <a:cs typeface="Microsoft JhengHei" charset="0"/>
+              </a:rPr>
+              <a:t>questions</a:t>
+            </a:r>
+            <a:endParaRPr kumimoji="1" lang="zh-TW" altLang="en-US" sz="1600" dirty="0">
+              <a:ea typeface="Microsoft JhengHei" charset="0"/>
+              <a:cs typeface="Microsoft JhengHei" charset="0"/>
+            </a:endParaRPr>
+          </a:p>
+        </p:txBody>
+      </p:sp>
+      <p:sp>
+        <p:nvSpPr>
+          <p:cNvPr id="8" name="文字方塊 7"/>
+          <p:cNvSpPr txBox="1"/>
+          <p:nvPr/>
+        </p:nvSpPr>
+        <p:spPr>
+          <a:xfrm>
+            <a:off x="310451" y="1921686"/>
+            <a:ext cx="866391" cy="338554"/>
+          </a:xfrm>
+          <a:prstGeom prst="rect">
+            <a:avLst/>
+          </a:prstGeom>
+          <a:noFill/>
+        </p:spPr>
+        <p:txBody>
+          <a:bodyPr wrap="none" rtlCol="0">
+            <a:spAutoFit/>
+          </a:bodyPr>
+          <a:lstStyle/>
+          <a:p>
+            <a:r>
+              <a:rPr kumimoji="1" lang="en-US" altLang="zh-CN" sz="1600" dirty="0" smtClean="0">
+                <a:ea typeface="Microsoft JhengHei" charset="0"/>
+                <a:cs typeface="Microsoft JhengHei" charset="0"/>
+              </a:rPr>
+              <a:t>answers</a:t>
+            </a:r>
+            <a:endParaRPr kumimoji="1" lang="zh-TW" altLang="en-US" sz="1600" dirty="0">
+              <a:ea typeface="Microsoft JhengHei" charset="0"/>
+              <a:cs typeface="Microsoft JhengHei" charset="0"/>
+            </a:endParaRPr>
+          </a:p>
+        </p:txBody>
+      </p:sp>
     </p:spTree>
     <p:extLst>
       <p:ext uri="{BB962C8B-B14F-4D97-AF65-F5344CB8AC3E}">
         <p14:creationId xmlns:p14="http://schemas.microsoft.com/office/powerpoint/2010/main" val="1199568276"/>
+      </p:ext>
+    </p:extLst>
+  </p:cSld>
+  <p:clrMapOvr>
+    <a:masterClrMapping/>
+  </p:clrMapOvr>
+  <p:timing>
+    <p:tnLst>
+      <p:par>
+        <p:cTn id="1" dur="indefinite" restart="never" nodeType="tmRoot"/>
+      </p:par>
+    </p:tnLst>
+  </p:timing>
+</p:sld>
+</file>
+
+<file path=ppt/slides/slide4.xml><?xml version="1.0" encoding="utf-8"?>
+<p:sld xmlns:a="http://schemas.openxmlformats.org/drawingml/2006/main" xmlns:r="http://schemas.openxmlformats.org/officeDocument/2006/relationships" xmlns:p="http://schemas.openxmlformats.org/presentationml/2006/main">
+  <p:cSld>
+    <p:spTree>
+      <p:nvGrpSpPr>
+        <p:cNvPr id="1" name=""/>
+        <p:cNvGrpSpPr/>
+        <p:nvPr/>
+      </p:nvGrpSpPr>
+      <p:grpSpPr>
+        <a:xfrm>
+          <a:off x="0" y="0"/>
+          <a:ext cx="0" cy="0"/>
+          <a:chOff x="0" y="0"/>
+          <a:chExt cx="0" cy="0"/>
+        </a:xfrm>
+      </p:grpSpPr>
+      <p:graphicFrame>
+        <p:nvGraphicFramePr>
+          <p:cNvPr id="9" name="圖表 8"/>
+          <p:cNvGraphicFramePr>
+            <a:graphicFrameLocks/>
+          </p:cNvGraphicFramePr>
+          <p:nvPr>
+            <p:extLst>
+              <p:ext uri="{D42A27DB-BD31-4B8C-83A1-F6EECF244321}">
+                <p14:modId xmlns:p14="http://schemas.microsoft.com/office/powerpoint/2010/main" val="313515824"/>
+              </p:ext>
+            </p:extLst>
+          </p:nvPr>
+        </p:nvGraphicFramePr>
+        <p:xfrm>
+          <a:off x="517074" y="281986"/>
+          <a:ext cx="3994966" cy="2955890"/>
+        </p:xfrm>
+        <a:graphic>
+          <a:graphicData uri="http://schemas.openxmlformats.org/drawingml/2006/chart">
+            <c:chart xmlns:c="http://schemas.openxmlformats.org/drawingml/2006/chart" xmlns:r="http://schemas.openxmlformats.org/officeDocument/2006/relationships" r:id="rId2"/>
+          </a:graphicData>
+        </a:graphic>
+      </p:graphicFrame>
+      <p:graphicFrame>
+        <p:nvGraphicFramePr>
+          <p:cNvPr id="12" name="圖表 11"/>
+          <p:cNvGraphicFramePr>
+            <a:graphicFrameLocks/>
+          </p:cNvGraphicFramePr>
+          <p:nvPr>
+            <p:extLst>
+              <p:ext uri="{D42A27DB-BD31-4B8C-83A1-F6EECF244321}">
+                <p14:modId xmlns:p14="http://schemas.microsoft.com/office/powerpoint/2010/main" val="373347640"/>
+              </p:ext>
+            </p:extLst>
+          </p:nvPr>
+        </p:nvGraphicFramePr>
+        <p:xfrm>
+          <a:off x="331075" y="3399939"/>
+          <a:ext cx="4180965" cy="3195734"/>
+        </p:xfrm>
+        <a:graphic>
+          <a:graphicData uri="http://schemas.openxmlformats.org/drawingml/2006/chart">
+            <c:chart xmlns:c="http://schemas.openxmlformats.org/drawingml/2006/chart" xmlns:r="http://schemas.openxmlformats.org/officeDocument/2006/relationships" r:id="rId3"/>
+          </a:graphicData>
+        </a:graphic>
+      </p:graphicFrame>
+      <p:graphicFrame>
+        <p:nvGraphicFramePr>
+          <p:cNvPr id="13" name="圖表 12"/>
+          <p:cNvGraphicFramePr>
+            <a:graphicFrameLocks/>
+          </p:cNvGraphicFramePr>
+          <p:nvPr>
+            <p:extLst>
+              <p:ext uri="{D42A27DB-BD31-4B8C-83A1-F6EECF244321}">
+                <p14:modId xmlns:p14="http://schemas.microsoft.com/office/powerpoint/2010/main" val="2003086469"/>
+              </p:ext>
+            </p:extLst>
+          </p:nvPr>
+        </p:nvGraphicFramePr>
+        <p:xfrm>
+          <a:off x="4512039" y="281987"/>
+          <a:ext cx="4122295" cy="2955890"/>
+        </p:xfrm>
+        <a:graphic>
+          <a:graphicData uri="http://schemas.openxmlformats.org/drawingml/2006/chart">
+            <c:chart xmlns:c="http://schemas.openxmlformats.org/drawingml/2006/chart" xmlns:r="http://schemas.openxmlformats.org/officeDocument/2006/relationships" r:id="rId4"/>
+          </a:graphicData>
+        </a:graphic>
+      </p:graphicFrame>
+    </p:spTree>
+    <p:extLst>
+      <p:ext uri="{BB962C8B-B14F-4D97-AF65-F5344CB8AC3E}">
+        <p14:creationId xmlns:p14="http://schemas.microsoft.com/office/powerpoint/2010/main" val="1470757662"/>
       </p:ext>
     </p:extLst>
   </p:cSld>

--- a/slides/NLP term project report.pptx
+++ b/slides/NLP term project report.pptx
@@ -8,7 +8,8 @@
     <p:sldId id="256" r:id="rId2"/>
     <p:sldId id="257" r:id="rId3"/>
     <p:sldId id="258" r:id="rId4"/>
-    <p:sldId id="259" r:id="rId5"/>
+    <p:sldId id="260" r:id="rId5"/>
+    <p:sldId id="259" r:id="rId6"/>
   </p:sldIdLst>
   <p:sldSz cx="9144000" cy="6858000" type="screen4x3"/>
   <p:notesSz cx="6858000" cy="9144000"/>
@@ -116,6 +117,690 @@
 </file>
 
 <file path=ppt/charts/chart1.xml><?xml version="1.0" encoding="utf-8"?>
+<c:chartSpace xmlns:c="http://schemas.openxmlformats.org/drawingml/2006/chart" xmlns:a="http://schemas.openxmlformats.org/drawingml/2006/main" xmlns:r="http://schemas.openxmlformats.org/officeDocument/2006/relationships">
+  <c:date1904 val="0"/>
+  <c:lang val="zh-TW"/>
+  <c:roundedCorners val="0"/>
+  <mc:AlternateContent xmlns:mc="http://schemas.openxmlformats.org/markup-compatibility/2006">
+    <mc:Choice xmlns:c14="http://schemas.microsoft.com/office/drawing/2007/8/2/chart" Requires="c14">
+      <c14:style val="102"/>
+    </mc:Choice>
+    <mc:Fallback>
+      <c:style val="2"/>
+    </mc:Fallback>
+  </mc:AlternateContent>
+  <c:chart>
+    <c:title>
+      <c:tx>
+        <c:rich>
+          <a:bodyPr rot="0" spcFirstLastPara="1" vertOverflow="ellipsis" vert="horz" wrap="square" anchor="ctr" anchorCtr="1"/>
+          <a:lstStyle/>
+          <a:p>
+            <a:pPr>
+              <a:defRPr sz="1400" b="0" i="0" u="none" strike="noStrike" kern="1200" spc="0" baseline="0">
+                <a:solidFill>
+                  <a:schemeClr val="tx1">
+                    <a:lumMod val="65000"/>
+                    <a:lumOff val="35000"/>
+                  </a:schemeClr>
+                </a:solidFill>
+                <a:latin typeface="+mn-lt"/>
+                <a:ea typeface="+mn-ea"/>
+                <a:cs typeface="+mn-cs"/>
+              </a:defRPr>
+            </a:pPr>
+            <a:r>
+              <a:rPr lang="en-US" altLang="zh-CN"/>
+              <a:t>Unambiguous</a:t>
+            </a:r>
+            <a:endParaRPr lang="zh-TW" altLang="en-US"/>
+          </a:p>
+        </c:rich>
+      </c:tx>
+      <c:layout/>
+      <c:overlay val="0"/>
+      <c:spPr>
+        <a:noFill/>
+        <a:ln>
+          <a:noFill/>
+        </a:ln>
+        <a:effectLst/>
+      </c:spPr>
+      <c:txPr>
+        <a:bodyPr rot="0" spcFirstLastPara="1" vertOverflow="ellipsis" vert="horz" wrap="square" anchor="ctr" anchorCtr="1"/>
+        <a:lstStyle/>
+        <a:p>
+          <a:pPr>
+            <a:defRPr sz="1400" b="0" i="0" u="none" strike="noStrike" kern="1200" spc="0" baseline="0">
+              <a:solidFill>
+                <a:schemeClr val="tx1">
+                  <a:lumMod val="65000"/>
+                  <a:lumOff val="35000"/>
+                </a:schemeClr>
+              </a:solidFill>
+              <a:latin typeface="+mn-lt"/>
+              <a:ea typeface="+mn-ea"/>
+              <a:cs typeface="+mn-cs"/>
+            </a:defRPr>
+          </a:pPr>
+          <a:endParaRPr lang="zh-TW"/>
+        </a:p>
+      </c:txPr>
+    </c:title>
+    <c:autoTitleDeleted val="0"/>
+    <c:plotArea>
+      <c:layout/>
+      <c:barChart>
+        <c:barDir val="col"/>
+        <c:grouping val="clustered"/>
+        <c:varyColors val="0"/>
+        <c:ser>
+          <c:idx val="0"/>
+          <c:order val="0"/>
+          <c:spPr>
+            <a:solidFill>
+              <a:schemeClr val="accent1"/>
+            </a:solidFill>
+            <a:ln>
+              <a:noFill/>
+            </a:ln>
+            <a:effectLst/>
+          </c:spPr>
+          <c:invertIfNegative val="0"/>
+          <c:cat>
+            <c:strRef>
+              <c:f>question_type_dist!$A$2:$A$14</c:f>
+              <c:strCache>
+                <c:ptCount val="13"/>
+                <c:pt idx="0">
+                  <c:v>其它</c:v>
+                </c:pt>
+                <c:pt idx="1">
+                  <c:v>完成式</c:v>
+                </c:pt>
+                <c:pt idx="2">
+                  <c:v>进行式</c:v>
+                </c:pt>
+                <c:pt idx="3">
+                  <c:v>过去式</c:v>
+                </c:pt>
+                <c:pt idx="4">
+                  <c:v>未来式</c:v>
+                </c:pt>
+                <c:pt idx="5">
+                  <c:v>关系代名词</c:v>
+                </c:pt>
+                <c:pt idx="6">
+                  <c:v>不定词</c:v>
+                </c:pt>
+                <c:pt idx="7">
+                  <c:v>名词字句</c:v>
+                </c:pt>
+                <c:pt idx="8">
+                  <c:v>被动</c:v>
+                </c:pt>
+                <c:pt idx="9">
+                  <c:v>介系词</c:v>
+                </c:pt>
+                <c:pt idx="10">
+                  <c:v>连接词</c:v>
+                </c:pt>
+                <c:pt idx="11">
+                  <c:v>假设语气</c:v>
+                </c:pt>
+                <c:pt idx="12">
+                  <c:v>分词</c:v>
+                </c:pt>
+              </c:strCache>
+            </c:strRef>
+          </c:cat>
+          <c:val>
+            <c:numRef>
+              <c:f>question_type_dist!$B$2:$B$14</c:f>
+              <c:numCache>
+                <c:formatCode>General</c:formatCode>
+                <c:ptCount val="13"/>
+                <c:pt idx="0">
+                  <c:v>2.0</c:v>
+                </c:pt>
+                <c:pt idx="1">
+                  <c:v>207.0</c:v>
+                </c:pt>
+                <c:pt idx="2">
+                  <c:v>193.0</c:v>
+                </c:pt>
+                <c:pt idx="3">
+                  <c:v>448.0</c:v>
+                </c:pt>
+                <c:pt idx="4">
+                  <c:v>35.0</c:v>
+                </c:pt>
+                <c:pt idx="5">
+                  <c:v>462.0</c:v>
+                </c:pt>
+                <c:pt idx="6">
+                  <c:v>96.0</c:v>
+                </c:pt>
+                <c:pt idx="7">
+                  <c:v>88.0</c:v>
+                </c:pt>
+                <c:pt idx="8">
+                  <c:v>244.0</c:v>
+                </c:pt>
+                <c:pt idx="9">
+                  <c:v>1000.0</c:v>
+                </c:pt>
+                <c:pt idx="10">
+                  <c:v>528.0</c:v>
+                </c:pt>
+                <c:pt idx="11">
+                  <c:v>57.0</c:v>
+                </c:pt>
+                <c:pt idx="12">
+                  <c:v>515.0</c:v>
+                </c:pt>
+              </c:numCache>
+            </c:numRef>
+          </c:val>
+        </c:ser>
+        <c:dLbls>
+          <c:showLegendKey val="0"/>
+          <c:showVal val="0"/>
+          <c:showCatName val="0"/>
+          <c:showSerName val="0"/>
+          <c:showPercent val="0"/>
+          <c:showBubbleSize val="0"/>
+        </c:dLbls>
+        <c:gapWidth val="219"/>
+        <c:overlap val="-27"/>
+        <c:axId val="1856137632"/>
+        <c:axId val="1856363056"/>
+      </c:barChart>
+      <c:catAx>
+        <c:axId val="1856137632"/>
+        <c:scaling>
+          <c:orientation val="minMax"/>
+        </c:scaling>
+        <c:delete val="0"/>
+        <c:axPos val="b"/>
+        <c:numFmt formatCode="General" sourceLinked="1"/>
+        <c:majorTickMark val="none"/>
+        <c:minorTickMark val="none"/>
+        <c:tickLblPos val="nextTo"/>
+        <c:spPr>
+          <a:noFill/>
+          <a:ln w="9525" cap="flat" cmpd="sng" algn="ctr">
+            <a:solidFill>
+              <a:schemeClr val="tx1">
+                <a:lumMod val="15000"/>
+                <a:lumOff val="85000"/>
+              </a:schemeClr>
+            </a:solidFill>
+            <a:round/>
+          </a:ln>
+          <a:effectLst/>
+        </c:spPr>
+        <c:txPr>
+          <a:bodyPr rot="-60000000" spcFirstLastPara="1" vertOverflow="ellipsis" vert="horz" wrap="square" anchor="ctr" anchorCtr="1"/>
+          <a:lstStyle/>
+          <a:p>
+            <a:pPr>
+              <a:defRPr sz="900" b="0" i="0" u="none" strike="noStrike" kern="1200" baseline="0">
+                <a:solidFill>
+                  <a:schemeClr val="tx1">
+                    <a:lumMod val="65000"/>
+                    <a:lumOff val="35000"/>
+                  </a:schemeClr>
+                </a:solidFill>
+                <a:latin typeface="+mn-lt"/>
+                <a:ea typeface="+mn-ea"/>
+                <a:cs typeface="+mn-cs"/>
+              </a:defRPr>
+            </a:pPr>
+            <a:endParaRPr lang="zh-TW"/>
+          </a:p>
+        </c:txPr>
+        <c:crossAx val="1856363056"/>
+        <c:crosses val="autoZero"/>
+        <c:auto val="1"/>
+        <c:lblAlgn val="ctr"/>
+        <c:lblOffset val="100"/>
+        <c:noMultiLvlLbl val="0"/>
+      </c:catAx>
+      <c:valAx>
+        <c:axId val="1856363056"/>
+        <c:scaling>
+          <c:orientation val="minMax"/>
+        </c:scaling>
+        <c:delete val="0"/>
+        <c:axPos val="l"/>
+        <c:majorGridlines>
+          <c:spPr>
+            <a:ln w="9525" cap="flat" cmpd="sng" algn="ctr">
+              <a:solidFill>
+                <a:schemeClr val="tx1">
+                  <a:lumMod val="15000"/>
+                  <a:lumOff val="85000"/>
+                </a:schemeClr>
+              </a:solidFill>
+              <a:round/>
+            </a:ln>
+            <a:effectLst/>
+          </c:spPr>
+        </c:majorGridlines>
+        <c:numFmt formatCode="General" sourceLinked="1"/>
+        <c:majorTickMark val="none"/>
+        <c:minorTickMark val="none"/>
+        <c:tickLblPos val="nextTo"/>
+        <c:spPr>
+          <a:noFill/>
+          <a:ln>
+            <a:noFill/>
+          </a:ln>
+          <a:effectLst/>
+        </c:spPr>
+        <c:txPr>
+          <a:bodyPr rot="-60000000" spcFirstLastPara="1" vertOverflow="ellipsis" vert="horz" wrap="square" anchor="ctr" anchorCtr="1"/>
+          <a:lstStyle/>
+          <a:p>
+            <a:pPr>
+              <a:defRPr sz="900" b="0" i="0" u="none" strike="noStrike" kern="1200" baseline="0">
+                <a:solidFill>
+                  <a:schemeClr val="tx1">
+                    <a:lumMod val="65000"/>
+                    <a:lumOff val="35000"/>
+                  </a:schemeClr>
+                </a:solidFill>
+                <a:latin typeface="+mn-lt"/>
+                <a:ea typeface="+mn-ea"/>
+                <a:cs typeface="+mn-cs"/>
+              </a:defRPr>
+            </a:pPr>
+            <a:endParaRPr lang="zh-TW"/>
+          </a:p>
+        </c:txPr>
+        <c:crossAx val="1856137632"/>
+        <c:crosses val="autoZero"/>
+        <c:crossBetween val="between"/>
+      </c:valAx>
+      <c:spPr>
+        <a:noFill/>
+        <a:ln>
+          <a:noFill/>
+        </a:ln>
+        <a:effectLst/>
+      </c:spPr>
+    </c:plotArea>
+    <c:plotVisOnly val="1"/>
+    <c:dispBlanksAs val="gap"/>
+    <c:showDLblsOverMax val="0"/>
+  </c:chart>
+  <c:spPr>
+    <a:noFill/>
+    <a:ln>
+      <a:noFill/>
+    </a:ln>
+    <a:effectLst/>
+  </c:spPr>
+  <c:txPr>
+    <a:bodyPr/>
+    <a:lstStyle/>
+    <a:p>
+      <a:pPr>
+        <a:defRPr/>
+      </a:pPr>
+      <a:endParaRPr lang="zh-TW"/>
+    </a:p>
+  </c:txPr>
+  <c:externalData r:id="rId3">
+    <c:autoUpdate val="0"/>
+  </c:externalData>
+</c:chartSpace>
+</file>
+
+<file path=ppt/charts/chart2.xml><?xml version="1.0" encoding="utf-8"?>
+<c:chartSpace xmlns:c="http://schemas.openxmlformats.org/drawingml/2006/chart" xmlns:a="http://schemas.openxmlformats.org/drawingml/2006/main" xmlns:r="http://schemas.openxmlformats.org/officeDocument/2006/relationships">
+  <c:date1904 val="0"/>
+  <c:lang val="zh-TW"/>
+  <c:roundedCorners val="0"/>
+  <mc:AlternateContent xmlns:mc="http://schemas.openxmlformats.org/markup-compatibility/2006">
+    <mc:Choice xmlns:c14="http://schemas.microsoft.com/office/drawing/2007/8/2/chart" Requires="c14">
+      <c14:style val="102"/>
+    </mc:Choice>
+    <mc:Fallback>
+      <c:style val="2"/>
+    </mc:Fallback>
+  </mc:AlternateContent>
+  <c:chart>
+    <c:title>
+      <c:tx>
+        <c:rich>
+          <a:bodyPr rot="0" spcFirstLastPara="1" vertOverflow="ellipsis" vert="horz" wrap="square" anchor="ctr" anchorCtr="1"/>
+          <a:lstStyle/>
+          <a:p>
+            <a:pPr>
+              <a:defRPr sz="1400" b="0" i="0" u="none" strike="noStrike" kern="1200" spc="0" baseline="0">
+                <a:solidFill>
+                  <a:schemeClr val="tx1">
+                    <a:lumMod val="65000"/>
+                    <a:lumOff val="35000"/>
+                  </a:schemeClr>
+                </a:solidFill>
+                <a:latin typeface="+mn-lt"/>
+                <a:ea typeface="+mn-ea"/>
+                <a:cs typeface="+mn-cs"/>
+              </a:defRPr>
+            </a:pPr>
+            <a:r>
+              <a:rPr lang="en-US" altLang="zh-CN"/>
+              <a:t>Ambiguous</a:t>
+            </a:r>
+            <a:endParaRPr lang="zh-TW" altLang="en-US"/>
+          </a:p>
+        </c:rich>
+      </c:tx>
+      <c:layout/>
+      <c:overlay val="0"/>
+      <c:spPr>
+        <a:noFill/>
+        <a:ln>
+          <a:noFill/>
+        </a:ln>
+        <a:effectLst/>
+      </c:spPr>
+      <c:txPr>
+        <a:bodyPr rot="0" spcFirstLastPara="1" vertOverflow="ellipsis" vert="horz" wrap="square" anchor="ctr" anchorCtr="1"/>
+        <a:lstStyle/>
+        <a:p>
+          <a:pPr>
+            <a:defRPr sz="1400" b="0" i="0" u="none" strike="noStrike" kern="1200" spc="0" baseline="0">
+              <a:solidFill>
+                <a:schemeClr val="tx1">
+                  <a:lumMod val="65000"/>
+                  <a:lumOff val="35000"/>
+                </a:schemeClr>
+              </a:solidFill>
+              <a:latin typeface="+mn-lt"/>
+              <a:ea typeface="+mn-ea"/>
+              <a:cs typeface="+mn-cs"/>
+            </a:defRPr>
+          </a:pPr>
+          <a:endParaRPr lang="zh-TW"/>
+        </a:p>
+      </c:txPr>
+    </c:title>
+    <c:autoTitleDeleted val="0"/>
+    <c:plotArea>
+      <c:layout/>
+      <c:barChart>
+        <c:barDir val="col"/>
+        <c:grouping val="clustered"/>
+        <c:varyColors val="0"/>
+        <c:ser>
+          <c:idx val="0"/>
+          <c:order val="0"/>
+          <c:spPr>
+            <a:solidFill>
+              <a:schemeClr val="accent1"/>
+            </a:solidFill>
+            <a:ln>
+              <a:noFill/>
+            </a:ln>
+            <a:effectLst/>
+          </c:spPr>
+          <c:invertIfNegative val="0"/>
+          <c:cat>
+            <c:strRef>
+              <c:f>question_type_dist!$D$2:$D$14</c:f>
+              <c:strCache>
+                <c:ptCount val="13"/>
+                <c:pt idx="0">
+                  <c:v>其它</c:v>
+                </c:pt>
+                <c:pt idx="1">
+                  <c:v>完成式</c:v>
+                </c:pt>
+                <c:pt idx="2">
+                  <c:v>进行式</c:v>
+                </c:pt>
+                <c:pt idx="3">
+                  <c:v>过去式</c:v>
+                </c:pt>
+                <c:pt idx="4">
+                  <c:v>未来式</c:v>
+                </c:pt>
+                <c:pt idx="5">
+                  <c:v>关系代名词</c:v>
+                </c:pt>
+                <c:pt idx="6">
+                  <c:v>不定词</c:v>
+                </c:pt>
+                <c:pt idx="7">
+                  <c:v>名词字句</c:v>
+                </c:pt>
+                <c:pt idx="8">
+                  <c:v>被动</c:v>
+                </c:pt>
+                <c:pt idx="9">
+                  <c:v>介系词</c:v>
+                </c:pt>
+                <c:pt idx="10">
+                  <c:v>连接词</c:v>
+                </c:pt>
+                <c:pt idx="11">
+                  <c:v>假设语气</c:v>
+                </c:pt>
+                <c:pt idx="12">
+                  <c:v>分词</c:v>
+                </c:pt>
+              </c:strCache>
+            </c:strRef>
+          </c:cat>
+          <c:val>
+            <c:numRef>
+              <c:f>question_type_dist!$E$2:$E$14</c:f>
+              <c:numCache>
+                <c:formatCode>General</c:formatCode>
+                <c:ptCount val="13"/>
+                <c:pt idx="0">
+                  <c:v>0.0</c:v>
+                </c:pt>
+                <c:pt idx="1">
+                  <c:v>410.0</c:v>
+                </c:pt>
+                <c:pt idx="2">
+                  <c:v>309.0</c:v>
+                </c:pt>
+                <c:pt idx="3">
+                  <c:v>156.0</c:v>
+                </c:pt>
+                <c:pt idx="4">
+                  <c:v>0.0</c:v>
+                </c:pt>
+                <c:pt idx="5">
+                  <c:v>491.0</c:v>
+                </c:pt>
+                <c:pt idx="6">
+                  <c:v>115.0</c:v>
+                </c:pt>
+                <c:pt idx="7">
+                  <c:v>36.0</c:v>
+                </c:pt>
+                <c:pt idx="8">
+                  <c:v>306.0</c:v>
+                </c:pt>
+                <c:pt idx="9">
+                  <c:v>91.0</c:v>
+                </c:pt>
+                <c:pt idx="10">
+                  <c:v>20.0</c:v>
+                </c:pt>
+                <c:pt idx="11">
+                  <c:v>15.0</c:v>
+                </c:pt>
+                <c:pt idx="12">
+                  <c:v>0.0</c:v>
+                </c:pt>
+              </c:numCache>
+            </c:numRef>
+          </c:val>
+        </c:ser>
+        <c:dLbls>
+          <c:showLegendKey val="0"/>
+          <c:showVal val="0"/>
+          <c:showCatName val="0"/>
+          <c:showSerName val="0"/>
+          <c:showPercent val="0"/>
+          <c:showBubbleSize val="0"/>
+        </c:dLbls>
+        <c:gapWidth val="219"/>
+        <c:overlap val="-27"/>
+        <c:axId val="-2143840112"/>
+        <c:axId val="1793864592"/>
+      </c:barChart>
+      <c:catAx>
+        <c:axId val="-2143840112"/>
+        <c:scaling>
+          <c:orientation val="minMax"/>
+        </c:scaling>
+        <c:delete val="0"/>
+        <c:axPos val="b"/>
+        <c:numFmt formatCode="General" sourceLinked="1"/>
+        <c:majorTickMark val="none"/>
+        <c:minorTickMark val="none"/>
+        <c:tickLblPos val="nextTo"/>
+        <c:spPr>
+          <a:noFill/>
+          <a:ln w="9525" cap="flat" cmpd="sng" algn="ctr">
+            <a:solidFill>
+              <a:schemeClr val="tx1">
+                <a:lumMod val="15000"/>
+                <a:lumOff val="85000"/>
+              </a:schemeClr>
+            </a:solidFill>
+            <a:round/>
+          </a:ln>
+          <a:effectLst/>
+        </c:spPr>
+        <c:txPr>
+          <a:bodyPr rot="-60000000" spcFirstLastPara="1" vertOverflow="ellipsis" vert="horz" wrap="square" anchor="ctr" anchorCtr="1"/>
+          <a:lstStyle/>
+          <a:p>
+            <a:pPr>
+              <a:defRPr sz="900" b="0" i="0" u="none" strike="noStrike" kern="1200" baseline="0">
+                <a:solidFill>
+                  <a:schemeClr val="tx1">
+                    <a:lumMod val="65000"/>
+                    <a:lumOff val="35000"/>
+                  </a:schemeClr>
+                </a:solidFill>
+                <a:latin typeface="+mn-lt"/>
+                <a:ea typeface="+mn-ea"/>
+                <a:cs typeface="+mn-cs"/>
+              </a:defRPr>
+            </a:pPr>
+            <a:endParaRPr lang="zh-TW"/>
+          </a:p>
+        </c:txPr>
+        <c:crossAx val="1793864592"/>
+        <c:crosses val="autoZero"/>
+        <c:auto val="1"/>
+        <c:lblAlgn val="ctr"/>
+        <c:lblOffset val="100"/>
+        <c:noMultiLvlLbl val="0"/>
+      </c:catAx>
+      <c:valAx>
+        <c:axId val="1793864592"/>
+        <c:scaling>
+          <c:orientation val="minMax"/>
+        </c:scaling>
+        <c:delete val="0"/>
+        <c:axPos val="l"/>
+        <c:majorGridlines>
+          <c:spPr>
+            <a:ln w="9525" cap="flat" cmpd="sng" algn="ctr">
+              <a:solidFill>
+                <a:schemeClr val="tx1">
+                  <a:lumMod val="15000"/>
+                  <a:lumOff val="85000"/>
+                </a:schemeClr>
+              </a:solidFill>
+              <a:round/>
+            </a:ln>
+            <a:effectLst/>
+          </c:spPr>
+        </c:majorGridlines>
+        <c:numFmt formatCode="General" sourceLinked="1"/>
+        <c:majorTickMark val="none"/>
+        <c:minorTickMark val="none"/>
+        <c:tickLblPos val="nextTo"/>
+        <c:spPr>
+          <a:noFill/>
+          <a:ln>
+            <a:noFill/>
+          </a:ln>
+          <a:effectLst/>
+        </c:spPr>
+        <c:txPr>
+          <a:bodyPr rot="-60000000" spcFirstLastPara="1" vertOverflow="ellipsis" vert="horz" wrap="square" anchor="ctr" anchorCtr="1"/>
+          <a:lstStyle/>
+          <a:p>
+            <a:pPr>
+              <a:defRPr sz="900" b="0" i="0" u="none" strike="noStrike" kern="1200" baseline="0">
+                <a:solidFill>
+                  <a:schemeClr val="tx1">
+                    <a:lumMod val="65000"/>
+                    <a:lumOff val="35000"/>
+                  </a:schemeClr>
+                </a:solidFill>
+                <a:latin typeface="+mn-lt"/>
+                <a:ea typeface="+mn-ea"/>
+                <a:cs typeface="+mn-cs"/>
+              </a:defRPr>
+            </a:pPr>
+            <a:endParaRPr lang="zh-TW"/>
+          </a:p>
+        </c:txPr>
+        <c:crossAx val="-2143840112"/>
+        <c:crosses val="autoZero"/>
+        <c:crossBetween val="between"/>
+      </c:valAx>
+      <c:spPr>
+        <a:noFill/>
+        <a:ln>
+          <a:noFill/>
+        </a:ln>
+        <a:effectLst/>
+      </c:spPr>
+    </c:plotArea>
+    <c:plotVisOnly val="1"/>
+    <c:dispBlanksAs val="gap"/>
+    <c:showDLblsOverMax val="0"/>
+  </c:chart>
+  <c:spPr>
+    <a:noFill/>
+    <a:ln>
+      <a:noFill/>
+    </a:ln>
+    <a:effectLst/>
+  </c:spPr>
+  <c:txPr>
+    <a:bodyPr/>
+    <a:lstStyle/>
+    <a:p>
+      <a:pPr>
+        <a:defRPr/>
+      </a:pPr>
+      <a:endParaRPr lang="zh-TW"/>
+    </a:p>
+  </c:txPr>
+  <c:externalData r:id="rId3">
+    <c:autoUpdate val="0"/>
+  </c:externalData>
+</c:chartSpace>
+</file>
+
+<file path=ppt/charts/chart3.xml><?xml version="1.0" encoding="utf-8"?>
 <c:chartSpace xmlns:c="http://schemas.openxmlformats.org/drawingml/2006/chart" xmlns:a="http://schemas.openxmlformats.org/drawingml/2006/main" xmlns:r="http://schemas.openxmlformats.org/officeDocument/2006/relationships">
   <c:date1904 val="0"/>
   <c:lang val="zh-TW"/>
@@ -453,11 +1138,11 @@
         </c:dLbls>
         <c:gapWidth val="219"/>
         <c:overlap val="-27"/>
-        <c:axId val="1801590176"/>
-        <c:axId val="1798671664"/>
+        <c:axId val="1801809040"/>
+        <c:axId val="1801721984"/>
       </c:barChart>
       <c:catAx>
-        <c:axId val="1801590176"/>
+        <c:axId val="1801809040"/>
         <c:scaling>
           <c:orientation val="minMax"/>
         </c:scaling>
@@ -500,7 +1185,7 @@
             <a:endParaRPr lang="zh-TW"/>
           </a:p>
         </c:txPr>
-        <c:crossAx val="1798671664"/>
+        <c:crossAx val="1801721984"/>
         <c:crosses val="autoZero"/>
         <c:auto val="1"/>
         <c:lblAlgn val="ctr"/>
@@ -508,7 +1193,7 @@
         <c:noMultiLvlLbl val="0"/>
       </c:catAx>
       <c:valAx>
-        <c:axId val="1798671664"/>
+        <c:axId val="1801721984"/>
         <c:scaling>
           <c:orientation val="minMax"/>
           <c:max val="1.0"/>
@@ -560,7 +1245,7 @@
             <a:endParaRPr lang="zh-TW"/>
           </a:p>
         </c:txPr>
-        <c:crossAx val="1801590176"/>
+        <c:crossAx val="1801809040"/>
         <c:crosses val="autoZero"/>
         <c:crossBetween val="between"/>
       </c:valAx>
@@ -640,7 +1325,7 @@
 </c:chartSpace>
 </file>
 
-<file path=ppt/charts/chart2.xml><?xml version="1.0" encoding="utf-8"?>
+<file path=ppt/charts/chart4.xml><?xml version="1.0" encoding="utf-8"?>
 <c:chartSpace xmlns:c="http://schemas.openxmlformats.org/drawingml/2006/chart" xmlns:a="http://schemas.openxmlformats.org/drawingml/2006/main" xmlns:r="http://schemas.openxmlformats.org/officeDocument/2006/relationships">
   <c:date1904 val="0"/>
   <c:lang val="zh-TW"/>
@@ -978,11 +1663,11 @@
         </c:dLbls>
         <c:gapWidth val="219"/>
         <c:overlap val="-27"/>
-        <c:axId val="1792141904"/>
-        <c:axId val="-2146292272"/>
+        <c:axId val="-2125523584"/>
+        <c:axId val="-2125633664"/>
       </c:barChart>
       <c:catAx>
-        <c:axId val="1792141904"/>
+        <c:axId val="-2125523584"/>
         <c:scaling>
           <c:orientation val="minMax"/>
         </c:scaling>
@@ -1025,7 +1710,7 @@
             <a:endParaRPr lang="zh-TW"/>
           </a:p>
         </c:txPr>
-        <c:crossAx val="-2146292272"/>
+        <c:crossAx val="-2125633664"/>
         <c:crosses val="autoZero"/>
         <c:auto val="1"/>
         <c:lblAlgn val="ctr"/>
@@ -1033,7 +1718,7 @@
         <c:noMultiLvlLbl val="0"/>
       </c:catAx>
       <c:valAx>
-        <c:axId val="-2146292272"/>
+        <c:axId val="-2125633664"/>
         <c:scaling>
           <c:orientation val="minMax"/>
           <c:max val="1.0"/>
@@ -1085,7 +1770,7 @@
             <a:endParaRPr lang="zh-TW"/>
           </a:p>
         </c:txPr>
-        <c:crossAx val="1792141904"/>
+        <c:crossAx val="-2125523584"/>
         <c:crosses val="autoZero"/>
         <c:crossBetween val="between"/>
       </c:valAx>
@@ -1165,7 +1850,7 @@
 </c:chartSpace>
 </file>
 
-<file path=ppt/charts/chart3.xml><?xml version="1.0" encoding="utf-8"?>
+<file path=ppt/charts/chart5.xml><?xml version="1.0" encoding="utf-8"?>
 <c:chartSpace xmlns:c="http://schemas.openxmlformats.org/drawingml/2006/chart" xmlns:a="http://schemas.openxmlformats.org/drawingml/2006/main" xmlns:r="http://schemas.openxmlformats.org/officeDocument/2006/relationships">
   <c:date1904 val="0"/>
   <c:lang val="zh-TW"/>
@@ -1503,11 +2188,11 @@
         </c:dLbls>
         <c:gapWidth val="219"/>
         <c:overlap val="-27"/>
-        <c:axId val="1794891424"/>
-        <c:axId val="-2069271984"/>
+        <c:axId val="-2125738656"/>
+        <c:axId val="-2126331472"/>
       </c:barChart>
       <c:catAx>
-        <c:axId val="1794891424"/>
+        <c:axId val="-2125738656"/>
         <c:scaling>
           <c:orientation val="minMax"/>
         </c:scaling>
@@ -1550,7 +2235,7 @@
             <a:endParaRPr lang="zh-TW"/>
           </a:p>
         </c:txPr>
-        <c:crossAx val="-2069271984"/>
+        <c:crossAx val="-2126331472"/>
         <c:crosses val="autoZero"/>
         <c:auto val="1"/>
         <c:lblAlgn val="ctr"/>
@@ -1558,7 +2243,7 @@
         <c:noMultiLvlLbl val="0"/>
       </c:catAx>
       <c:valAx>
-        <c:axId val="-2069271984"/>
+        <c:axId val="-2126331472"/>
         <c:scaling>
           <c:orientation val="minMax"/>
           <c:max val="1.0"/>
@@ -1610,7 +2295,7 @@
             <a:endParaRPr lang="zh-TW"/>
           </a:p>
         </c:txPr>
-        <c:crossAx val="1794891424"/>
+        <c:crossAx val="-2125738656"/>
         <c:crosses val="autoZero"/>
         <c:crossBetween val="between"/>
       </c:valAx>
@@ -1690,11 +2375,539 @@
 </c:chartSpace>
 </file>
 
+<file path=ppt/charts/chart6.xml><?xml version="1.0" encoding="utf-8"?>
+<c:chartSpace xmlns:c="http://schemas.openxmlformats.org/drawingml/2006/chart" xmlns:a="http://schemas.openxmlformats.org/drawingml/2006/main" xmlns:r="http://schemas.openxmlformats.org/officeDocument/2006/relationships">
+  <c:date1904 val="0"/>
+  <c:lang val="zh-TW"/>
+  <c:roundedCorners val="0"/>
+  <mc:AlternateContent xmlns:mc="http://schemas.openxmlformats.org/markup-compatibility/2006">
+    <mc:Choice xmlns:c14="http://schemas.microsoft.com/office/drawing/2007/8/2/chart" Requires="c14">
+      <c14:style val="102"/>
+    </mc:Choice>
+    <mc:Fallback>
+      <c:style val="2"/>
+    </mc:Fallback>
+  </mc:AlternateContent>
+  <c:chart>
+    <c:title>
+      <c:tx>
+        <c:rich>
+          <a:bodyPr rot="0" spcFirstLastPara="1" vertOverflow="ellipsis" vert="horz" wrap="square" anchor="ctr" anchorCtr="1"/>
+          <a:lstStyle/>
+          <a:p>
+            <a:pPr>
+              <a:defRPr sz="1400" b="0" i="0" u="none" strike="noStrike" kern="1200" spc="0" baseline="0">
+                <a:solidFill>
+                  <a:schemeClr val="tx1">
+                    <a:lumMod val="65000"/>
+                    <a:lumOff val="35000"/>
+                  </a:schemeClr>
+                </a:solidFill>
+                <a:latin typeface="+mn-lt"/>
+                <a:ea typeface="+mn-ea"/>
+                <a:cs typeface="+mn-cs"/>
+              </a:defRPr>
+            </a:pPr>
+            <a:r>
+              <a:rPr lang="en-US" altLang="zh-CN"/>
+              <a:t>LR</a:t>
+            </a:r>
+            <a:endParaRPr lang="zh-TW" altLang="en-US"/>
+          </a:p>
+        </c:rich>
+      </c:tx>
+      <c:layout/>
+      <c:overlay val="0"/>
+      <c:spPr>
+        <a:noFill/>
+        <a:ln>
+          <a:noFill/>
+        </a:ln>
+        <a:effectLst/>
+      </c:spPr>
+      <c:txPr>
+        <a:bodyPr rot="0" spcFirstLastPara="1" vertOverflow="ellipsis" vert="horz" wrap="square" anchor="ctr" anchorCtr="1"/>
+        <a:lstStyle/>
+        <a:p>
+          <a:pPr>
+            <a:defRPr sz="1400" b="0" i="0" u="none" strike="noStrike" kern="1200" spc="0" baseline="0">
+              <a:solidFill>
+                <a:schemeClr val="tx1">
+                  <a:lumMod val="65000"/>
+                  <a:lumOff val="35000"/>
+                </a:schemeClr>
+              </a:solidFill>
+              <a:latin typeface="+mn-lt"/>
+              <a:ea typeface="+mn-ea"/>
+              <a:cs typeface="+mn-cs"/>
+            </a:defRPr>
+          </a:pPr>
+          <a:endParaRPr lang="zh-TW"/>
+        </a:p>
+      </c:txPr>
+    </c:title>
+    <c:autoTitleDeleted val="0"/>
+    <c:plotArea>
+      <c:layout>
+        <c:manualLayout>
+          <c:layoutTarget val="inner"/>
+          <c:xMode val="edge"/>
+          <c:yMode val="edge"/>
+          <c:x val="0.0742753718285214"/>
+          <c:y val="0.190231481481481"/>
+          <c:w val="0.889613517060367"/>
+          <c:h val="0.601260489781524"/>
+        </c:manualLayout>
+      </c:layout>
+      <c:barChart>
+        <c:barDir val="col"/>
+        <c:grouping val="clustered"/>
+        <c:varyColors val="0"/>
+        <c:ser>
+          <c:idx val="0"/>
+          <c:order val="0"/>
+          <c:tx>
+            <c:strRef>
+              <c:f>Sheet1!$T$3</c:f>
+              <c:strCache>
+                <c:ptCount val="1"/>
+                <c:pt idx="0">
+                  <c:v>precision</c:v>
+                </c:pt>
+              </c:strCache>
+            </c:strRef>
+          </c:tx>
+          <c:spPr>
+            <a:solidFill>
+              <a:schemeClr val="accent6"/>
+            </a:solidFill>
+            <a:ln>
+              <a:noFill/>
+            </a:ln>
+            <a:effectLst/>
+          </c:spPr>
+          <c:invertIfNegative val="0"/>
+          <c:cat>
+            <c:strRef>
+              <c:f>Sheet1!$S$4:$S$16</c:f>
+              <c:strCache>
+                <c:ptCount val="13"/>
+                <c:pt idx="0">
+                  <c:v>其它</c:v>
+                </c:pt>
+                <c:pt idx="1">
+                  <c:v>完成式</c:v>
+                </c:pt>
+                <c:pt idx="2">
+                  <c:v>進行式</c:v>
+                </c:pt>
+                <c:pt idx="3">
+                  <c:v>過去式</c:v>
+                </c:pt>
+                <c:pt idx="4">
+                  <c:v>未來式</c:v>
+                </c:pt>
+                <c:pt idx="5">
+                  <c:v>關係代名詞</c:v>
+                </c:pt>
+                <c:pt idx="6">
+                  <c:v>不定詞</c:v>
+                </c:pt>
+                <c:pt idx="7">
+                  <c:v>名詞子句</c:v>
+                </c:pt>
+                <c:pt idx="8">
+                  <c:v>被動</c:v>
+                </c:pt>
+                <c:pt idx="9">
+                  <c:v>介係詞</c:v>
+                </c:pt>
+                <c:pt idx="10">
+                  <c:v>連接詞</c:v>
+                </c:pt>
+                <c:pt idx="11">
+                  <c:v>假設語氣</c:v>
+                </c:pt>
+                <c:pt idx="12">
+                  <c:v>分詞</c:v>
+                </c:pt>
+              </c:strCache>
+            </c:strRef>
+          </c:cat>
+          <c:val>
+            <c:numRef>
+              <c:f>Sheet1!$T$4:$T$16</c:f>
+              <c:numCache>
+                <c:formatCode>General</c:formatCode>
+                <c:ptCount val="13"/>
+                <c:pt idx="0">
+                  <c:v>0.0</c:v>
+                </c:pt>
+                <c:pt idx="1">
+                  <c:v>1.0</c:v>
+                </c:pt>
+                <c:pt idx="2">
+                  <c:v>0.97</c:v>
+                </c:pt>
+                <c:pt idx="3">
+                  <c:v>0.91</c:v>
+                </c:pt>
+                <c:pt idx="4">
+                  <c:v>0.8</c:v>
+                </c:pt>
+                <c:pt idx="5">
+                  <c:v>0.91</c:v>
+                </c:pt>
+                <c:pt idx="6">
+                  <c:v>1.0</c:v>
+                </c:pt>
+                <c:pt idx="7">
+                  <c:v>0.92</c:v>
+                </c:pt>
+                <c:pt idx="8">
+                  <c:v>0.98</c:v>
+                </c:pt>
+                <c:pt idx="9">
+                  <c:v>0.89</c:v>
+                </c:pt>
+                <c:pt idx="10">
+                  <c:v>0.91</c:v>
+                </c:pt>
+                <c:pt idx="11">
+                  <c:v>1.0</c:v>
+                </c:pt>
+                <c:pt idx="12">
+                  <c:v>0.93</c:v>
+                </c:pt>
+              </c:numCache>
+            </c:numRef>
+          </c:val>
+        </c:ser>
+        <c:ser>
+          <c:idx val="1"/>
+          <c:order val="1"/>
+          <c:tx>
+            <c:strRef>
+              <c:f>Sheet1!$U$3</c:f>
+              <c:strCache>
+                <c:ptCount val="1"/>
+                <c:pt idx="0">
+                  <c:v>recall</c:v>
+                </c:pt>
+              </c:strCache>
+            </c:strRef>
+          </c:tx>
+          <c:spPr>
+            <a:solidFill>
+              <a:schemeClr val="accent5"/>
+            </a:solidFill>
+            <a:ln>
+              <a:noFill/>
+            </a:ln>
+            <a:effectLst/>
+          </c:spPr>
+          <c:invertIfNegative val="0"/>
+          <c:cat>
+            <c:strRef>
+              <c:f>Sheet1!$S$4:$S$16</c:f>
+              <c:strCache>
+                <c:ptCount val="13"/>
+                <c:pt idx="0">
+                  <c:v>其它</c:v>
+                </c:pt>
+                <c:pt idx="1">
+                  <c:v>完成式</c:v>
+                </c:pt>
+                <c:pt idx="2">
+                  <c:v>進行式</c:v>
+                </c:pt>
+                <c:pt idx="3">
+                  <c:v>過去式</c:v>
+                </c:pt>
+                <c:pt idx="4">
+                  <c:v>未來式</c:v>
+                </c:pt>
+                <c:pt idx="5">
+                  <c:v>關係代名詞</c:v>
+                </c:pt>
+                <c:pt idx="6">
+                  <c:v>不定詞</c:v>
+                </c:pt>
+                <c:pt idx="7">
+                  <c:v>名詞子句</c:v>
+                </c:pt>
+                <c:pt idx="8">
+                  <c:v>被動</c:v>
+                </c:pt>
+                <c:pt idx="9">
+                  <c:v>介係詞</c:v>
+                </c:pt>
+                <c:pt idx="10">
+                  <c:v>連接詞</c:v>
+                </c:pt>
+                <c:pt idx="11">
+                  <c:v>假設語氣</c:v>
+                </c:pt>
+                <c:pt idx="12">
+                  <c:v>分詞</c:v>
+                </c:pt>
+              </c:strCache>
+            </c:strRef>
+          </c:cat>
+          <c:val>
+            <c:numRef>
+              <c:f>Sheet1!$U$4:$U$16</c:f>
+              <c:numCache>
+                <c:formatCode>General</c:formatCode>
+                <c:ptCount val="13"/>
+                <c:pt idx="0">
+                  <c:v>0.0</c:v>
+                </c:pt>
+                <c:pt idx="1">
+                  <c:v>0.9</c:v>
+                </c:pt>
+                <c:pt idx="2">
+                  <c:v>0.95</c:v>
+                </c:pt>
+                <c:pt idx="3">
+                  <c:v>0.9</c:v>
+                </c:pt>
+                <c:pt idx="4">
+                  <c:v>0.57</c:v>
+                </c:pt>
+                <c:pt idx="5">
+                  <c:v>0.9</c:v>
+                </c:pt>
+                <c:pt idx="6">
+                  <c:v>0.8</c:v>
+                </c:pt>
+                <c:pt idx="7">
+                  <c:v>0.67</c:v>
+                </c:pt>
+                <c:pt idx="8">
+                  <c:v>0.88</c:v>
+                </c:pt>
+                <c:pt idx="9">
+                  <c:v>0.96</c:v>
+                </c:pt>
+                <c:pt idx="10">
+                  <c:v>0.97</c:v>
+                </c:pt>
+                <c:pt idx="11">
+                  <c:v>0.75</c:v>
+                </c:pt>
+                <c:pt idx="12">
+                  <c:v>0.95</c:v>
+                </c:pt>
+              </c:numCache>
+            </c:numRef>
+          </c:val>
+        </c:ser>
+        <c:dLbls>
+          <c:showLegendKey val="0"/>
+          <c:showVal val="0"/>
+          <c:showCatName val="0"/>
+          <c:showSerName val="0"/>
+          <c:showPercent val="0"/>
+          <c:showBubbleSize val="0"/>
+        </c:dLbls>
+        <c:gapWidth val="219"/>
+        <c:overlap val="-27"/>
+        <c:axId val="1801372400"/>
+        <c:axId val="1792266048"/>
+      </c:barChart>
+      <c:catAx>
+        <c:axId val="1801372400"/>
+        <c:scaling>
+          <c:orientation val="minMax"/>
+        </c:scaling>
+        <c:delete val="0"/>
+        <c:axPos val="b"/>
+        <c:numFmt formatCode="General" sourceLinked="1"/>
+        <c:majorTickMark val="none"/>
+        <c:minorTickMark val="none"/>
+        <c:tickLblPos val="nextTo"/>
+        <c:spPr>
+          <a:noFill/>
+          <a:ln w="9525" cap="flat" cmpd="sng" algn="ctr">
+            <a:solidFill>
+              <a:schemeClr val="tx1">
+                <a:lumMod val="15000"/>
+                <a:lumOff val="85000"/>
+              </a:schemeClr>
+            </a:solidFill>
+            <a:round/>
+          </a:ln>
+          <a:effectLst/>
+        </c:spPr>
+        <c:txPr>
+          <a:bodyPr rot="-60000000" spcFirstLastPara="1" vertOverflow="ellipsis" vert="horz" wrap="square" anchor="ctr" anchorCtr="1"/>
+          <a:lstStyle/>
+          <a:p>
+            <a:pPr>
+              <a:defRPr sz="900" b="0" i="0" u="none" strike="noStrike" kern="1200" baseline="0">
+                <a:solidFill>
+                  <a:schemeClr val="tx1">
+                    <a:lumMod val="65000"/>
+                    <a:lumOff val="35000"/>
+                  </a:schemeClr>
+                </a:solidFill>
+                <a:latin typeface="+mn-lt"/>
+                <a:ea typeface="+mn-ea"/>
+                <a:cs typeface="+mn-cs"/>
+              </a:defRPr>
+            </a:pPr>
+            <a:endParaRPr lang="zh-TW"/>
+          </a:p>
+        </c:txPr>
+        <c:crossAx val="1792266048"/>
+        <c:crosses val="autoZero"/>
+        <c:auto val="1"/>
+        <c:lblAlgn val="ctr"/>
+        <c:lblOffset val="100"/>
+        <c:noMultiLvlLbl val="0"/>
+      </c:catAx>
+      <c:valAx>
+        <c:axId val="1792266048"/>
+        <c:scaling>
+          <c:orientation val="minMax"/>
+          <c:max val="1.0"/>
+        </c:scaling>
+        <c:delete val="0"/>
+        <c:axPos val="l"/>
+        <c:majorGridlines>
+          <c:spPr>
+            <a:ln w="9525" cap="flat" cmpd="sng" algn="ctr">
+              <a:solidFill>
+                <a:schemeClr val="tx1">
+                  <a:lumMod val="15000"/>
+                  <a:lumOff val="85000"/>
+                </a:schemeClr>
+              </a:solidFill>
+              <a:round/>
+            </a:ln>
+            <a:effectLst/>
+          </c:spPr>
+        </c:majorGridlines>
+        <c:numFmt formatCode="General" sourceLinked="1"/>
+        <c:majorTickMark val="none"/>
+        <c:minorTickMark val="none"/>
+        <c:tickLblPos val="nextTo"/>
+        <c:spPr>
+          <a:noFill/>
+          <a:ln>
+            <a:noFill/>
+          </a:ln>
+          <a:effectLst/>
+        </c:spPr>
+        <c:txPr>
+          <a:bodyPr rot="-60000000" spcFirstLastPara="1" vertOverflow="ellipsis" vert="horz" wrap="square" anchor="ctr" anchorCtr="1"/>
+          <a:lstStyle/>
+          <a:p>
+            <a:pPr>
+              <a:defRPr sz="900" b="0" i="0" u="none" strike="noStrike" kern="1200" baseline="0">
+                <a:solidFill>
+                  <a:schemeClr val="tx1">
+                    <a:lumMod val="65000"/>
+                    <a:lumOff val="35000"/>
+                  </a:schemeClr>
+                </a:solidFill>
+                <a:latin typeface="+mn-lt"/>
+                <a:ea typeface="+mn-ea"/>
+                <a:cs typeface="+mn-cs"/>
+              </a:defRPr>
+            </a:pPr>
+            <a:endParaRPr lang="zh-TW"/>
+          </a:p>
+        </c:txPr>
+        <c:crossAx val="1801372400"/>
+        <c:crosses val="autoZero"/>
+        <c:crossBetween val="between"/>
+      </c:valAx>
+      <c:spPr>
+        <a:noFill/>
+        <a:ln>
+          <a:noFill/>
+        </a:ln>
+        <a:effectLst/>
+      </c:spPr>
+    </c:plotArea>
+    <c:legend>
+      <c:legendPos val="b"/>
+      <c:layout>
+        <c:manualLayout>
+          <c:xMode val="edge"/>
+          <c:yMode val="edge"/>
+          <c:x val="0.544172134733158"/>
+          <c:y val="0.0393354476523768"/>
+          <c:w val="0.322766841644794"/>
+          <c:h val="0.0875056950119044"/>
+        </c:manualLayout>
+      </c:layout>
+      <c:overlay val="0"/>
+      <c:spPr>
+        <a:noFill/>
+        <a:ln>
+          <a:noFill/>
+        </a:ln>
+        <a:effectLst/>
+      </c:spPr>
+      <c:txPr>
+        <a:bodyPr rot="0" spcFirstLastPara="1" vertOverflow="ellipsis" vert="horz" wrap="square" anchor="ctr" anchorCtr="1"/>
+        <a:lstStyle/>
+        <a:p>
+          <a:pPr>
+            <a:defRPr sz="1200" b="0" i="0" u="none" strike="noStrike" kern="1200" baseline="0">
+              <a:solidFill>
+                <a:schemeClr val="tx1">
+                  <a:lumMod val="65000"/>
+                  <a:lumOff val="35000"/>
+                </a:schemeClr>
+              </a:solidFill>
+              <a:latin typeface="+mn-lt"/>
+              <a:ea typeface="+mn-ea"/>
+              <a:cs typeface="+mn-cs"/>
+            </a:defRPr>
+          </a:pPr>
+          <a:endParaRPr lang="zh-TW"/>
+        </a:p>
+      </c:txPr>
+    </c:legend>
+    <c:plotVisOnly val="1"/>
+    <c:dispBlanksAs val="gap"/>
+    <c:showDLblsOverMax val="0"/>
+  </c:chart>
+  <c:spPr>
+    <a:noFill/>
+    <a:ln>
+      <a:noFill/>
+    </a:ln>
+    <a:effectLst/>
+  </c:spPr>
+  <c:txPr>
+    <a:bodyPr/>
+    <a:lstStyle/>
+    <a:p>
+      <a:pPr>
+        <a:defRPr/>
+      </a:pPr>
+      <a:endParaRPr lang="zh-TW"/>
+    </a:p>
+  </c:txPr>
+  <c:externalData r:id="rId3">
+    <c:autoUpdate val="0"/>
+  </c:externalData>
+</c:chartSpace>
+</file>
+
 <file path=ppt/charts/colors1.xml><?xml version="1.0" encoding="utf-8"?>
-<cs:colorStyle xmlns:cs="http://schemas.microsoft.com/office/drawing/2012/chartStyle" xmlns:a="http://schemas.openxmlformats.org/drawingml/2006/main" meth="cycle" id="13">
+<cs:colorStyle xmlns:cs="http://schemas.microsoft.com/office/drawing/2012/chartStyle" xmlns:a="http://schemas.openxmlformats.org/drawingml/2006/main" meth="cycle" id="10">
+  <a:schemeClr val="accent1"/>
+  <a:schemeClr val="accent2"/>
+  <a:schemeClr val="accent3"/>
+  <a:schemeClr val="accent4"/>
+  <a:schemeClr val="accent5"/>
   <a:schemeClr val="accent6"/>
-  <a:schemeClr val="accent5"/>
-  <a:schemeClr val="accent4"/>
   <cs:variation/>
   <cs:variation>
     <a:lumMod val="60000"/>
@@ -1728,10 +2941,13 @@
 </file>
 
 <file path=ppt/charts/colors2.xml><?xml version="1.0" encoding="utf-8"?>
-<cs:colorStyle xmlns:cs="http://schemas.microsoft.com/office/drawing/2012/chartStyle" xmlns:a="http://schemas.openxmlformats.org/drawingml/2006/main" meth="cycle" id="13">
+<cs:colorStyle xmlns:cs="http://schemas.microsoft.com/office/drawing/2012/chartStyle" xmlns:a="http://schemas.openxmlformats.org/drawingml/2006/main" meth="cycle" id="10">
+  <a:schemeClr val="accent1"/>
+  <a:schemeClr val="accent2"/>
+  <a:schemeClr val="accent3"/>
+  <a:schemeClr val="accent4"/>
+  <a:schemeClr val="accent5"/>
   <a:schemeClr val="accent6"/>
-  <a:schemeClr val="accent5"/>
-  <a:schemeClr val="accent4"/>
   <cs:variation/>
   <cs:variation>
     <a:lumMod val="60000"/>
@@ -1801,6 +3017,117 @@
 </cs:colorStyle>
 </file>
 
+<file path=ppt/charts/colors4.xml><?xml version="1.0" encoding="utf-8"?>
+<cs:colorStyle xmlns:cs="http://schemas.microsoft.com/office/drawing/2012/chartStyle" xmlns:a="http://schemas.openxmlformats.org/drawingml/2006/main" meth="cycle" id="13">
+  <a:schemeClr val="accent6"/>
+  <a:schemeClr val="accent5"/>
+  <a:schemeClr val="accent4"/>
+  <cs:variation/>
+  <cs:variation>
+    <a:lumMod val="60000"/>
+  </cs:variation>
+  <cs:variation>
+    <a:lumMod val="80000"/>
+    <a:lumOff val="20000"/>
+  </cs:variation>
+  <cs:variation>
+    <a:lumMod val="80000"/>
+  </cs:variation>
+  <cs:variation>
+    <a:lumMod val="60000"/>
+    <a:lumOff val="40000"/>
+  </cs:variation>
+  <cs:variation>
+    <a:lumMod val="50000"/>
+  </cs:variation>
+  <cs:variation>
+    <a:lumMod val="70000"/>
+    <a:lumOff val="30000"/>
+  </cs:variation>
+  <cs:variation>
+    <a:lumMod val="70000"/>
+  </cs:variation>
+  <cs:variation>
+    <a:lumMod val="50000"/>
+    <a:lumOff val="50000"/>
+  </cs:variation>
+</cs:colorStyle>
+</file>
+
+<file path=ppt/charts/colors5.xml><?xml version="1.0" encoding="utf-8"?>
+<cs:colorStyle xmlns:cs="http://schemas.microsoft.com/office/drawing/2012/chartStyle" xmlns:a="http://schemas.openxmlformats.org/drawingml/2006/main" meth="cycle" id="13">
+  <a:schemeClr val="accent6"/>
+  <a:schemeClr val="accent5"/>
+  <a:schemeClr val="accent4"/>
+  <cs:variation/>
+  <cs:variation>
+    <a:lumMod val="60000"/>
+  </cs:variation>
+  <cs:variation>
+    <a:lumMod val="80000"/>
+    <a:lumOff val="20000"/>
+  </cs:variation>
+  <cs:variation>
+    <a:lumMod val="80000"/>
+  </cs:variation>
+  <cs:variation>
+    <a:lumMod val="60000"/>
+    <a:lumOff val="40000"/>
+  </cs:variation>
+  <cs:variation>
+    <a:lumMod val="50000"/>
+  </cs:variation>
+  <cs:variation>
+    <a:lumMod val="70000"/>
+    <a:lumOff val="30000"/>
+  </cs:variation>
+  <cs:variation>
+    <a:lumMod val="70000"/>
+  </cs:variation>
+  <cs:variation>
+    <a:lumMod val="50000"/>
+    <a:lumOff val="50000"/>
+  </cs:variation>
+</cs:colorStyle>
+</file>
+
+<file path=ppt/charts/colors6.xml><?xml version="1.0" encoding="utf-8"?>
+<cs:colorStyle xmlns:cs="http://schemas.microsoft.com/office/drawing/2012/chartStyle" xmlns:a="http://schemas.openxmlformats.org/drawingml/2006/main" meth="cycle" id="13">
+  <a:schemeClr val="accent6"/>
+  <a:schemeClr val="accent5"/>
+  <a:schemeClr val="accent4"/>
+  <cs:variation/>
+  <cs:variation>
+    <a:lumMod val="60000"/>
+  </cs:variation>
+  <cs:variation>
+    <a:lumMod val="80000"/>
+    <a:lumOff val="20000"/>
+  </cs:variation>
+  <cs:variation>
+    <a:lumMod val="80000"/>
+  </cs:variation>
+  <cs:variation>
+    <a:lumMod val="60000"/>
+    <a:lumOff val="40000"/>
+  </cs:variation>
+  <cs:variation>
+    <a:lumMod val="50000"/>
+  </cs:variation>
+  <cs:variation>
+    <a:lumMod val="70000"/>
+    <a:lumOff val="30000"/>
+  </cs:variation>
+  <cs:variation>
+    <a:lumMod val="70000"/>
+  </cs:variation>
+  <cs:variation>
+    <a:lumMod val="50000"/>
+    <a:lumOff val="50000"/>
+  </cs:variation>
+</cs:colorStyle>
+</file>
+
 <file path=ppt/charts/style1.xml><?xml version="1.0" encoding="utf-8"?>
 <cs:chartStyle xmlns:cs="http://schemas.microsoft.com/office/drawing/2012/chartStyle" xmlns:a="http://schemas.openxmlformats.org/drawingml/2006/main" id="201">
   <cs:axisTitle>
@@ -2808,6 +4135,1515 @@
 </file>
 
 <file path=ppt/charts/style3.xml><?xml version="1.0" encoding="utf-8"?>
+<cs:chartStyle xmlns:cs="http://schemas.microsoft.com/office/drawing/2012/chartStyle" xmlns:a="http://schemas.openxmlformats.org/drawingml/2006/main" id="201">
+  <cs:axisTitle>
+    <cs:lnRef idx="0"/>
+    <cs:fillRef idx="0"/>
+    <cs:effectRef idx="0"/>
+    <cs:fontRef idx="minor">
+      <a:schemeClr val="tx1">
+        <a:lumMod val="65000"/>
+        <a:lumOff val="35000"/>
+      </a:schemeClr>
+    </cs:fontRef>
+    <cs:defRPr sz="1000" kern="1200"/>
+  </cs:axisTitle>
+  <cs:categoryAxis>
+    <cs:lnRef idx="0"/>
+    <cs:fillRef idx="0"/>
+    <cs:effectRef idx="0"/>
+    <cs:fontRef idx="minor">
+      <a:schemeClr val="tx1">
+        <a:lumMod val="65000"/>
+        <a:lumOff val="35000"/>
+      </a:schemeClr>
+    </cs:fontRef>
+    <cs:spPr>
+      <a:ln w="9525" cap="flat" cmpd="sng" algn="ctr">
+        <a:solidFill>
+          <a:schemeClr val="tx1">
+            <a:lumMod val="15000"/>
+            <a:lumOff val="85000"/>
+          </a:schemeClr>
+        </a:solidFill>
+        <a:round/>
+      </a:ln>
+    </cs:spPr>
+    <cs:defRPr sz="900" kern="1200"/>
+  </cs:categoryAxis>
+  <cs:chartArea mods="allowNoFillOverride allowNoLineOverride">
+    <cs:lnRef idx="0"/>
+    <cs:fillRef idx="0"/>
+    <cs:effectRef idx="0"/>
+    <cs:fontRef idx="minor">
+      <a:schemeClr val="tx1"/>
+    </cs:fontRef>
+    <cs:spPr>
+      <a:solidFill>
+        <a:schemeClr val="bg1"/>
+      </a:solidFill>
+      <a:ln w="9525" cap="flat" cmpd="sng" algn="ctr">
+        <a:solidFill>
+          <a:schemeClr val="tx1">
+            <a:lumMod val="15000"/>
+            <a:lumOff val="85000"/>
+          </a:schemeClr>
+        </a:solidFill>
+        <a:round/>
+      </a:ln>
+    </cs:spPr>
+    <cs:defRPr sz="1000" kern="1200"/>
+  </cs:chartArea>
+  <cs:dataLabel>
+    <cs:lnRef idx="0"/>
+    <cs:fillRef idx="0"/>
+    <cs:effectRef idx="0"/>
+    <cs:fontRef idx="minor">
+      <a:schemeClr val="tx1">
+        <a:lumMod val="75000"/>
+        <a:lumOff val="25000"/>
+      </a:schemeClr>
+    </cs:fontRef>
+    <cs:defRPr sz="900" kern="1200"/>
+  </cs:dataLabel>
+  <cs:dataLabelCallout>
+    <cs:lnRef idx="0"/>
+    <cs:fillRef idx="0"/>
+    <cs:effectRef idx="0"/>
+    <cs:fontRef idx="minor">
+      <a:schemeClr val="dk1">
+        <a:lumMod val="65000"/>
+        <a:lumOff val="35000"/>
+      </a:schemeClr>
+    </cs:fontRef>
+    <cs:spPr>
+      <a:solidFill>
+        <a:schemeClr val="lt1"/>
+      </a:solidFill>
+      <a:ln>
+        <a:solidFill>
+          <a:schemeClr val="dk1">
+            <a:lumMod val="25000"/>
+            <a:lumOff val="75000"/>
+          </a:schemeClr>
+        </a:solidFill>
+      </a:ln>
+    </cs:spPr>
+    <cs:defRPr sz="900" kern="1200"/>
+    <cs:bodyPr rot="0" spcFirstLastPara="1" vertOverflow="clip" horzOverflow="clip" vert="horz" wrap="square" lIns="36576" tIns="18288" rIns="36576" bIns="18288" anchor="ctr" anchorCtr="1">
+      <a:spAutoFit/>
+    </cs:bodyPr>
+  </cs:dataLabelCallout>
+  <cs:dataPoint>
+    <cs:lnRef idx="0"/>
+    <cs:fillRef idx="1">
+      <cs:styleClr val="auto"/>
+    </cs:fillRef>
+    <cs:effectRef idx="0"/>
+    <cs:fontRef idx="minor">
+      <a:schemeClr val="tx1"/>
+    </cs:fontRef>
+  </cs:dataPoint>
+  <cs:dataPoint3D>
+    <cs:lnRef idx="0"/>
+    <cs:fillRef idx="1">
+      <cs:styleClr val="auto"/>
+    </cs:fillRef>
+    <cs:effectRef idx="0"/>
+    <cs:fontRef idx="minor">
+      <a:schemeClr val="tx1"/>
+    </cs:fontRef>
+  </cs:dataPoint3D>
+  <cs:dataPointLine>
+    <cs:lnRef idx="0">
+      <cs:styleClr val="auto"/>
+    </cs:lnRef>
+    <cs:fillRef idx="1"/>
+    <cs:effectRef idx="0"/>
+    <cs:fontRef idx="minor">
+      <a:schemeClr val="tx1"/>
+    </cs:fontRef>
+    <cs:spPr>
+      <a:ln w="28575" cap="rnd">
+        <a:solidFill>
+          <a:schemeClr val="phClr"/>
+        </a:solidFill>
+        <a:round/>
+      </a:ln>
+    </cs:spPr>
+  </cs:dataPointLine>
+  <cs:dataPointMarker>
+    <cs:lnRef idx="0">
+      <cs:styleClr val="auto"/>
+    </cs:lnRef>
+    <cs:fillRef idx="1">
+      <cs:styleClr val="auto"/>
+    </cs:fillRef>
+    <cs:effectRef idx="0"/>
+    <cs:fontRef idx="minor">
+      <a:schemeClr val="tx1"/>
+    </cs:fontRef>
+    <cs:spPr>
+      <a:ln w="9525">
+        <a:solidFill>
+          <a:schemeClr val="phClr"/>
+        </a:solidFill>
+      </a:ln>
+    </cs:spPr>
+  </cs:dataPointMarker>
+  <cs:dataPointMarkerLayout symbol="circle" size="5"/>
+  <cs:dataPointWireframe>
+    <cs:lnRef idx="0">
+      <cs:styleClr val="auto"/>
+    </cs:lnRef>
+    <cs:fillRef idx="1"/>
+    <cs:effectRef idx="0"/>
+    <cs:fontRef idx="minor">
+      <a:schemeClr val="tx1"/>
+    </cs:fontRef>
+    <cs:spPr>
+      <a:ln w="9525" cap="rnd">
+        <a:solidFill>
+          <a:schemeClr val="phClr"/>
+        </a:solidFill>
+        <a:round/>
+      </a:ln>
+    </cs:spPr>
+  </cs:dataPointWireframe>
+  <cs:dataTable>
+    <cs:lnRef idx="0"/>
+    <cs:fillRef idx="0"/>
+    <cs:effectRef idx="0"/>
+    <cs:fontRef idx="minor">
+      <a:schemeClr val="tx1">
+        <a:lumMod val="65000"/>
+        <a:lumOff val="35000"/>
+      </a:schemeClr>
+    </cs:fontRef>
+    <cs:spPr>
+      <a:noFill/>
+      <a:ln w="9525" cap="flat" cmpd="sng" algn="ctr">
+        <a:solidFill>
+          <a:schemeClr val="tx1">
+            <a:lumMod val="15000"/>
+            <a:lumOff val="85000"/>
+          </a:schemeClr>
+        </a:solidFill>
+        <a:round/>
+      </a:ln>
+    </cs:spPr>
+    <cs:defRPr sz="900" kern="1200"/>
+  </cs:dataTable>
+  <cs:downBar>
+    <cs:lnRef idx="0"/>
+    <cs:fillRef idx="0"/>
+    <cs:effectRef idx="0"/>
+    <cs:fontRef idx="minor">
+      <a:schemeClr val="dk1"/>
+    </cs:fontRef>
+    <cs:spPr>
+      <a:solidFill>
+        <a:schemeClr val="dk1">
+          <a:lumMod val="65000"/>
+          <a:lumOff val="35000"/>
+        </a:schemeClr>
+      </a:solidFill>
+      <a:ln w="9525">
+        <a:solidFill>
+          <a:schemeClr val="tx1">
+            <a:lumMod val="65000"/>
+            <a:lumOff val="35000"/>
+          </a:schemeClr>
+        </a:solidFill>
+      </a:ln>
+    </cs:spPr>
+  </cs:downBar>
+  <cs:dropLine>
+    <cs:lnRef idx="0"/>
+    <cs:fillRef idx="0"/>
+    <cs:effectRef idx="0"/>
+    <cs:fontRef idx="minor">
+      <a:schemeClr val="tx1"/>
+    </cs:fontRef>
+    <cs:spPr>
+      <a:ln w="9525" cap="flat" cmpd="sng" algn="ctr">
+        <a:solidFill>
+          <a:schemeClr val="tx1">
+            <a:lumMod val="35000"/>
+            <a:lumOff val="65000"/>
+          </a:schemeClr>
+        </a:solidFill>
+        <a:round/>
+      </a:ln>
+    </cs:spPr>
+  </cs:dropLine>
+  <cs:errorBar>
+    <cs:lnRef idx="0"/>
+    <cs:fillRef idx="0"/>
+    <cs:effectRef idx="0"/>
+    <cs:fontRef idx="minor">
+      <a:schemeClr val="tx1"/>
+    </cs:fontRef>
+    <cs:spPr>
+      <a:ln w="9525" cap="flat" cmpd="sng" algn="ctr">
+        <a:solidFill>
+          <a:schemeClr val="tx1">
+            <a:lumMod val="65000"/>
+            <a:lumOff val="35000"/>
+          </a:schemeClr>
+        </a:solidFill>
+        <a:round/>
+      </a:ln>
+    </cs:spPr>
+  </cs:errorBar>
+  <cs:floor>
+    <cs:lnRef idx="0"/>
+    <cs:fillRef idx="0"/>
+    <cs:effectRef idx="0"/>
+    <cs:fontRef idx="minor">
+      <a:schemeClr val="tx1"/>
+    </cs:fontRef>
+    <cs:spPr>
+      <a:noFill/>
+      <a:ln>
+        <a:noFill/>
+      </a:ln>
+    </cs:spPr>
+  </cs:floor>
+  <cs:gridlineMajor>
+    <cs:lnRef idx="0"/>
+    <cs:fillRef idx="0"/>
+    <cs:effectRef idx="0"/>
+    <cs:fontRef idx="minor">
+      <a:schemeClr val="tx1"/>
+    </cs:fontRef>
+    <cs:spPr>
+      <a:ln w="9525" cap="flat" cmpd="sng" algn="ctr">
+        <a:solidFill>
+          <a:schemeClr val="tx1">
+            <a:lumMod val="15000"/>
+            <a:lumOff val="85000"/>
+          </a:schemeClr>
+        </a:solidFill>
+        <a:round/>
+      </a:ln>
+    </cs:spPr>
+  </cs:gridlineMajor>
+  <cs:gridlineMinor>
+    <cs:lnRef idx="0"/>
+    <cs:fillRef idx="0"/>
+    <cs:effectRef idx="0"/>
+    <cs:fontRef idx="minor">
+      <a:schemeClr val="tx1"/>
+    </cs:fontRef>
+    <cs:spPr>
+      <a:ln w="9525" cap="flat" cmpd="sng" algn="ctr">
+        <a:solidFill>
+          <a:schemeClr val="tx1">
+            <a:lumMod val="5000"/>
+            <a:lumOff val="95000"/>
+          </a:schemeClr>
+        </a:solidFill>
+        <a:round/>
+      </a:ln>
+    </cs:spPr>
+  </cs:gridlineMinor>
+  <cs:hiLoLine>
+    <cs:lnRef idx="0"/>
+    <cs:fillRef idx="0"/>
+    <cs:effectRef idx="0"/>
+    <cs:fontRef idx="minor">
+      <a:schemeClr val="tx1"/>
+    </cs:fontRef>
+    <cs:spPr>
+      <a:ln w="9525" cap="flat" cmpd="sng" algn="ctr">
+        <a:solidFill>
+          <a:schemeClr val="tx1">
+            <a:lumMod val="75000"/>
+            <a:lumOff val="25000"/>
+          </a:schemeClr>
+        </a:solidFill>
+        <a:round/>
+      </a:ln>
+    </cs:spPr>
+  </cs:hiLoLine>
+  <cs:leaderLine>
+    <cs:lnRef idx="0"/>
+    <cs:fillRef idx="0"/>
+    <cs:effectRef idx="0"/>
+    <cs:fontRef idx="minor">
+      <a:schemeClr val="tx1"/>
+    </cs:fontRef>
+    <cs:spPr>
+      <a:ln w="9525" cap="flat" cmpd="sng" algn="ctr">
+        <a:solidFill>
+          <a:schemeClr val="tx1">
+            <a:lumMod val="35000"/>
+            <a:lumOff val="65000"/>
+          </a:schemeClr>
+        </a:solidFill>
+        <a:round/>
+      </a:ln>
+    </cs:spPr>
+  </cs:leaderLine>
+  <cs:legend>
+    <cs:lnRef idx="0"/>
+    <cs:fillRef idx="0"/>
+    <cs:effectRef idx="0"/>
+    <cs:fontRef idx="minor">
+      <a:schemeClr val="tx1">
+        <a:lumMod val="65000"/>
+        <a:lumOff val="35000"/>
+      </a:schemeClr>
+    </cs:fontRef>
+    <cs:defRPr sz="900" kern="1200"/>
+  </cs:legend>
+  <cs:plotArea mods="allowNoFillOverride allowNoLineOverride">
+    <cs:lnRef idx="0"/>
+    <cs:fillRef idx="0"/>
+    <cs:effectRef idx="0"/>
+    <cs:fontRef idx="minor">
+      <a:schemeClr val="tx1"/>
+    </cs:fontRef>
+  </cs:plotArea>
+  <cs:plotArea3D mods="allowNoFillOverride allowNoLineOverride">
+    <cs:lnRef idx="0"/>
+    <cs:fillRef idx="0"/>
+    <cs:effectRef idx="0"/>
+    <cs:fontRef idx="minor">
+      <a:schemeClr val="tx1"/>
+    </cs:fontRef>
+  </cs:plotArea3D>
+  <cs:seriesAxis>
+    <cs:lnRef idx="0"/>
+    <cs:fillRef idx="0"/>
+    <cs:effectRef idx="0"/>
+    <cs:fontRef idx="minor">
+      <a:schemeClr val="tx1">
+        <a:lumMod val="65000"/>
+        <a:lumOff val="35000"/>
+      </a:schemeClr>
+    </cs:fontRef>
+    <cs:defRPr sz="900" kern="1200"/>
+  </cs:seriesAxis>
+  <cs:seriesLine>
+    <cs:lnRef idx="0"/>
+    <cs:fillRef idx="0"/>
+    <cs:effectRef idx="0"/>
+    <cs:fontRef idx="minor">
+      <a:schemeClr val="tx1"/>
+    </cs:fontRef>
+    <cs:spPr>
+      <a:ln w="9525" cap="flat" cmpd="sng" algn="ctr">
+        <a:solidFill>
+          <a:schemeClr val="tx1">
+            <a:lumMod val="35000"/>
+            <a:lumOff val="65000"/>
+          </a:schemeClr>
+        </a:solidFill>
+        <a:round/>
+      </a:ln>
+    </cs:spPr>
+  </cs:seriesLine>
+  <cs:title>
+    <cs:lnRef idx="0"/>
+    <cs:fillRef idx="0"/>
+    <cs:effectRef idx="0"/>
+    <cs:fontRef idx="minor">
+      <a:schemeClr val="tx1">
+        <a:lumMod val="65000"/>
+        <a:lumOff val="35000"/>
+      </a:schemeClr>
+    </cs:fontRef>
+    <cs:defRPr sz="1400" b="0" kern="1200" spc="0" baseline="0"/>
+  </cs:title>
+  <cs:trendline>
+    <cs:lnRef idx="0">
+      <cs:styleClr val="auto"/>
+    </cs:lnRef>
+    <cs:fillRef idx="0"/>
+    <cs:effectRef idx="0"/>
+    <cs:fontRef idx="minor">
+      <a:schemeClr val="tx1"/>
+    </cs:fontRef>
+    <cs:spPr>
+      <a:ln w="19050" cap="rnd">
+        <a:solidFill>
+          <a:schemeClr val="phClr"/>
+        </a:solidFill>
+        <a:prstDash val="sysDot"/>
+      </a:ln>
+    </cs:spPr>
+  </cs:trendline>
+  <cs:trendlineLabel>
+    <cs:lnRef idx="0"/>
+    <cs:fillRef idx="0"/>
+    <cs:effectRef idx="0"/>
+    <cs:fontRef idx="minor">
+      <a:schemeClr val="tx1">
+        <a:lumMod val="65000"/>
+        <a:lumOff val="35000"/>
+      </a:schemeClr>
+    </cs:fontRef>
+    <cs:defRPr sz="900" kern="1200"/>
+  </cs:trendlineLabel>
+  <cs:upBar>
+    <cs:lnRef idx="0"/>
+    <cs:fillRef idx="0"/>
+    <cs:effectRef idx="0"/>
+    <cs:fontRef idx="minor">
+      <a:schemeClr val="dk1"/>
+    </cs:fontRef>
+    <cs:spPr>
+      <a:solidFill>
+        <a:schemeClr val="lt1"/>
+      </a:solidFill>
+      <a:ln w="9525">
+        <a:solidFill>
+          <a:schemeClr val="tx1">
+            <a:lumMod val="15000"/>
+            <a:lumOff val="85000"/>
+          </a:schemeClr>
+        </a:solidFill>
+      </a:ln>
+    </cs:spPr>
+  </cs:upBar>
+  <cs:valueAxis>
+    <cs:lnRef idx="0"/>
+    <cs:fillRef idx="0"/>
+    <cs:effectRef idx="0"/>
+    <cs:fontRef idx="minor">
+      <a:schemeClr val="tx1">
+        <a:lumMod val="65000"/>
+        <a:lumOff val="35000"/>
+      </a:schemeClr>
+    </cs:fontRef>
+    <cs:defRPr sz="900" kern="1200"/>
+  </cs:valueAxis>
+  <cs:wall>
+    <cs:lnRef idx="0"/>
+    <cs:fillRef idx="0"/>
+    <cs:effectRef idx="0"/>
+    <cs:fontRef idx="minor">
+      <a:schemeClr val="tx1"/>
+    </cs:fontRef>
+    <cs:spPr>
+      <a:noFill/>
+      <a:ln>
+        <a:noFill/>
+      </a:ln>
+    </cs:spPr>
+  </cs:wall>
+</cs:chartStyle>
+</file>
+
+<file path=ppt/charts/style4.xml><?xml version="1.0" encoding="utf-8"?>
+<cs:chartStyle xmlns:cs="http://schemas.microsoft.com/office/drawing/2012/chartStyle" xmlns:a="http://schemas.openxmlformats.org/drawingml/2006/main" id="201">
+  <cs:axisTitle>
+    <cs:lnRef idx="0"/>
+    <cs:fillRef idx="0"/>
+    <cs:effectRef idx="0"/>
+    <cs:fontRef idx="minor">
+      <a:schemeClr val="tx1">
+        <a:lumMod val="65000"/>
+        <a:lumOff val="35000"/>
+      </a:schemeClr>
+    </cs:fontRef>
+    <cs:defRPr sz="1000" kern="1200"/>
+  </cs:axisTitle>
+  <cs:categoryAxis>
+    <cs:lnRef idx="0"/>
+    <cs:fillRef idx="0"/>
+    <cs:effectRef idx="0"/>
+    <cs:fontRef idx="minor">
+      <a:schemeClr val="tx1">
+        <a:lumMod val="65000"/>
+        <a:lumOff val="35000"/>
+      </a:schemeClr>
+    </cs:fontRef>
+    <cs:spPr>
+      <a:ln w="9525" cap="flat" cmpd="sng" algn="ctr">
+        <a:solidFill>
+          <a:schemeClr val="tx1">
+            <a:lumMod val="15000"/>
+            <a:lumOff val="85000"/>
+          </a:schemeClr>
+        </a:solidFill>
+        <a:round/>
+      </a:ln>
+    </cs:spPr>
+    <cs:defRPr sz="900" kern="1200"/>
+  </cs:categoryAxis>
+  <cs:chartArea mods="allowNoFillOverride allowNoLineOverride">
+    <cs:lnRef idx="0"/>
+    <cs:fillRef idx="0"/>
+    <cs:effectRef idx="0"/>
+    <cs:fontRef idx="minor">
+      <a:schemeClr val="tx1"/>
+    </cs:fontRef>
+    <cs:spPr>
+      <a:solidFill>
+        <a:schemeClr val="bg1"/>
+      </a:solidFill>
+      <a:ln w="9525" cap="flat" cmpd="sng" algn="ctr">
+        <a:solidFill>
+          <a:schemeClr val="tx1">
+            <a:lumMod val="15000"/>
+            <a:lumOff val="85000"/>
+          </a:schemeClr>
+        </a:solidFill>
+        <a:round/>
+      </a:ln>
+    </cs:spPr>
+    <cs:defRPr sz="1000" kern="1200"/>
+  </cs:chartArea>
+  <cs:dataLabel>
+    <cs:lnRef idx="0"/>
+    <cs:fillRef idx="0"/>
+    <cs:effectRef idx="0"/>
+    <cs:fontRef idx="minor">
+      <a:schemeClr val="tx1">
+        <a:lumMod val="75000"/>
+        <a:lumOff val="25000"/>
+      </a:schemeClr>
+    </cs:fontRef>
+    <cs:defRPr sz="900" kern="1200"/>
+  </cs:dataLabel>
+  <cs:dataLabelCallout>
+    <cs:lnRef idx="0"/>
+    <cs:fillRef idx="0"/>
+    <cs:effectRef idx="0"/>
+    <cs:fontRef idx="minor">
+      <a:schemeClr val="dk1">
+        <a:lumMod val="65000"/>
+        <a:lumOff val="35000"/>
+      </a:schemeClr>
+    </cs:fontRef>
+    <cs:spPr>
+      <a:solidFill>
+        <a:schemeClr val="lt1"/>
+      </a:solidFill>
+      <a:ln>
+        <a:solidFill>
+          <a:schemeClr val="dk1">
+            <a:lumMod val="25000"/>
+            <a:lumOff val="75000"/>
+          </a:schemeClr>
+        </a:solidFill>
+      </a:ln>
+    </cs:spPr>
+    <cs:defRPr sz="900" kern="1200"/>
+    <cs:bodyPr rot="0" spcFirstLastPara="1" vertOverflow="clip" horzOverflow="clip" vert="horz" wrap="square" lIns="36576" tIns="18288" rIns="36576" bIns="18288" anchor="ctr" anchorCtr="1">
+      <a:spAutoFit/>
+    </cs:bodyPr>
+  </cs:dataLabelCallout>
+  <cs:dataPoint>
+    <cs:lnRef idx="0"/>
+    <cs:fillRef idx="1">
+      <cs:styleClr val="auto"/>
+    </cs:fillRef>
+    <cs:effectRef idx="0"/>
+    <cs:fontRef idx="minor">
+      <a:schemeClr val="tx1"/>
+    </cs:fontRef>
+  </cs:dataPoint>
+  <cs:dataPoint3D>
+    <cs:lnRef idx="0"/>
+    <cs:fillRef idx="1">
+      <cs:styleClr val="auto"/>
+    </cs:fillRef>
+    <cs:effectRef idx="0"/>
+    <cs:fontRef idx="minor">
+      <a:schemeClr val="tx1"/>
+    </cs:fontRef>
+  </cs:dataPoint3D>
+  <cs:dataPointLine>
+    <cs:lnRef idx="0">
+      <cs:styleClr val="auto"/>
+    </cs:lnRef>
+    <cs:fillRef idx="1"/>
+    <cs:effectRef idx="0"/>
+    <cs:fontRef idx="minor">
+      <a:schemeClr val="tx1"/>
+    </cs:fontRef>
+    <cs:spPr>
+      <a:ln w="28575" cap="rnd">
+        <a:solidFill>
+          <a:schemeClr val="phClr"/>
+        </a:solidFill>
+        <a:round/>
+      </a:ln>
+    </cs:spPr>
+  </cs:dataPointLine>
+  <cs:dataPointMarker>
+    <cs:lnRef idx="0">
+      <cs:styleClr val="auto"/>
+    </cs:lnRef>
+    <cs:fillRef idx="1">
+      <cs:styleClr val="auto"/>
+    </cs:fillRef>
+    <cs:effectRef idx="0"/>
+    <cs:fontRef idx="minor">
+      <a:schemeClr val="tx1"/>
+    </cs:fontRef>
+    <cs:spPr>
+      <a:ln w="9525">
+        <a:solidFill>
+          <a:schemeClr val="phClr"/>
+        </a:solidFill>
+      </a:ln>
+    </cs:spPr>
+  </cs:dataPointMarker>
+  <cs:dataPointMarkerLayout symbol="circle" size="5"/>
+  <cs:dataPointWireframe>
+    <cs:lnRef idx="0">
+      <cs:styleClr val="auto"/>
+    </cs:lnRef>
+    <cs:fillRef idx="1"/>
+    <cs:effectRef idx="0"/>
+    <cs:fontRef idx="minor">
+      <a:schemeClr val="tx1"/>
+    </cs:fontRef>
+    <cs:spPr>
+      <a:ln w="9525" cap="rnd">
+        <a:solidFill>
+          <a:schemeClr val="phClr"/>
+        </a:solidFill>
+        <a:round/>
+      </a:ln>
+    </cs:spPr>
+  </cs:dataPointWireframe>
+  <cs:dataTable>
+    <cs:lnRef idx="0"/>
+    <cs:fillRef idx="0"/>
+    <cs:effectRef idx="0"/>
+    <cs:fontRef idx="minor">
+      <a:schemeClr val="tx1">
+        <a:lumMod val="65000"/>
+        <a:lumOff val="35000"/>
+      </a:schemeClr>
+    </cs:fontRef>
+    <cs:spPr>
+      <a:noFill/>
+      <a:ln w="9525" cap="flat" cmpd="sng" algn="ctr">
+        <a:solidFill>
+          <a:schemeClr val="tx1">
+            <a:lumMod val="15000"/>
+            <a:lumOff val="85000"/>
+          </a:schemeClr>
+        </a:solidFill>
+        <a:round/>
+      </a:ln>
+    </cs:spPr>
+    <cs:defRPr sz="900" kern="1200"/>
+  </cs:dataTable>
+  <cs:downBar>
+    <cs:lnRef idx="0"/>
+    <cs:fillRef idx="0"/>
+    <cs:effectRef idx="0"/>
+    <cs:fontRef idx="minor">
+      <a:schemeClr val="dk1"/>
+    </cs:fontRef>
+    <cs:spPr>
+      <a:solidFill>
+        <a:schemeClr val="dk1">
+          <a:lumMod val="65000"/>
+          <a:lumOff val="35000"/>
+        </a:schemeClr>
+      </a:solidFill>
+      <a:ln w="9525">
+        <a:solidFill>
+          <a:schemeClr val="tx1">
+            <a:lumMod val="65000"/>
+            <a:lumOff val="35000"/>
+          </a:schemeClr>
+        </a:solidFill>
+      </a:ln>
+    </cs:spPr>
+  </cs:downBar>
+  <cs:dropLine>
+    <cs:lnRef idx="0"/>
+    <cs:fillRef idx="0"/>
+    <cs:effectRef idx="0"/>
+    <cs:fontRef idx="minor">
+      <a:schemeClr val="tx1"/>
+    </cs:fontRef>
+    <cs:spPr>
+      <a:ln w="9525" cap="flat" cmpd="sng" algn="ctr">
+        <a:solidFill>
+          <a:schemeClr val="tx1">
+            <a:lumMod val="35000"/>
+            <a:lumOff val="65000"/>
+          </a:schemeClr>
+        </a:solidFill>
+        <a:round/>
+      </a:ln>
+    </cs:spPr>
+  </cs:dropLine>
+  <cs:errorBar>
+    <cs:lnRef idx="0"/>
+    <cs:fillRef idx="0"/>
+    <cs:effectRef idx="0"/>
+    <cs:fontRef idx="minor">
+      <a:schemeClr val="tx1"/>
+    </cs:fontRef>
+    <cs:spPr>
+      <a:ln w="9525" cap="flat" cmpd="sng" algn="ctr">
+        <a:solidFill>
+          <a:schemeClr val="tx1">
+            <a:lumMod val="65000"/>
+            <a:lumOff val="35000"/>
+          </a:schemeClr>
+        </a:solidFill>
+        <a:round/>
+      </a:ln>
+    </cs:spPr>
+  </cs:errorBar>
+  <cs:floor>
+    <cs:lnRef idx="0"/>
+    <cs:fillRef idx="0"/>
+    <cs:effectRef idx="0"/>
+    <cs:fontRef idx="minor">
+      <a:schemeClr val="tx1"/>
+    </cs:fontRef>
+    <cs:spPr>
+      <a:noFill/>
+      <a:ln>
+        <a:noFill/>
+      </a:ln>
+    </cs:spPr>
+  </cs:floor>
+  <cs:gridlineMajor>
+    <cs:lnRef idx="0"/>
+    <cs:fillRef idx="0"/>
+    <cs:effectRef idx="0"/>
+    <cs:fontRef idx="minor">
+      <a:schemeClr val="tx1"/>
+    </cs:fontRef>
+    <cs:spPr>
+      <a:ln w="9525" cap="flat" cmpd="sng" algn="ctr">
+        <a:solidFill>
+          <a:schemeClr val="tx1">
+            <a:lumMod val="15000"/>
+            <a:lumOff val="85000"/>
+          </a:schemeClr>
+        </a:solidFill>
+        <a:round/>
+      </a:ln>
+    </cs:spPr>
+  </cs:gridlineMajor>
+  <cs:gridlineMinor>
+    <cs:lnRef idx="0"/>
+    <cs:fillRef idx="0"/>
+    <cs:effectRef idx="0"/>
+    <cs:fontRef idx="minor">
+      <a:schemeClr val="tx1"/>
+    </cs:fontRef>
+    <cs:spPr>
+      <a:ln w="9525" cap="flat" cmpd="sng" algn="ctr">
+        <a:solidFill>
+          <a:schemeClr val="tx1">
+            <a:lumMod val="5000"/>
+            <a:lumOff val="95000"/>
+          </a:schemeClr>
+        </a:solidFill>
+        <a:round/>
+      </a:ln>
+    </cs:spPr>
+  </cs:gridlineMinor>
+  <cs:hiLoLine>
+    <cs:lnRef idx="0"/>
+    <cs:fillRef idx="0"/>
+    <cs:effectRef idx="0"/>
+    <cs:fontRef idx="minor">
+      <a:schemeClr val="tx1"/>
+    </cs:fontRef>
+    <cs:spPr>
+      <a:ln w="9525" cap="flat" cmpd="sng" algn="ctr">
+        <a:solidFill>
+          <a:schemeClr val="tx1">
+            <a:lumMod val="75000"/>
+            <a:lumOff val="25000"/>
+          </a:schemeClr>
+        </a:solidFill>
+        <a:round/>
+      </a:ln>
+    </cs:spPr>
+  </cs:hiLoLine>
+  <cs:leaderLine>
+    <cs:lnRef idx="0"/>
+    <cs:fillRef idx="0"/>
+    <cs:effectRef idx="0"/>
+    <cs:fontRef idx="minor">
+      <a:schemeClr val="tx1"/>
+    </cs:fontRef>
+    <cs:spPr>
+      <a:ln w="9525" cap="flat" cmpd="sng" algn="ctr">
+        <a:solidFill>
+          <a:schemeClr val="tx1">
+            <a:lumMod val="35000"/>
+            <a:lumOff val="65000"/>
+          </a:schemeClr>
+        </a:solidFill>
+        <a:round/>
+      </a:ln>
+    </cs:spPr>
+  </cs:leaderLine>
+  <cs:legend>
+    <cs:lnRef idx="0"/>
+    <cs:fillRef idx="0"/>
+    <cs:effectRef idx="0"/>
+    <cs:fontRef idx="minor">
+      <a:schemeClr val="tx1">
+        <a:lumMod val="65000"/>
+        <a:lumOff val="35000"/>
+      </a:schemeClr>
+    </cs:fontRef>
+    <cs:defRPr sz="900" kern="1200"/>
+  </cs:legend>
+  <cs:plotArea mods="allowNoFillOverride allowNoLineOverride">
+    <cs:lnRef idx="0"/>
+    <cs:fillRef idx="0"/>
+    <cs:effectRef idx="0"/>
+    <cs:fontRef idx="minor">
+      <a:schemeClr val="tx1"/>
+    </cs:fontRef>
+  </cs:plotArea>
+  <cs:plotArea3D mods="allowNoFillOverride allowNoLineOverride">
+    <cs:lnRef idx="0"/>
+    <cs:fillRef idx="0"/>
+    <cs:effectRef idx="0"/>
+    <cs:fontRef idx="minor">
+      <a:schemeClr val="tx1"/>
+    </cs:fontRef>
+  </cs:plotArea3D>
+  <cs:seriesAxis>
+    <cs:lnRef idx="0"/>
+    <cs:fillRef idx="0"/>
+    <cs:effectRef idx="0"/>
+    <cs:fontRef idx="minor">
+      <a:schemeClr val="tx1">
+        <a:lumMod val="65000"/>
+        <a:lumOff val="35000"/>
+      </a:schemeClr>
+    </cs:fontRef>
+    <cs:defRPr sz="900" kern="1200"/>
+  </cs:seriesAxis>
+  <cs:seriesLine>
+    <cs:lnRef idx="0"/>
+    <cs:fillRef idx="0"/>
+    <cs:effectRef idx="0"/>
+    <cs:fontRef idx="minor">
+      <a:schemeClr val="tx1"/>
+    </cs:fontRef>
+    <cs:spPr>
+      <a:ln w="9525" cap="flat" cmpd="sng" algn="ctr">
+        <a:solidFill>
+          <a:schemeClr val="tx1">
+            <a:lumMod val="35000"/>
+            <a:lumOff val="65000"/>
+          </a:schemeClr>
+        </a:solidFill>
+        <a:round/>
+      </a:ln>
+    </cs:spPr>
+  </cs:seriesLine>
+  <cs:title>
+    <cs:lnRef idx="0"/>
+    <cs:fillRef idx="0"/>
+    <cs:effectRef idx="0"/>
+    <cs:fontRef idx="minor">
+      <a:schemeClr val="tx1">
+        <a:lumMod val="65000"/>
+        <a:lumOff val="35000"/>
+      </a:schemeClr>
+    </cs:fontRef>
+    <cs:defRPr sz="1400" b="0" kern="1200" spc="0" baseline="0"/>
+  </cs:title>
+  <cs:trendline>
+    <cs:lnRef idx="0">
+      <cs:styleClr val="auto"/>
+    </cs:lnRef>
+    <cs:fillRef idx="0"/>
+    <cs:effectRef idx="0"/>
+    <cs:fontRef idx="minor">
+      <a:schemeClr val="tx1"/>
+    </cs:fontRef>
+    <cs:spPr>
+      <a:ln w="19050" cap="rnd">
+        <a:solidFill>
+          <a:schemeClr val="phClr"/>
+        </a:solidFill>
+        <a:prstDash val="sysDot"/>
+      </a:ln>
+    </cs:spPr>
+  </cs:trendline>
+  <cs:trendlineLabel>
+    <cs:lnRef idx="0"/>
+    <cs:fillRef idx="0"/>
+    <cs:effectRef idx="0"/>
+    <cs:fontRef idx="minor">
+      <a:schemeClr val="tx1">
+        <a:lumMod val="65000"/>
+        <a:lumOff val="35000"/>
+      </a:schemeClr>
+    </cs:fontRef>
+    <cs:defRPr sz="900" kern="1200"/>
+  </cs:trendlineLabel>
+  <cs:upBar>
+    <cs:lnRef idx="0"/>
+    <cs:fillRef idx="0"/>
+    <cs:effectRef idx="0"/>
+    <cs:fontRef idx="minor">
+      <a:schemeClr val="dk1"/>
+    </cs:fontRef>
+    <cs:spPr>
+      <a:solidFill>
+        <a:schemeClr val="lt1"/>
+      </a:solidFill>
+      <a:ln w="9525">
+        <a:solidFill>
+          <a:schemeClr val="tx1">
+            <a:lumMod val="15000"/>
+            <a:lumOff val="85000"/>
+          </a:schemeClr>
+        </a:solidFill>
+      </a:ln>
+    </cs:spPr>
+  </cs:upBar>
+  <cs:valueAxis>
+    <cs:lnRef idx="0"/>
+    <cs:fillRef idx="0"/>
+    <cs:effectRef idx="0"/>
+    <cs:fontRef idx="minor">
+      <a:schemeClr val="tx1">
+        <a:lumMod val="65000"/>
+        <a:lumOff val="35000"/>
+      </a:schemeClr>
+    </cs:fontRef>
+    <cs:defRPr sz="900" kern="1200"/>
+  </cs:valueAxis>
+  <cs:wall>
+    <cs:lnRef idx="0"/>
+    <cs:fillRef idx="0"/>
+    <cs:effectRef idx="0"/>
+    <cs:fontRef idx="minor">
+      <a:schemeClr val="tx1"/>
+    </cs:fontRef>
+    <cs:spPr>
+      <a:noFill/>
+      <a:ln>
+        <a:noFill/>
+      </a:ln>
+    </cs:spPr>
+  </cs:wall>
+</cs:chartStyle>
+</file>
+
+<file path=ppt/charts/style5.xml><?xml version="1.0" encoding="utf-8"?>
+<cs:chartStyle xmlns:cs="http://schemas.microsoft.com/office/drawing/2012/chartStyle" xmlns:a="http://schemas.openxmlformats.org/drawingml/2006/main" id="201">
+  <cs:axisTitle>
+    <cs:lnRef idx="0"/>
+    <cs:fillRef idx="0"/>
+    <cs:effectRef idx="0"/>
+    <cs:fontRef idx="minor">
+      <a:schemeClr val="tx1">
+        <a:lumMod val="65000"/>
+        <a:lumOff val="35000"/>
+      </a:schemeClr>
+    </cs:fontRef>
+    <cs:defRPr sz="1000" kern="1200"/>
+  </cs:axisTitle>
+  <cs:categoryAxis>
+    <cs:lnRef idx="0"/>
+    <cs:fillRef idx="0"/>
+    <cs:effectRef idx="0"/>
+    <cs:fontRef idx="minor">
+      <a:schemeClr val="tx1">
+        <a:lumMod val="65000"/>
+        <a:lumOff val="35000"/>
+      </a:schemeClr>
+    </cs:fontRef>
+    <cs:spPr>
+      <a:ln w="9525" cap="flat" cmpd="sng" algn="ctr">
+        <a:solidFill>
+          <a:schemeClr val="tx1">
+            <a:lumMod val="15000"/>
+            <a:lumOff val="85000"/>
+          </a:schemeClr>
+        </a:solidFill>
+        <a:round/>
+      </a:ln>
+    </cs:spPr>
+    <cs:defRPr sz="900" kern="1200"/>
+  </cs:categoryAxis>
+  <cs:chartArea mods="allowNoFillOverride allowNoLineOverride">
+    <cs:lnRef idx="0"/>
+    <cs:fillRef idx="0"/>
+    <cs:effectRef idx="0"/>
+    <cs:fontRef idx="minor">
+      <a:schemeClr val="tx1"/>
+    </cs:fontRef>
+    <cs:spPr>
+      <a:solidFill>
+        <a:schemeClr val="bg1"/>
+      </a:solidFill>
+      <a:ln w="9525" cap="flat" cmpd="sng" algn="ctr">
+        <a:solidFill>
+          <a:schemeClr val="tx1">
+            <a:lumMod val="15000"/>
+            <a:lumOff val="85000"/>
+          </a:schemeClr>
+        </a:solidFill>
+        <a:round/>
+      </a:ln>
+    </cs:spPr>
+    <cs:defRPr sz="1000" kern="1200"/>
+  </cs:chartArea>
+  <cs:dataLabel>
+    <cs:lnRef idx="0"/>
+    <cs:fillRef idx="0"/>
+    <cs:effectRef idx="0"/>
+    <cs:fontRef idx="minor">
+      <a:schemeClr val="tx1">
+        <a:lumMod val="75000"/>
+        <a:lumOff val="25000"/>
+      </a:schemeClr>
+    </cs:fontRef>
+    <cs:defRPr sz="900" kern="1200"/>
+  </cs:dataLabel>
+  <cs:dataLabelCallout>
+    <cs:lnRef idx="0"/>
+    <cs:fillRef idx="0"/>
+    <cs:effectRef idx="0"/>
+    <cs:fontRef idx="minor">
+      <a:schemeClr val="dk1">
+        <a:lumMod val="65000"/>
+        <a:lumOff val="35000"/>
+      </a:schemeClr>
+    </cs:fontRef>
+    <cs:spPr>
+      <a:solidFill>
+        <a:schemeClr val="lt1"/>
+      </a:solidFill>
+      <a:ln>
+        <a:solidFill>
+          <a:schemeClr val="dk1">
+            <a:lumMod val="25000"/>
+            <a:lumOff val="75000"/>
+          </a:schemeClr>
+        </a:solidFill>
+      </a:ln>
+    </cs:spPr>
+    <cs:defRPr sz="900" kern="1200"/>
+    <cs:bodyPr rot="0" spcFirstLastPara="1" vertOverflow="clip" horzOverflow="clip" vert="horz" wrap="square" lIns="36576" tIns="18288" rIns="36576" bIns="18288" anchor="ctr" anchorCtr="1">
+      <a:spAutoFit/>
+    </cs:bodyPr>
+  </cs:dataLabelCallout>
+  <cs:dataPoint>
+    <cs:lnRef idx="0"/>
+    <cs:fillRef idx="1">
+      <cs:styleClr val="auto"/>
+    </cs:fillRef>
+    <cs:effectRef idx="0"/>
+    <cs:fontRef idx="minor">
+      <a:schemeClr val="tx1"/>
+    </cs:fontRef>
+  </cs:dataPoint>
+  <cs:dataPoint3D>
+    <cs:lnRef idx="0"/>
+    <cs:fillRef idx="1">
+      <cs:styleClr val="auto"/>
+    </cs:fillRef>
+    <cs:effectRef idx="0"/>
+    <cs:fontRef idx="minor">
+      <a:schemeClr val="tx1"/>
+    </cs:fontRef>
+  </cs:dataPoint3D>
+  <cs:dataPointLine>
+    <cs:lnRef idx="0">
+      <cs:styleClr val="auto"/>
+    </cs:lnRef>
+    <cs:fillRef idx="1"/>
+    <cs:effectRef idx="0"/>
+    <cs:fontRef idx="minor">
+      <a:schemeClr val="tx1"/>
+    </cs:fontRef>
+    <cs:spPr>
+      <a:ln w="28575" cap="rnd">
+        <a:solidFill>
+          <a:schemeClr val="phClr"/>
+        </a:solidFill>
+        <a:round/>
+      </a:ln>
+    </cs:spPr>
+  </cs:dataPointLine>
+  <cs:dataPointMarker>
+    <cs:lnRef idx="0">
+      <cs:styleClr val="auto"/>
+    </cs:lnRef>
+    <cs:fillRef idx="1">
+      <cs:styleClr val="auto"/>
+    </cs:fillRef>
+    <cs:effectRef idx="0"/>
+    <cs:fontRef idx="minor">
+      <a:schemeClr val="tx1"/>
+    </cs:fontRef>
+    <cs:spPr>
+      <a:ln w="9525">
+        <a:solidFill>
+          <a:schemeClr val="phClr"/>
+        </a:solidFill>
+      </a:ln>
+    </cs:spPr>
+  </cs:dataPointMarker>
+  <cs:dataPointMarkerLayout symbol="circle" size="5"/>
+  <cs:dataPointWireframe>
+    <cs:lnRef idx="0">
+      <cs:styleClr val="auto"/>
+    </cs:lnRef>
+    <cs:fillRef idx="1"/>
+    <cs:effectRef idx="0"/>
+    <cs:fontRef idx="minor">
+      <a:schemeClr val="tx1"/>
+    </cs:fontRef>
+    <cs:spPr>
+      <a:ln w="9525" cap="rnd">
+        <a:solidFill>
+          <a:schemeClr val="phClr"/>
+        </a:solidFill>
+        <a:round/>
+      </a:ln>
+    </cs:spPr>
+  </cs:dataPointWireframe>
+  <cs:dataTable>
+    <cs:lnRef idx="0"/>
+    <cs:fillRef idx="0"/>
+    <cs:effectRef idx="0"/>
+    <cs:fontRef idx="minor">
+      <a:schemeClr val="tx1">
+        <a:lumMod val="65000"/>
+        <a:lumOff val="35000"/>
+      </a:schemeClr>
+    </cs:fontRef>
+    <cs:spPr>
+      <a:noFill/>
+      <a:ln w="9525" cap="flat" cmpd="sng" algn="ctr">
+        <a:solidFill>
+          <a:schemeClr val="tx1">
+            <a:lumMod val="15000"/>
+            <a:lumOff val="85000"/>
+          </a:schemeClr>
+        </a:solidFill>
+        <a:round/>
+      </a:ln>
+    </cs:spPr>
+    <cs:defRPr sz="900" kern="1200"/>
+  </cs:dataTable>
+  <cs:downBar>
+    <cs:lnRef idx="0"/>
+    <cs:fillRef idx="0"/>
+    <cs:effectRef idx="0"/>
+    <cs:fontRef idx="minor">
+      <a:schemeClr val="dk1"/>
+    </cs:fontRef>
+    <cs:spPr>
+      <a:solidFill>
+        <a:schemeClr val="dk1">
+          <a:lumMod val="65000"/>
+          <a:lumOff val="35000"/>
+        </a:schemeClr>
+      </a:solidFill>
+      <a:ln w="9525">
+        <a:solidFill>
+          <a:schemeClr val="tx1">
+            <a:lumMod val="65000"/>
+            <a:lumOff val="35000"/>
+          </a:schemeClr>
+        </a:solidFill>
+      </a:ln>
+    </cs:spPr>
+  </cs:downBar>
+  <cs:dropLine>
+    <cs:lnRef idx="0"/>
+    <cs:fillRef idx="0"/>
+    <cs:effectRef idx="0"/>
+    <cs:fontRef idx="minor">
+      <a:schemeClr val="tx1"/>
+    </cs:fontRef>
+    <cs:spPr>
+      <a:ln w="9525" cap="flat" cmpd="sng" algn="ctr">
+        <a:solidFill>
+          <a:schemeClr val="tx1">
+            <a:lumMod val="35000"/>
+            <a:lumOff val="65000"/>
+          </a:schemeClr>
+        </a:solidFill>
+        <a:round/>
+      </a:ln>
+    </cs:spPr>
+  </cs:dropLine>
+  <cs:errorBar>
+    <cs:lnRef idx="0"/>
+    <cs:fillRef idx="0"/>
+    <cs:effectRef idx="0"/>
+    <cs:fontRef idx="minor">
+      <a:schemeClr val="tx1"/>
+    </cs:fontRef>
+    <cs:spPr>
+      <a:ln w="9525" cap="flat" cmpd="sng" algn="ctr">
+        <a:solidFill>
+          <a:schemeClr val="tx1">
+            <a:lumMod val="65000"/>
+            <a:lumOff val="35000"/>
+          </a:schemeClr>
+        </a:solidFill>
+        <a:round/>
+      </a:ln>
+    </cs:spPr>
+  </cs:errorBar>
+  <cs:floor>
+    <cs:lnRef idx="0"/>
+    <cs:fillRef idx="0"/>
+    <cs:effectRef idx="0"/>
+    <cs:fontRef idx="minor">
+      <a:schemeClr val="tx1"/>
+    </cs:fontRef>
+    <cs:spPr>
+      <a:noFill/>
+      <a:ln>
+        <a:noFill/>
+      </a:ln>
+    </cs:spPr>
+  </cs:floor>
+  <cs:gridlineMajor>
+    <cs:lnRef idx="0"/>
+    <cs:fillRef idx="0"/>
+    <cs:effectRef idx="0"/>
+    <cs:fontRef idx="minor">
+      <a:schemeClr val="tx1"/>
+    </cs:fontRef>
+    <cs:spPr>
+      <a:ln w="9525" cap="flat" cmpd="sng" algn="ctr">
+        <a:solidFill>
+          <a:schemeClr val="tx1">
+            <a:lumMod val="15000"/>
+            <a:lumOff val="85000"/>
+          </a:schemeClr>
+        </a:solidFill>
+        <a:round/>
+      </a:ln>
+    </cs:spPr>
+  </cs:gridlineMajor>
+  <cs:gridlineMinor>
+    <cs:lnRef idx="0"/>
+    <cs:fillRef idx="0"/>
+    <cs:effectRef idx="0"/>
+    <cs:fontRef idx="minor">
+      <a:schemeClr val="tx1"/>
+    </cs:fontRef>
+    <cs:spPr>
+      <a:ln w="9525" cap="flat" cmpd="sng" algn="ctr">
+        <a:solidFill>
+          <a:schemeClr val="tx1">
+            <a:lumMod val="5000"/>
+            <a:lumOff val="95000"/>
+          </a:schemeClr>
+        </a:solidFill>
+        <a:round/>
+      </a:ln>
+    </cs:spPr>
+  </cs:gridlineMinor>
+  <cs:hiLoLine>
+    <cs:lnRef idx="0"/>
+    <cs:fillRef idx="0"/>
+    <cs:effectRef idx="0"/>
+    <cs:fontRef idx="minor">
+      <a:schemeClr val="tx1"/>
+    </cs:fontRef>
+    <cs:spPr>
+      <a:ln w="9525" cap="flat" cmpd="sng" algn="ctr">
+        <a:solidFill>
+          <a:schemeClr val="tx1">
+            <a:lumMod val="75000"/>
+            <a:lumOff val="25000"/>
+          </a:schemeClr>
+        </a:solidFill>
+        <a:round/>
+      </a:ln>
+    </cs:spPr>
+  </cs:hiLoLine>
+  <cs:leaderLine>
+    <cs:lnRef idx="0"/>
+    <cs:fillRef idx="0"/>
+    <cs:effectRef idx="0"/>
+    <cs:fontRef idx="minor">
+      <a:schemeClr val="tx1"/>
+    </cs:fontRef>
+    <cs:spPr>
+      <a:ln w="9525" cap="flat" cmpd="sng" algn="ctr">
+        <a:solidFill>
+          <a:schemeClr val="tx1">
+            <a:lumMod val="35000"/>
+            <a:lumOff val="65000"/>
+          </a:schemeClr>
+        </a:solidFill>
+        <a:round/>
+      </a:ln>
+    </cs:spPr>
+  </cs:leaderLine>
+  <cs:legend>
+    <cs:lnRef idx="0"/>
+    <cs:fillRef idx="0"/>
+    <cs:effectRef idx="0"/>
+    <cs:fontRef idx="minor">
+      <a:schemeClr val="tx1">
+        <a:lumMod val="65000"/>
+        <a:lumOff val="35000"/>
+      </a:schemeClr>
+    </cs:fontRef>
+    <cs:defRPr sz="900" kern="1200"/>
+  </cs:legend>
+  <cs:plotArea mods="allowNoFillOverride allowNoLineOverride">
+    <cs:lnRef idx="0"/>
+    <cs:fillRef idx="0"/>
+    <cs:effectRef idx="0"/>
+    <cs:fontRef idx="minor">
+      <a:schemeClr val="tx1"/>
+    </cs:fontRef>
+  </cs:plotArea>
+  <cs:plotArea3D mods="allowNoFillOverride allowNoLineOverride">
+    <cs:lnRef idx="0"/>
+    <cs:fillRef idx="0"/>
+    <cs:effectRef idx="0"/>
+    <cs:fontRef idx="minor">
+      <a:schemeClr val="tx1"/>
+    </cs:fontRef>
+  </cs:plotArea3D>
+  <cs:seriesAxis>
+    <cs:lnRef idx="0"/>
+    <cs:fillRef idx="0"/>
+    <cs:effectRef idx="0"/>
+    <cs:fontRef idx="minor">
+      <a:schemeClr val="tx1">
+        <a:lumMod val="65000"/>
+        <a:lumOff val="35000"/>
+      </a:schemeClr>
+    </cs:fontRef>
+    <cs:defRPr sz="900" kern="1200"/>
+  </cs:seriesAxis>
+  <cs:seriesLine>
+    <cs:lnRef idx="0"/>
+    <cs:fillRef idx="0"/>
+    <cs:effectRef idx="0"/>
+    <cs:fontRef idx="minor">
+      <a:schemeClr val="tx1"/>
+    </cs:fontRef>
+    <cs:spPr>
+      <a:ln w="9525" cap="flat" cmpd="sng" algn="ctr">
+        <a:solidFill>
+          <a:schemeClr val="tx1">
+            <a:lumMod val="35000"/>
+            <a:lumOff val="65000"/>
+          </a:schemeClr>
+        </a:solidFill>
+        <a:round/>
+      </a:ln>
+    </cs:spPr>
+  </cs:seriesLine>
+  <cs:title>
+    <cs:lnRef idx="0"/>
+    <cs:fillRef idx="0"/>
+    <cs:effectRef idx="0"/>
+    <cs:fontRef idx="minor">
+      <a:schemeClr val="tx1">
+        <a:lumMod val="65000"/>
+        <a:lumOff val="35000"/>
+      </a:schemeClr>
+    </cs:fontRef>
+    <cs:defRPr sz="1400" b="0" kern="1200" spc="0" baseline="0"/>
+  </cs:title>
+  <cs:trendline>
+    <cs:lnRef idx="0">
+      <cs:styleClr val="auto"/>
+    </cs:lnRef>
+    <cs:fillRef idx="0"/>
+    <cs:effectRef idx="0"/>
+    <cs:fontRef idx="minor">
+      <a:schemeClr val="tx1"/>
+    </cs:fontRef>
+    <cs:spPr>
+      <a:ln w="19050" cap="rnd">
+        <a:solidFill>
+          <a:schemeClr val="phClr"/>
+        </a:solidFill>
+        <a:prstDash val="sysDot"/>
+      </a:ln>
+    </cs:spPr>
+  </cs:trendline>
+  <cs:trendlineLabel>
+    <cs:lnRef idx="0"/>
+    <cs:fillRef idx="0"/>
+    <cs:effectRef idx="0"/>
+    <cs:fontRef idx="minor">
+      <a:schemeClr val="tx1">
+        <a:lumMod val="65000"/>
+        <a:lumOff val="35000"/>
+      </a:schemeClr>
+    </cs:fontRef>
+    <cs:defRPr sz="900" kern="1200"/>
+  </cs:trendlineLabel>
+  <cs:upBar>
+    <cs:lnRef idx="0"/>
+    <cs:fillRef idx="0"/>
+    <cs:effectRef idx="0"/>
+    <cs:fontRef idx="minor">
+      <a:schemeClr val="dk1"/>
+    </cs:fontRef>
+    <cs:spPr>
+      <a:solidFill>
+        <a:schemeClr val="lt1"/>
+      </a:solidFill>
+      <a:ln w="9525">
+        <a:solidFill>
+          <a:schemeClr val="tx1">
+            <a:lumMod val="15000"/>
+            <a:lumOff val="85000"/>
+          </a:schemeClr>
+        </a:solidFill>
+      </a:ln>
+    </cs:spPr>
+  </cs:upBar>
+  <cs:valueAxis>
+    <cs:lnRef idx="0"/>
+    <cs:fillRef idx="0"/>
+    <cs:effectRef idx="0"/>
+    <cs:fontRef idx="minor">
+      <a:schemeClr val="tx1">
+        <a:lumMod val="65000"/>
+        <a:lumOff val="35000"/>
+      </a:schemeClr>
+    </cs:fontRef>
+    <cs:defRPr sz="900" kern="1200"/>
+  </cs:valueAxis>
+  <cs:wall>
+    <cs:lnRef idx="0"/>
+    <cs:fillRef idx="0"/>
+    <cs:effectRef idx="0"/>
+    <cs:fontRef idx="minor">
+      <a:schemeClr val="tx1"/>
+    </cs:fontRef>
+    <cs:spPr>
+      <a:noFill/>
+      <a:ln>
+        <a:noFill/>
+      </a:ln>
+    </cs:spPr>
+  </cs:wall>
+</cs:chartStyle>
+</file>
+
+<file path=ppt/charts/style6.xml><?xml version="1.0" encoding="utf-8"?>
 <cs:chartStyle xmlns:cs="http://schemas.microsoft.com/office/drawing/2012/chartStyle" xmlns:a="http://schemas.openxmlformats.org/drawingml/2006/main" id="201">
   <cs:axisTitle>
     <cs:lnRef idx="0"/>
@@ -3441,7 +6277,7 @@
           <a:p>
             <a:fld id="{16F89BC7-03B7-194C-B491-8117B19CC20D}" type="datetimeFigureOut">
               <a:rPr kumimoji="1" lang="zh-TW" altLang="en-US" smtClean="0"/>
-              <a:t>2017/6/12</a:t>
+              <a:t>2017/6/13</a:t>
             </a:fld>
             <a:endParaRPr kumimoji="1" lang="zh-TW" altLang="en-US"/>
           </a:p>
@@ -3611,7 +6447,7 @@
           <a:p>
             <a:fld id="{16F89BC7-03B7-194C-B491-8117B19CC20D}" type="datetimeFigureOut">
               <a:rPr kumimoji="1" lang="zh-TW" altLang="en-US" smtClean="0"/>
-              <a:t>2017/6/12</a:t>
+              <a:t>2017/6/13</a:t>
             </a:fld>
             <a:endParaRPr kumimoji="1" lang="zh-TW" altLang="en-US"/>
           </a:p>
@@ -3791,7 +6627,7 @@
           <a:p>
             <a:fld id="{16F89BC7-03B7-194C-B491-8117B19CC20D}" type="datetimeFigureOut">
               <a:rPr kumimoji="1" lang="zh-TW" altLang="en-US" smtClean="0"/>
-              <a:t>2017/6/12</a:t>
+              <a:t>2017/6/13</a:t>
             </a:fld>
             <a:endParaRPr kumimoji="1" lang="zh-TW" altLang="en-US"/>
           </a:p>
@@ -3961,7 +6797,7 @@
           <a:p>
             <a:fld id="{16F89BC7-03B7-194C-B491-8117B19CC20D}" type="datetimeFigureOut">
               <a:rPr kumimoji="1" lang="zh-TW" altLang="en-US" smtClean="0"/>
-              <a:t>2017/6/12</a:t>
+              <a:t>2017/6/13</a:t>
             </a:fld>
             <a:endParaRPr kumimoji="1" lang="zh-TW" altLang="en-US"/>
           </a:p>
@@ -4207,7 +7043,7 @@
           <a:p>
             <a:fld id="{16F89BC7-03B7-194C-B491-8117B19CC20D}" type="datetimeFigureOut">
               <a:rPr kumimoji="1" lang="zh-TW" altLang="en-US" smtClean="0"/>
-              <a:t>2017/6/12</a:t>
+              <a:t>2017/6/13</a:t>
             </a:fld>
             <a:endParaRPr kumimoji="1" lang="zh-TW" altLang="en-US"/>
           </a:p>
@@ -4439,7 +7275,7 @@
           <a:p>
             <a:fld id="{16F89BC7-03B7-194C-B491-8117B19CC20D}" type="datetimeFigureOut">
               <a:rPr kumimoji="1" lang="zh-TW" altLang="en-US" smtClean="0"/>
-              <a:t>2017/6/12</a:t>
+              <a:t>2017/6/13</a:t>
             </a:fld>
             <a:endParaRPr kumimoji="1" lang="zh-TW" altLang="en-US"/>
           </a:p>
@@ -4806,7 +7642,7 @@
           <a:p>
             <a:fld id="{16F89BC7-03B7-194C-B491-8117B19CC20D}" type="datetimeFigureOut">
               <a:rPr kumimoji="1" lang="zh-TW" altLang="en-US" smtClean="0"/>
-              <a:t>2017/6/12</a:t>
+              <a:t>2017/6/13</a:t>
             </a:fld>
             <a:endParaRPr kumimoji="1" lang="zh-TW" altLang="en-US"/>
           </a:p>
@@ -4924,7 +7760,7 @@
           <a:p>
             <a:fld id="{16F89BC7-03B7-194C-B491-8117B19CC20D}" type="datetimeFigureOut">
               <a:rPr kumimoji="1" lang="zh-TW" altLang="en-US" smtClean="0"/>
-              <a:t>2017/6/12</a:t>
+              <a:t>2017/6/13</a:t>
             </a:fld>
             <a:endParaRPr kumimoji="1" lang="zh-TW" altLang="en-US"/>
           </a:p>
@@ -5019,7 +7855,7 @@
           <a:p>
             <a:fld id="{16F89BC7-03B7-194C-B491-8117B19CC20D}" type="datetimeFigureOut">
               <a:rPr kumimoji="1" lang="zh-TW" altLang="en-US" smtClean="0"/>
-              <a:t>2017/6/12</a:t>
+              <a:t>2017/6/13</a:t>
             </a:fld>
             <a:endParaRPr kumimoji="1" lang="zh-TW" altLang="en-US"/>
           </a:p>
@@ -5296,7 +8132,7 @@
           <a:p>
             <a:fld id="{16F89BC7-03B7-194C-B491-8117B19CC20D}" type="datetimeFigureOut">
               <a:rPr kumimoji="1" lang="zh-TW" altLang="en-US" smtClean="0"/>
-              <a:t>2017/6/12</a:t>
+              <a:t>2017/6/13</a:t>
             </a:fld>
             <a:endParaRPr kumimoji="1" lang="zh-TW" altLang="en-US"/>
           </a:p>
@@ -5549,7 +8385,7 @@
           <a:p>
             <a:fld id="{16F89BC7-03B7-194C-B491-8117B19CC20D}" type="datetimeFigureOut">
               <a:rPr kumimoji="1" lang="zh-TW" altLang="en-US" smtClean="0"/>
-              <a:t>2017/6/12</a:t>
+              <a:t>2017/6/13</a:t>
             </a:fld>
             <a:endParaRPr kumimoji="1" lang="zh-TW" altLang="en-US"/>
           </a:p>
@@ -5762,7 +8598,7 @@
           <a:p>
             <a:fld id="{16F89BC7-03B7-194C-B491-8117B19CC20D}" type="datetimeFigureOut">
               <a:rPr kumimoji="1" lang="zh-TW" altLang="en-US" smtClean="0"/>
-              <a:t>2017/6/12</a:t>
+              <a:t>2017/6/13</a:t>
             </a:fld>
             <a:endParaRPr kumimoji="1" lang="zh-TW" altLang="en-US"/>
           </a:p>
@@ -7895,6 +10731,91 @@
           <p:nvPr>
             <p:extLst>
               <p:ext uri="{D42A27DB-BD31-4B8C-83A1-F6EECF244321}">
+                <p14:modId xmlns:p14="http://schemas.microsoft.com/office/powerpoint/2010/main" val="1939309556"/>
+              </p:ext>
+            </p:extLst>
+          </p:nvPr>
+        </p:nvGraphicFramePr>
+        <p:xfrm>
+          <a:off x="881270" y="2057400"/>
+          <a:ext cx="3703982" cy="2832652"/>
+        </p:xfrm>
+        <a:graphic>
+          <a:graphicData uri="http://schemas.openxmlformats.org/drawingml/2006/chart">
+            <c:chart xmlns:c="http://schemas.openxmlformats.org/drawingml/2006/chart" xmlns:r="http://schemas.openxmlformats.org/officeDocument/2006/relationships" r:id="rId2"/>
+          </a:graphicData>
+        </a:graphic>
+      </p:graphicFrame>
+      <p:graphicFrame>
+        <p:nvGraphicFramePr>
+          <p:cNvPr id="11" name="圖表 10"/>
+          <p:cNvGraphicFramePr>
+            <a:graphicFrameLocks/>
+          </p:cNvGraphicFramePr>
+          <p:nvPr>
+            <p:extLst>
+              <p:ext uri="{D42A27DB-BD31-4B8C-83A1-F6EECF244321}">
+                <p14:modId xmlns:p14="http://schemas.microsoft.com/office/powerpoint/2010/main" val="720770326"/>
+              </p:ext>
+            </p:extLst>
+          </p:nvPr>
+        </p:nvGraphicFramePr>
+        <p:xfrm>
+          <a:off x="4585252" y="2057400"/>
+          <a:ext cx="3816626" cy="2832652"/>
+        </p:xfrm>
+        <a:graphic>
+          <a:graphicData uri="http://schemas.openxmlformats.org/drawingml/2006/chart">
+            <c:chart xmlns:c="http://schemas.openxmlformats.org/drawingml/2006/chart" xmlns:r="http://schemas.openxmlformats.org/officeDocument/2006/relationships" r:id="rId3"/>
+          </a:graphicData>
+        </a:graphic>
+      </p:graphicFrame>
+    </p:spTree>
+    <p:extLst>
+      <p:ext uri="{BB962C8B-B14F-4D97-AF65-F5344CB8AC3E}">
+        <p14:creationId xmlns:p14="http://schemas.microsoft.com/office/powerpoint/2010/main" val="1735477699"/>
+      </p:ext>
+    </p:extLst>
+  </p:cSld>
+  <p:clrMapOvr>
+    <a:masterClrMapping/>
+  </p:clrMapOvr>
+  <p:timing>
+    <p:tnLst>
+      <p:par>
+        <p:cTn id="1" dur="indefinite" restart="never" nodeType="tmRoot"/>
+      </p:par>
+    </p:tnLst>
+  </p:timing>
+</p:sld>
+</file>
+
+<file path=ppt/slides/slide5.xml><?xml version="1.0" encoding="utf-8"?>
+<p:sld xmlns:a="http://schemas.openxmlformats.org/drawingml/2006/main" xmlns:r="http://schemas.openxmlformats.org/officeDocument/2006/relationships" xmlns:p="http://schemas.openxmlformats.org/presentationml/2006/main">
+  <p:cSld>
+    <p:spTree>
+      <p:nvGrpSpPr>
+        <p:cNvPr id="1" name=""/>
+        <p:cNvGrpSpPr/>
+        <p:nvPr/>
+      </p:nvGrpSpPr>
+      <p:grpSpPr>
+        <a:xfrm>
+          <a:off x="0" y="0"/>
+          <a:ext cx="0" cy="0"/>
+          <a:chOff x="0" y="0"/>
+          <a:chExt cx="0" cy="0"/>
+        </a:xfrm>
+      </p:grpSpPr>
+      <p:graphicFrame>
+        <p:nvGraphicFramePr>
+          <p:cNvPr id="9" name="圖表 8"/>
+          <p:cNvGraphicFramePr>
+            <a:graphicFrameLocks/>
+          </p:cNvGraphicFramePr>
+          <p:nvPr>
+            <p:extLst>
+              <p:ext uri="{D42A27DB-BD31-4B8C-83A1-F6EECF244321}">
                 <p14:modId xmlns:p14="http://schemas.microsoft.com/office/powerpoint/2010/main" val="313515824"/>
               </p:ext>
             </p:extLst>
@@ -7955,6 +10876,30 @@
         <a:graphic>
           <a:graphicData uri="http://schemas.openxmlformats.org/drawingml/2006/chart">
             <c:chart xmlns:c="http://schemas.openxmlformats.org/drawingml/2006/chart" xmlns:r="http://schemas.openxmlformats.org/officeDocument/2006/relationships" r:id="rId4"/>
+          </a:graphicData>
+        </a:graphic>
+      </p:graphicFrame>
+      <p:graphicFrame>
+        <p:nvGraphicFramePr>
+          <p:cNvPr id="5" name="圖表 4"/>
+          <p:cNvGraphicFramePr>
+            <a:graphicFrameLocks/>
+          </p:cNvGraphicFramePr>
+          <p:nvPr>
+            <p:extLst>
+              <p:ext uri="{D42A27DB-BD31-4B8C-83A1-F6EECF244321}">
+                <p14:modId xmlns:p14="http://schemas.microsoft.com/office/powerpoint/2010/main" val="1894568290"/>
+              </p:ext>
+            </p:extLst>
+          </p:nvPr>
+        </p:nvGraphicFramePr>
+        <p:xfrm>
+          <a:off x="4512039" y="3307828"/>
+          <a:ext cx="4101439" cy="3379956"/>
+        </p:xfrm>
+        <a:graphic>
+          <a:graphicData uri="http://schemas.openxmlformats.org/drawingml/2006/chart">
+            <c:chart xmlns:c="http://schemas.openxmlformats.org/drawingml/2006/chart" xmlns:r="http://schemas.openxmlformats.org/officeDocument/2006/relationships" r:id="rId5"/>
           </a:graphicData>
         </a:graphic>
       </p:graphicFrame>
